--- a/CaravanSeraiCS360/Presentations/Caravanserai.pptx
+++ b/CaravanSeraiCS360/Presentations/Caravanserai.pptx
@@ -12,11 +12,11 @@
   </p:handoutMasterIdLst>
   <p:sldIdLst>
     <p:sldId id="296" r:id="rId5"/>
-    <p:sldId id="320" r:id="rId6"/>
+    <p:sldId id="323" r:id="rId6"/>
     <p:sldId id="312" r:id="rId7"/>
     <p:sldId id="319" r:id="rId8"/>
-    <p:sldId id="313" r:id="rId9"/>
-    <p:sldId id="322" r:id="rId10"/>
+    <p:sldId id="324" r:id="rId9"/>
+    <p:sldId id="313" r:id="rId10"/>
     <p:sldId id="321" r:id="rId11"/>
   </p:sldIdLst>
   <p:sldSz cx="12192000" cy="6858000"/>
@@ -238,7 +238,7 @@
           <a:p>
             <a:fld id="{B149A72A-4651-45C7-9E42-35BFFD46D92F}" type="datetimeFigureOut">
               <a:rPr lang="en-US" smtClean="0"/>
-              <a:t>2/19/2025</a:t>
+              <a:t>3/16/2025</a:t>
             </a:fld>
             <a:endParaRPr lang="en-US" dirty="0"/>
           </a:p>
@@ -415,7 +415,7 @@
           <a:p>
             <a:fld id="{9D849352-39CB-486C-AEA5-5D17795DD0C7}" type="datetimeFigureOut">
               <a:rPr lang="en-US" smtClean="0"/>
-              <a:t>2/19/2025</a:t>
+              <a:t>3/16/2025</a:t>
             </a:fld>
             <a:endParaRPr lang="en-US" dirty="0"/>
           </a:p>
@@ -757,6 +757,114 @@
     <p:extLst>
       <p:ext uri="{BB962C8B-B14F-4D97-AF65-F5344CB8AC3E}">
         <p14:creationId xmlns:p14="http://schemas.microsoft.com/office/powerpoint/2010/main" val="1623119340"/>
+      </p:ext>
+    </p:extLst>
+  </p:cSld>
+  <p:clrMapOvr>
+    <a:masterClrMapping/>
+  </p:clrMapOvr>
+</p:notes>
+</file>
+
+<file path=ppt/notesSlides/notesSlide2.xml><?xml version="1.0" encoding="utf-8"?>
+<p:notes xmlns:a="http://schemas.openxmlformats.org/drawingml/2006/main" xmlns:r="http://schemas.openxmlformats.org/officeDocument/2006/relationships" xmlns:p="http://schemas.openxmlformats.org/presentationml/2006/main">
+  <p:cSld>
+    <p:spTree>
+      <p:nvGrpSpPr>
+        <p:cNvPr id="1" name="">
+          <a:extLst>
+            <a:ext uri="{FF2B5EF4-FFF2-40B4-BE49-F238E27FC236}">
+              <a16:creationId xmlns:a16="http://schemas.microsoft.com/office/drawing/2014/main" id="{75B93611-3A82-8D78-0EE6-2CA7F71FFAB0}"/>
+            </a:ext>
+          </a:extLst>
+        </p:cNvPr>
+        <p:cNvGrpSpPr/>
+        <p:nvPr/>
+      </p:nvGrpSpPr>
+      <p:grpSpPr>
+        <a:xfrm>
+          <a:off x="0" y="0"/>
+          <a:ext cx="0" cy="0"/>
+          <a:chOff x="0" y="0"/>
+          <a:chExt cx="0" cy="0"/>
+        </a:xfrm>
+      </p:grpSpPr>
+      <p:sp>
+        <p:nvSpPr>
+          <p:cNvPr id="2" name="Slide Image Placeholder 1">
+            <a:extLst>
+              <a:ext uri="{FF2B5EF4-FFF2-40B4-BE49-F238E27FC236}">
+                <a16:creationId xmlns:a16="http://schemas.microsoft.com/office/drawing/2014/main" id="{7F0F962A-D32B-0112-A373-B50BEC0F015F}"/>
+              </a:ext>
+            </a:extLst>
+          </p:cNvPr>
+          <p:cNvSpPr>
+            <a:spLocks noGrp="1" noRot="1" noChangeAspect="1"/>
+          </p:cNvSpPr>
+          <p:nvPr>
+            <p:ph type="sldImg"/>
+          </p:nvPr>
+        </p:nvSpPr>
+        <p:spPr/>
+      </p:sp>
+      <p:sp>
+        <p:nvSpPr>
+          <p:cNvPr id="3" name="Notes Placeholder 2">
+            <a:extLst>
+              <a:ext uri="{FF2B5EF4-FFF2-40B4-BE49-F238E27FC236}">
+                <a16:creationId xmlns:a16="http://schemas.microsoft.com/office/drawing/2014/main" id="{D06AAA19-A81F-2BA6-3874-72E73AFCE144}"/>
+              </a:ext>
+            </a:extLst>
+          </p:cNvPr>
+          <p:cNvSpPr>
+            <a:spLocks noGrp="1"/>
+          </p:cNvSpPr>
+          <p:nvPr>
+            <p:ph type="body" idx="1"/>
+          </p:nvPr>
+        </p:nvSpPr>
+        <p:spPr/>
+        <p:txBody>
+          <a:bodyPr/>
+          <a:lstStyle/>
+          <a:p>
+            <a:endParaRPr lang="en-US" dirty="0"/>
+          </a:p>
+        </p:txBody>
+      </p:sp>
+      <p:sp>
+        <p:nvSpPr>
+          <p:cNvPr id="4" name="Slide Number Placeholder 3">
+            <a:extLst>
+              <a:ext uri="{FF2B5EF4-FFF2-40B4-BE49-F238E27FC236}">
+                <a16:creationId xmlns:a16="http://schemas.microsoft.com/office/drawing/2014/main" id="{C4223EB3-248F-E339-7C81-1D666C47658C}"/>
+              </a:ext>
+            </a:extLst>
+          </p:cNvPr>
+          <p:cNvSpPr>
+            <a:spLocks noGrp="1"/>
+          </p:cNvSpPr>
+          <p:nvPr>
+            <p:ph type="sldNum" sz="quarter" idx="5"/>
+          </p:nvPr>
+        </p:nvSpPr>
+        <p:spPr/>
+        <p:txBody>
+          <a:bodyPr/>
+          <a:lstStyle/>
+          <a:p>
+            <a:fld id="{C30E6F85-6220-421D-9203-84F526C4C605}" type="slidenum">
+              <a:rPr lang="en-US" smtClean="0"/>
+              <a:t>2</a:t>
+            </a:fld>
+            <a:endParaRPr lang="en-US" dirty="0"/>
+          </a:p>
+        </p:txBody>
+      </p:sp>
+    </p:spTree>
+    <p:extLst>
+      <p:ext uri="{BB962C8B-B14F-4D97-AF65-F5344CB8AC3E}">
+        <p14:creationId xmlns:p14="http://schemas.microsoft.com/office/powerpoint/2010/main" val="3168383247"/>
       </p:ext>
     </p:extLst>
   </p:cSld>
@@ -5980,7 +6088,7 @@
         <p:cNvPr id="1" name="">
           <a:extLst>
             <a:ext uri="{FF2B5EF4-FFF2-40B4-BE49-F238E27FC236}">
-              <a16:creationId xmlns:a16="http://schemas.microsoft.com/office/drawing/2014/main" id="{D08ED97F-8A45-F1B2-2A35-827B18FBB992}"/>
+              <a16:creationId xmlns:a16="http://schemas.microsoft.com/office/drawing/2014/main" id="{C05AD88E-2148-6D22-0463-AD0721BF2CC7}"/>
             </a:ext>
           </a:extLst>
         </p:cNvPr>
@@ -6000,7 +6108,7 @@
           <p:cNvPr id="2" name="Title 1">
             <a:extLst>
               <a:ext uri="{FF2B5EF4-FFF2-40B4-BE49-F238E27FC236}">
-                <a16:creationId xmlns:a16="http://schemas.microsoft.com/office/drawing/2014/main" id="{C9332E6E-BBAE-A553-CD67-82F5025E48B7}"/>
+                <a16:creationId xmlns:a16="http://schemas.microsoft.com/office/drawing/2014/main" id="{FACAFAE1-1E86-A168-2ADA-5EBE24B143C2}"/>
               </a:ext>
             </a:extLst>
           </p:cNvPr>
@@ -6011,112 +6119,65 @@
             <p:ph type="title"/>
           </p:nvPr>
         </p:nvSpPr>
-        <p:spPr/>
-        <p:txBody>
-          <a:bodyPr/>
+        <p:spPr>
+          <a:xfrm>
+            <a:off x="975360" y="1731702"/>
+            <a:ext cx="10241280" cy="1837408"/>
+          </a:xfrm>
+        </p:spPr>
+        <p:txBody>
+          <a:bodyPr>
+            <a:normAutofit/>
+          </a:bodyPr>
           <a:lstStyle/>
           <a:p>
             <a:r>
-              <a:rPr lang="en-US" dirty="0"/>
-              <a:t>What is a caravanserai</a:t>
-            </a:r>
-          </a:p>
-        </p:txBody>
-      </p:sp>
-      <p:sp>
-        <p:nvSpPr>
-          <p:cNvPr id="5" name="Content Placeholder 4">
-            <a:extLst>
-              <a:ext uri="{FF2B5EF4-FFF2-40B4-BE49-F238E27FC236}">
-                <a16:creationId xmlns:a16="http://schemas.microsoft.com/office/drawing/2014/main" id="{C8A6725E-38E2-66A1-91E5-03F24E4194A8}"/>
-              </a:ext>
-            </a:extLst>
-          </p:cNvPr>
-          <p:cNvSpPr>
-            <a:spLocks noGrp="1"/>
-          </p:cNvSpPr>
-          <p:nvPr>
-            <p:ph sz="quarter" idx="17"/>
-          </p:nvPr>
-        </p:nvSpPr>
-        <p:spPr/>
-        <p:txBody>
-          <a:bodyPr/>
+              <a:rPr lang="en-US" sz="4800" dirty="0"/>
+              <a:t>PROJECT UPDATE</a:t>
+            </a:r>
+          </a:p>
+        </p:txBody>
+      </p:sp>
+      <p:sp>
+        <p:nvSpPr>
+          <p:cNvPr id="3" name="TextBox 2">
+            <a:extLst>
+              <a:ext uri="{FF2B5EF4-FFF2-40B4-BE49-F238E27FC236}">
+                <a16:creationId xmlns:a16="http://schemas.microsoft.com/office/drawing/2014/main" id="{1F393740-55AE-9699-2D8C-E63F59415963}"/>
+              </a:ext>
+            </a:extLst>
+          </p:cNvPr>
+          <p:cNvSpPr txBox="1"/>
+          <p:nvPr/>
+        </p:nvSpPr>
+        <p:spPr>
+          <a:xfrm>
+            <a:off x="3475703" y="3136612"/>
+            <a:ext cx="5240594" cy="584775"/>
+          </a:xfrm>
+          <a:prstGeom prst="rect">
+            <a:avLst/>
+          </a:prstGeom>
+          <a:noFill/>
+        </p:spPr>
+        <p:txBody>
+          <a:bodyPr wrap="square" rtlCol="0">
+            <a:spAutoFit/>
+          </a:bodyPr>
           <a:lstStyle/>
           <a:p>
-            <a:pPr marL="342900" indent="-342900">
-              <a:buFont typeface="Arial" panose="020B0604020202020204" pitchFamily="34" charset="0"/>
-              <a:buChar char="•"/>
-            </a:pPr>
-            <a:r>
-              <a:rPr lang="en-US" sz="2400" dirty="0"/>
-              <a:t>Westernized word referring to inns on ancient trade routes where merchants could safely gather.</a:t>
-            </a:r>
-          </a:p>
-          <a:p>
-            <a:pPr marL="342900" indent="-342900">
-              <a:buFont typeface="Arial" panose="020B0604020202020204" pitchFamily="34" charset="0"/>
-              <a:buChar char="•"/>
-            </a:pPr>
-            <a:r>
-              <a:rPr lang="en-US" sz="2400" dirty="0"/>
-              <a:t>Provided a safe haven as well as open market spaces for the exchange of goods.</a:t>
-            </a:r>
-          </a:p>
-          <a:p>
-            <a:pPr marL="342900" indent="-342900">
-              <a:buFont typeface="Arial" panose="020B0604020202020204" pitchFamily="34" charset="0"/>
-              <a:buChar char="•"/>
-            </a:pPr>
-            <a:r>
-              <a:rPr lang="en-US" sz="2400" dirty="0"/>
-              <a:t>Comes from the root words “caravan” referring to a group of merchants and “</a:t>
-            </a:r>
-            <a:r>
-              <a:rPr lang="en-US" sz="2400" dirty="0" err="1"/>
-              <a:t>seray</a:t>
-            </a:r>
-            <a:r>
-              <a:rPr lang="en-US" sz="2400" dirty="0"/>
-              <a:t>” meaning palace.</a:t>
-            </a:r>
-          </a:p>
-        </p:txBody>
-      </p:sp>
-      <p:sp>
-        <p:nvSpPr>
-          <p:cNvPr id="4" name="Slide Number Placeholder 3">
-            <a:extLst>
-              <a:ext uri="{FF2B5EF4-FFF2-40B4-BE49-F238E27FC236}">
-                <a16:creationId xmlns:a16="http://schemas.microsoft.com/office/drawing/2014/main" id="{09720C6A-5F07-7CAE-F755-40A86D5010C2}"/>
-              </a:ext>
-            </a:extLst>
-          </p:cNvPr>
-          <p:cNvSpPr>
-            <a:spLocks noGrp="1"/>
-          </p:cNvSpPr>
-          <p:nvPr>
-            <p:ph type="sldNum" sz="quarter" idx="12"/>
-          </p:nvPr>
-        </p:nvSpPr>
-        <p:spPr/>
-        <p:txBody>
-          <a:bodyPr/>
-          <a:lstStyle/>
-          <a:p>
-            <a:fld id="{C01389E6-C847-4AD0-B56D-D205B2EAB1EE}" type="slidenum">
-              <a:rPr lang="en-US" smtClean="0"/>
-              <a:pPr/>
-              <a:t>2</a:t>
-            </a:fld>
-            <a:endParaRPr lang="en-US" dirty="0"/>
+            <a:pPr algn="ctr"/>
+            <a:r>
+              <a:rPr lang="en-US" sz="3200" dirty="0"/>
+              <a:t>Phase 2</a:t>
+            </a:r>
           </a:p>
         </p:txBody>
       </p:sp>
     </p:spTree>
     <p:extLst>
       <p:ext uri="{BB962C8B-B14F-4D97-AF65-F5344CB8AC3E}">
-        <p14:creationId xmlns:p14="http://schemas.microsoft.com/office/powerpoint/2010/main" val="1871534887"/>
+        <p14:creationId xmlns:p14="http://schemas.microsoft.com/office/powerpoint/2010/main" val="2000612667"/>
       </p:ext>
     </p:extLst>
   </p:cSld>
@@ -6344,7 +6405,7 @@
             </a:pPr>
             <a:r>
               <a:rPr lang="en-US" sz="2400" dirty="0"/>
-              <a:t>HTML/CSS for front end user and administrative controls.</a:t>
+              <a:t>HTML/PHP for frontend.</a:t>
             </a:r>
           </a:p>
           <a:p>
@@ -6352,9 +6413,54 @@
               <a:buFont typeface="Arial" panose="020B0604020202020204" pitchFamily="34" charset="0"/>
               <a:buChar char="•"/>
             </a:pPr>
+            <a:endParaRPr lang="en-US" sz="2400" dirty="0"/>
+          </a:p>
+          <a:p>
+            <a:pPr marL="342900" indent="-342900">
+              <a:buFont typeface="Arial" panose="020B0604020202020204" pitchFamily="34" charset="0"/>
+              <a:buChar char="•"/>
+            </a:pPr>
             <a:r>
               <a:rPr lang="en-US" sz="2400" dirty="0"/>
-              <a:t>PHP/JavaScript for database organization.</a:t>
+              <a:t>PHP for backend.</a:t>
+            </a:r>
+          </a:p>
+          <a:p>
+            <a:pPr marL="342900" indent="-342900">
+              <a:buFont typeface="Arial" panose="020B0604020202020204" pitchFamily="34" charset="0"/>
+              <a:buChar char="•"/>
+            </a:pPr>
+            <a:endParaRPr lang="en-US" sz="2400" dirty="0"/>
+          </a:p>
+          <a:p>
+            <a:pPr marL="342900" indent="-342900">
+              <a:buFont typeface="Arial" panose="020B0604020202020204" pitchFamily="34" charset="0"/>
+              <a:buChar char="•"/>
+            </a:pPr>
+            <a:r>
+              <a:rPr lang="en-US" sz="2400" dirty="0" err="1"/>
+              <a:t>phpmyadmin</a:t>
+            </a:r>
+            <a:r>
+              <a:rPr lang="en-US" sz="2400" dirty="0"/>
+              <a:t> for organizing and managing the database.</a:t>
+            </a:r>
+          </a:p>
+          <a:p>
+            <a:pPr marL="342900" indent="-342900">
+              <a:buFont typeface="Arial" panose="020B0604020202020204" pitchFamily="34" charset="0"/>
+              <a:buChar char="•"/>
+            </a:pPr>
+            <a:endParaRPr lang="en-US" sz="2400" dirty="0"/>
+          </a:p>
+          <a:p>
+            <a:pPr marL="342900" indent="-342900">
+              <a:buFont typeface="Arial" panose="020B0604020202020204" pitchFamily="34" charset="0"/>
+              <a:buChar char="•"/>
+            </a:pPr>
+            <a:r>
+              <a:rPr lang="en-US" sz="2400" dirty="0"/>
+              <a:t>XAMPP for local testing.</a:t>
             </a:r>
           </a:p>
         </p:txBody>
@@ -6407,7 +6513,13 @@
   <p:cSld>
     <p:spTree>
       <p:nvGrpSpPr>
-        <p:cNvPr id="1" name=""/>
+        <p:cNvPr id="1" name="">
+          <a:extLst>
+            <a:ext uri="{FF2B5EF4-FFF2-40B4-BE49-F238E27FC236}">
+              <a16:creationId xmlns:a16="http://schemas.microsoft.com/office/drawing/2014/main" id="{E18FD17A-4B5A-9A10-34EC-5EAB5B2E1B43}"/>
+            </a:ext>
+          </a:extLst>
+        </p:cNvPr>
         <p:cNvGrpSpPr/>
         <p:nvPr/>
       </p:nvGrpSpPr>
@@ -6424,7 +6536,7 @@
           <p:cNvPr id="2" name="Title 1">
             <a:extLst>
               <a:ext uri="{FF2B5EF4-FFF2-40B4-BE49-F238E27FC236}">
-                <a16:creationId xmlns:a16="http://schemas.microsoft.com/office/drawing/2014/main" id="{800D1D41-5286-2B6E-EE70-7893A03CDE7D}"/>
+                <a16:creationId xmlns:a16="http://schemas.microsoft.com/office/drawing/2014/main" id="{BBEAB8BD-CFBB-B027-C0D3-F02622442B64}"/>
               </a:ext>
             </a:extLst>
           </p:cNvPr>
@@ -6442,7 +6554,7 @@
           <a:p>
             <a:r>
               <a:rPr lang="en-US" dirty="0"/>
-              <a:t>Current and Expected Challenges</a:t>
+              <a:t>Timeline</a:t>
             </a:r>
           </a:p>
         </p:txBody>
@@ -6452,7 +6564,7 @@
           <p:cNvPr id="3" name="Content Placeholder 2">
             <a:extLst>
               <a:ext uri="{FF2B5EF4-FFF2-40B4-BE49-F238E27FC236}">
-                <a16:creationId xmlns:a16="http://schemas.microsoft.com/office/drawing/2014/main" id="{314C37A0-451F-A5BA-50DE-F50D2BE3A817}"/>
+                <a16:creationId xmlns:a16="http://schemas.microsoft.com/office/drawing/2014/main" id="{EED5311A-3C90-8D88-3E28-BD080FB84AC8}"/>
               </a:ext>
             </a:extLst>
           </p:cNvPr>
@@ -6477,10 +6589,7 @@
               <a:buFont typeface="Arial" panose="020B0604020202020204" pitchFamily="34" charset="0"/>
               <a:buChar char="•"/>
             </a:pPr>
-            <a:r>
-              <a:rPr lang="en-US" sz="2400" dirty="0"/>
-              <a:t>Unclear expectations set for project.  Guidelines for the project are vague, unspecific, and poorly presented.</a:t>
-            </a:r>
+            <a:endParaRPr lang="en-US" dirty="0"/>
           </a:p>
           <a:p>
             <a:pPr marL="342900" indent="-342900">
@@ -6488,8 +6597,8 @@
               <a:buChar char="•"/>
             </a:pPr>
             <a:r>
-              <a:rPr lang="en-US" sz="2400" dirty="0"/>
-              <a:t>Lack of common use resources.  This will lead to long times of development as we produce our unique systems and resources rather than following standardization.</a:t>
+              <a:rPr lang="en-US" dirty="0"/>
+              <a:t>Phase 1 – complete</a:t>
             </a:r>
           </a:p>
           <a:p>
@@ -6497,17 +6606,17 @@
               <a:buFont typeface="Arial" panose="020B0604020202020204" pitchFamily="34" charset="0"/>
               <a:buChar char="•"/>
             </a:pPr>
-            <a:r>
-              <a:rPr lang="en-US" sz="2400" dirty="0"/>
-              <a:t>Inadequate training provided by course instructors leading to excessive self-training times.  Each of these challenges should not be a challenge.</a:t>
-            </a:r>
+            <a:endParaRPr lang="en-US" dirty="0"/>
           </a:p>
           <a:p>
             <a:pPr marL="342900" indent="-342900">
               <a:buFont typeface="Arial" panose="020B0604020202020204" pitchFamily="34" charset="0"/>
               <a:buChar char="•"/>
             </a:pPr>
-            <a:endParaRPr lang="en-US" dirty="0"/>
+            <a:r>
+              <a:rPr lang="en-US" dirty="0"/>
+              <a:t>Phase 2 – complete</a:t>
+            </a:r>
           </a:p>
           <a:p>
             <a:pPr marL="342900" indent="-342900">
@@ -6521,6 +6630,14 @@
               <a:buFont typeface="Arial" panose="020B0604020202020204" pitchFamily="34" charset="0"/>
               <a:buChar char="•"/>
             </a:pPr>
+            <a:r>
+              <a:rPr lang="en-US" dirty="0"/>
+              <a:t>Phase 3 </a:t>
+            </a:r>
+            <a:r>
+              <a:rPr lang="en-US"/>
+              <a:t>- complete</a:t>
+            </a:r>
             <a:endParaRPr lang="en-US" dirty="0"/>
           </a:p>
           <a:p>
@@ -6530,6 +6647,20 @@
             </a:pPr>
             <a:endParaRPr lang="en-US" dirty="0"/>
           </a:p>
+          <a:p>
+            <a:pPr marL="342900" indent="-342900">
+              <a:buFont typeface="Arial" panose="020B0604020202020204" pitchFamily="34" charset="0"/>
+              <a:buChar char="•"/>
+            </a:pPr>
+            <a:endParaRPr lang="en-US" dirty="0"/>
+          </a:p>
+          <a:p>
+            <a:pPr marL="342900" indent="-342900">
+              <a:buFont typeface="Arial" panose="020B0604020202020204" pitchFamily="34" charset="0"/>
+              <a:buChar char="•"/>
+            </a:pPr>
+            <a:endParaRPr lang="en-US" dirty="0"/>
+          </a:p>
         </p:txBody>
       </p:sp>
       <p:sp>
@@ -6537,7 +6668,7 @@
           <p:cNvPr id="5" name="Slide Number Placeholder 4">
             <a:extLst>
               <a:ext uri="{FF2B5EF4-FFF2-40B4-BE49-F238E27FC236}">
-                <a16:creationId xmlns:a16="http://schemas.microsoft.com/office/drawing/2014/main" id="{513D02C0-0922-7872-ED77-5519F8213166}"/>
+                <a16:creationId xmlns:a16="http://schemas.microsoft.com/office/drawing/2014/main" id="{4C195CDA-259B-72CB-6F77-06561F2950E8}"/>
               </a:ext>
             </a:extLst>
           </p:cNvPr>
@@ -6565,7 +6696,7 @@
     </p:spTree>
     <p:extLst>
       <p:ext uri="{BB962C8B-B14F-4D97-AF65-F5344CB8AC3E}">
-        <p14:creationId xmlns:p14="http://schemas.microsoft.com/office/powerpoint/2010/main" val="1811109426"/>
+        <p14:creationId xmlns:p14="http://schemas.microsoft.com/office/powerpoint/2010/main" val="954306413"/>
       </p:ext>
     </p:extLst>
   </p:cSld>
@@ -6580,13 +6711,7 @@
   <p:cSld>
     <p:spTree>
       <p:nvGrpSpPr>
-        <p:cNvPr id="1" name="">
-          <a:extLst>
-            <a:ext uri="{FF2B5EF4-FFF2-40B4-BE49-F238E27FC236}">
-              <a16:creationId xmlns:a16="http://schemas.microsoft.com/office/drawing/2014/main" id="{CAF7C3B7-186B-1E63-6BD0-4B879DF2F1DB}"/>
-            </a:ext>
-          </a:extLst>
-        </p:cNvPr>
+        <p:cNvPr id="1" name=""/>
         <p:cNvGrpSpPr/>
         <p:nvPr/>
       </p:nvGrpSpPr>
@@ -6603,7 +6728,7 @@
           <p:cNvPr id="2" name="Title 1">
             <a:extLst>
               <a:ext uri="{FF2B5EF4-FFF2-40B4-BE49-F238E27FC236}">
-                <a16:creationId xmlns:a16="http://schemas.microsoft.com/office/drawing/2014/main" id="{CFE069CB-3B06-4FAA-9FB1-6C68008B637A}"/>
+                <a16:creationId xmlns:a16="http://schemas.microsoft.com/office/drawing/2014/main" id="{800D1D41-5286-2B6E-EE70-7893A03CDE7D}"/>
               </a:ext>
             </a:extLst>
           </p:cNvPr>
@@ -6621,7 +6746,7 @@
           <a:p>
             <a:r>
               <a:rPr lang="en-US" dirty="0"/>
-              <a:t>Expected outcomes</a:t>
+              <a:t>Current Challenges</a:t>
             </a:r>
           </a:p>
         </p:txBody>
@@ -6631,7 +6756,7 @@
           <p:cNvPr id="3" name="Content Placeholder 2">
             <a:extLst>
               <a:ext uri="{FF2B5EF4-FFF2-40B4-BE49-F238E27FC236}">
-                <a16:creationId xmlns:a16="http://schemas.microsoft.com/office/drawing/2014/main" id="{5DF4D70B-5025-2A5A-F3B4-92C19C327AFA}"/>
+                <a16:creationId xmlns:a16="http://schemas.microsoft.com/office/drawing/2014/main" id="{314C37A0-451F-A5BA-50DE-F50D2BE3A817}"/>
               </a:ext>
             </a:extLst>
           </p:cNvPr>
@@ -6658,7 +6783,7 @@
             </a:pPr>
             <a:r>
               <a:rPr lang="en-US" sz="2400" dirty="0"/>
-              <a:t>A functional database platform that allows for users to create accounts and trade products anonymously.</a:t>
+              <a:t>Significant lack of frontend development.</a:t>
             </a:r>
           </a:p>
           <a:p>
@@ -6666,10 +6791,7 @@
               <a:buFont typeface="Arial" panose="020B0604020202020204" pitchFamily="34" charset="0"/>
               <a:buChar char="•"/>
             </a:pPr>
-            <a:r>
-              <a:rPr lang="en-US" sz="2400" dirty="0"/>
-              <a:t>An eight-page status and research report regarding the technology used.</a:t>
-            </a:r>
+            <a:endParaRPr lang="en-US" sz="2400" dirty="0"/>
           </a:p>
           <a:p>
             <a:pPr marL="342900" indent="-342900">
@@ -6678,7 +6800,7 @@
             </a:pPr>
             <a:r>
               <a:rPr lang="en-US" sz="2400" dirty="0"/>
-              <a:t>A rich, full, delightful college experience from gracious and highly competent educators.</a:t>
+              <a:t>Difficulties communicating.</a:t>
             </a:r>
           </a:p>
           <a:p>
@@ -6686,14 +6808,17 @@
               <a:buFont typeface="Arial" panose="020B0604020202020204" pitchFamily="34" charset="0"/>
               <a:buChar char="•"/>
             </a:pPr>
-            <a:endParaRPr lang="en-US" dirty="0"/>
+            <a:endParaRPr lang="en-US" sz="2400" dirty="0"/>
           </a:p>
           <a:p>
             <a:pPr marL="342900" indent="-342900">
               <a:buFont typeface="Arial" panose="020B0604020202020204" pitchFamily="34" charset="0"/>
               <a:buChar char="•"/>
             </a:pPr>
-            <a:endParaRPr lang="en-US" dirty="0"/>
+            <a:r>
+              <a:rPr lang="en-US" sz="2400" dirty="0"/>
+              <a:t>Unclear expectations for project.</a:t>
+            </a:r>
           </a:p>
           <a:p>
             <a:pPr marL="342900" indent="-342900">
@@ -6709,6 +6834,20 @@
             </a:pPr>
             <a:endParaRPr lang="en-US" dirty="0"/>
           </a:p>
+          <a:p>
+            <a:pPr marL="342900" indent="-342900">
+              <a:buFont typeface="Arial" panose="020B0604020202020204" pitchFamily="34" charset="0"/>
+              <a:buChar char="•"/>
+            </a:pPr>
+            <a:endParaRPr lang="en-US" dirty="0"/>
+          </a:p>
+          <a:p>
+            <a:pPr marL="342900" indent="-342900">
+              <a:buFont typeface="Arial" panose="020B0604020202020204" pitchFamily="34" charset="0"/>
+              <a:buChar char="•"/>
+            </a:pPr>
+            <a:endParaRPr lang="en-US" dirty="0"/>
+          </a:p>
         </p:txBody>
       </p:sp>
       <p:sp>
@@ -6716,7 +6855,7 @@
           <p:cNvPr id="5" name="Slide Number Placeholder 4">
             <a:extLst>
               <a:ext uri="{FF2B5EF4-FFF2-40B4-BE49-F238E27FC236}">
-                <a16:creationId xmlns:a16="http://schemas.microsoft.com/office/drawing/2014/main" id="{E7326B8A-F38A-8A57-F4F7-FD89835E74CD}"/>
+                <a16:creationId xmlns:a16="http://schemas.microsoft.com/office/drawing/2014/main" id="{513D02C0-0922-7872-ED77-5519F8213166}"/>
               </a:ext>
             </a:extLst>
           </p:cNvPr>
@@ -6744,7 +6883,7 @@
     </p:spTree>
     <p:extLst>
       <p:ext uri="{BB962C8B-B14F-4D97-AF65-F5344CB8AC3E}">
-        <p14:creationId xmlns:p14="http://schemas.microsoft.com/office/powerpoint/2010/main" val="4173077451"/>
+        <p14:creationId xmlns:p14="http://schemas.microsoft.com/office/powerpoint/2010/main" val="1811109426"/>
       </p:ext>
     </p:extLst>
   </p:cSld>
@@ -7027,7 +7166,7 @@
           <a:p>
             <a:r>
               <a:rPr lang="en-US" dirty="0"/>
-              <a:t>Todd Carter</a:t>
+              <a:t>Todd Carter – backend</a:t>
             </a:r>
           </a:p>
           <a:p>
@@ -7042,7 +7181,7 @@
           <a:p>
             <a:r>
               <a:rPr lang="en-US" dirty="0"/>
-              <a:t>Anna Milligan</a:t>
+              <a:t>Anna Milligan - frontend</a:t>
             </a:r>
           </a:p>
           <a:p>

--- a/CaravanSeraiCS360/Presentations/Caravanserai.pptx
+++ b/CaravanSeraiCS360/Presentations/Caravanserai.pptx
@@ -5,19 +5,20 @@
     <p:sldMasterId id="2147483728" r:id="rId4"/>
   </p:sldMasterIdLst>
   <p:notesMasterIdLst>
-    <p:notesMasterId r:id="rId12"/>
+    <p:notesMasterId r:id="rId13"/>
   </p:notesMasterIdLst>
   <p:handoutMasterIdLst>
-    <p:handoutMasterId r:id="rId13"/>
+    <p:handoutMasterId r:id="rId14"/>
   </p:handoutMasterIdLst>
   <p:sldIdLst>
     <p:sldId id="296" r:id="rId5"/>
     <p:sldId id="323" r:id="rId6"/>
     <p:sldId id="312" r:id="rId7"/>
     <p:sldId id="319" r:id="rId8"/>
-    <p:sldId id="324" r:id="rId9"/>
-    <p:sldId id="313" r:id="rId10"/>
-    <p:sldId id="321" r:id="rId11"/>
+    <p:sldId id="325" r:id="rId9"/>
+    <p:sldId id="326" r:id="rId10"/>
+    <p:sldId id="324" r:id="rId11"/>
+    <p:sldId id="321" r:id="rId12"/>
   </p:sldIdLst>
   <p:sldSz cx="12192000" cy="6858000"/>
   <p:notesSz cx="6858000" cy="9144000"/>
@@ -6516,6 +6517,346 @@
         <p:cNvPr id="1" name="">
           <a:extLst>
             <a:ext uri="{FF2B5EF4-FFF2-40B4-BE49-F238E27FC236}">
+              <a16:creationId xmlns:a16="http://schemas.microsoft.com/office/drawing/2014/main" id="{68DE51DF-2955-FC95-AF5A-1C08E9533E6D}"/>
+            </a:ext>
+          </a:extLst>
+        </p:cNvPr>
+        <p:cNvGrpSpPr/>
+        <p:nvPr/>
+      </p:nvGrpSpPr>
+      <p:grpSpPr>
+        <a:xfrm>
+          <a:off x="0" y="0"/>
+          <a:ext cx="0" cy="0"/>
+          <a:chOff x="0" y="0"/>
+          <a:chExt cx="0" cy="0"/>
+        </a:xfrm>
+      </p:grpSpPr>
+      <p:sp>
+        <p:nvSpPr>
+          <p:cNvPr id="2" name="Title 1">
+            <a:extLst>
+              <a:ext uri="{FF2B5EF4-FFF2-40B4-BE49-F238E27FC236}">
+                <a16:creationId xmlns:a16="http://schemas.microsoft.com/office/drawing/2014/main" id="{EF8D8013-2487-EBF4-E918-74E290A7CE05}"/>
+              </a:ext>
+            </a:extLst>
+          </p:cNvPr>
+          <p:cNvSpPr>
+            <a:spLocks noGrp="1"/>
+          </p:cNvSpPr>
+          <p:nvPr>
+            <p:ph type="title"/>
+          </p:nvPr>
+        </p:nvSpPr>
+        <p:spPr/>
+        <p:txBody>
+          <a:bodyPr/>
+          <a:lstStyle/>
+          <a:p>
+            <a:r>
+              <a:rPr lang="en-US" dirty="0"/>
+              <a:t>What we have Built</a:t>
+            </a:r>
+          </a:p>
+        </p:txBody>
+      </p:sp>
+      <p:sp>
+        <p:nvSpPr>
+          <p:cNvPr id="5" name="Content Placeholder 4">
+            <a:extLst>
+              <a:ext uri="{FF2B5EF4-FFF2-40B4-BE49-F238E27FC236}">
+                <a16:creationId xmlns:a16="http://schemas.microsoft.com/office/drawing/2014/main" id="{F4C745E6-4539-0C52-7C42-2E2793749305}"/>
+              </a:ext>
+            </a:extLst>
+          </p:cNvPr>
+          <p:cNvSpPr>
+            <a:spLocks noGrp="1"/>
+          </p:cNvSpPr>
+          <p:nvPr>
+            <p:ph sz="quarter" idx="17"/>
+          </p:nvPr>
+        </p:nvSpPr>
+        <p:spPr/>
+        <p:txBody>
+          <a:bodyPr/>
+          <a:lstStyle/>
+          <a:p>
+            <a:pPr marL="342900" indent="-342900">
+              <a:buFont typeface="Arial" panose="020B0604020202020204" pitchFamily="34" charset="0"/>
+              <a:buChar char="•"/>
+            </a:pPr>
+            <a:r>
+              <a:rPr lang="en-US" sz="2400" dirty="0"/>
+              <a:t>Functional login logout system</a:t>
+            </a:r>
+          </a:p>
+          <a:p>
+            <a:pPr marL="342900" indent="-342900">
+              <a:buFont typeface="Arial" panose="020B0604020202020204" pitchFamily="34" charset="0"/>
+              <a:buChar char="•"/>
+            </a:pPr>
+            <a:endParaRPr lang="en-US" sz="2400" dirty="0"/>
+          </a:p>
+          <a:p>
+            <a:pPr marL="342900" indent="-342900">
+              <a:buFont typeface="Arial" panose="020B0604020202020204" pitchFamily="34" charset="0"/>
+              <a:buChar char="•"/>
+            </a:pPr>
+            <a:r>
+              <a:rPr lang="en-US" sz="2400" dirty="0"/>
+              <a:t>Cart system for taking products from database</a:t>
+            </a:r>
+          </a:p>
+          <a:p>
+            <a:pPr marL="342900" indent="-342900">
+              <a:buFont typeface="Arial" panose="020B0604020202020204" pitchFamily="34" charset="0"/>
+              <a:buChar char="•"/>
+            </a:pPr>
+            <a:endParaRPr lang="en-US" sz="2400" dirty="0"/>
+          </a:p>
+          <a:p>
+            <a:pPr marL="342900" indent="-342900">
+              <a:buFont typeface="Arial" panose="020B0604020202020204" pitchFamily="34" charset="0"/>
+              <a:buChar char="•"/>
+            </a:pPr>
+            <a:r>
+              <a:rPr lang="en-US" sz="2400" dirty="0"/>
+              <a:t>Barter system for exchange of products existing on database</a:t>
+            </a:r>
+          </a:p>
+          <a:p>
+            <a:pPr marL="342900" indent="-342900">
+              <a:buFont typeface="Arial" panose="020B0604020202020204" pitchFamily="34" charset="0"/>
+              <a:buChar char="•"/>
+            </a:pPr>
+            <a:endParaRPr lang="en-US" sz="2400" dirty="0"/>
+          </a:p>
+          <a:p>
+            <a:pPr marL="342900" indent="-342900">
+              <a:buFont typeface="Arial" panose="020B0604020202020204" pitchFamily="34" charset="0"/>
+              <a:buChar char="•"/>
+            </a:pPr>
+            <a:r>
+              <a:rPr lang="en-US" sz="2400" dirty="0"/>
+              <a:t>Functional frontend</a:t>
+            </a:r>
+          </a:p>
+        </p:txBody>
+      </p:sp>
+      <p:sp>
+        <p:nvSpPr>
+          <p:cNvPr id="4" name="Slide Number Placeholder 3">
+            <a:extLst>
+              <a:ext uri="{FF2B5EF4-FFF2-40B4-BE49-F238E27FC236}">
+                <a16:creationId xmlns:a16="http://schemas.microsoft.com/office/drawing/2014/main" id="{2FC774DF-48D9-BD36-4C0A-93706A0304B7}"/>
+              </a:ext>
+            </a:extLst>
+          </p:cNvPr>
+          <p:cNvSpPr>
+            <a:spLocks noGrp="1"/>
+          </p:cNvSpPr>
+          <p:nvPr>
+            <p:ph type="sldNum" sz="quarter" idx="12"/>
+          </p:nvPr>
+        </p:nvSpPr>
+        <p:spPr/>
+        <p:txBody>
+          <a:bodyPr/>
+          <a:lstStyle/>
+          <a:p>
+            <a:fld id="{C01389E6-C847-4AD0-B56D-D205B2EAB1EE}" type="slidenum">
+              <a:rPr lang="en-US" smtClean="0"/>
+              <a:pPr/>
+              <a:t>5</a:t>
+            </a:fld>
+            <a:endParaRPr lang="en-US" dirty="0"/>
+          </a:p>
+        </p:txBody>
+      </p:sp>
+    </p:spTree>
+    <p:extLst>
+      <p:ext uri="{BB962C8B-B14F-4D97-AF65-F5344CB8AC3E}">
+        <p14:creationId xmlns:p14="http://schemas.microsoft.com/office/powerpoint/2010/main" val="2642184838"/>
+      </p:ext>
+    </p:extLst>
+  </p:cSld>
+  <p:clrMapOvr>
+    <a:masterClrMapping/>
+  </p:clrMapOvr>
+</p:sld>
+</file>
+
+<file path=ppt/slides/slide6.xml><?xml version="1.0" encoding="utf-8"?>
+<p:sld xmlns:a="http://schemas.openxmlformats.org/drawingml/2006/main" xmlns:r="http://schemas.openxmlformats.org/officeDocument/2006/relationships" xmlns:p="http://schemas.openxmlformats.org/presentationml/2006/main">
+  <p:cSld>
+    <p:spTree>
+      <p:nvGrpSpPr>
+        <p:cNvPr id="1" name="">
+          <a:extLst>
+            <a:ext uri="{FF2B5EF4-FFF2-40B4-BE49-F238E27FC236}">
+              <a16:creationId xmlns:a16="http://schemas.microsoft.com/office/drawing/2014/main" id="{F97E430D-E367-BCF4-F9B2-0A8F5EAFD4CB}"/>
+            </a:ext>
+          </a:extLst>
+        </p:cNvPr>
+        <p:cNvGrpSpPr/>
+        <p:nvPr/>
+      </p:nvGrpSpPr>
+      <p:grpSpPr>
+        <a:xfrm>
+          <a:off x="0" y="0"/>
+          <a:ext cx="0" cy="0"/>
+          <a:chOff x="0" y="0"/>
+          <a:chExt cx="0" cy="0"/>
+        </a:xfrm>
+      </p:grpSpPr>
+      <p:sp>
+        <p:nvSpPr>
+          <p:cNvPr id="2" name="Title 1">
+            <a:extLst>
+              <a:ext uri="{FF2B5EF4-FFF2-40B4-BE49-F238E27FC236}">
+                <a16:creationId xmlns:a16="http://schemas.microsoft.com/office/drawing/2014/main" id="{5EBE2311-3325-CBF4-5ACF-C5BD2E2F7688}"/>
+              </a:ext>
+            </a:extLst>
+          </p:cNvPr>
+          <p:cNvSpPr>
+            <a:spLocks noGrp="1"/>
+          </p:cNvSpPr>
+          <p:nvPr>
+            <p:ph type="title"/>
+          </p:nvPr>
+        </p:nvSpPr>
+        <p:spPr/>
+        <p:txBody>
+          <a:bodyPr/>
+          <a:lstStyle/>
+          <a:p>
+            <a:r>
+              <a:rPr lang="en-US" dirty="0"/>
+              <a:t>What IS TO COME</a:t>
+            </a:r>
+          </a:p>
+        </p:txBody>
+      </p:sp>
+      <p:sp>
+        <p:nvSpPr>
+          <p:cNvPr id="5" name="Content Placeholder 4">
+            <a:extLst>
+              <a:ext uri="{FF2B5EF4-FFF2-40B4-BE49-F238E27FC236}">
+                <a16:creationId xmlns:a16="http://schemas.microsoft.com/office/drawing/2014/main" id="{AA9FBF88-749E-2130-9071-9FED806754CB}"/>
+              </a:ext>
+            </a:extLst>
+          </p:cNvPr>
+          <p:cNvSpPr>
+            <a:spLocks noGrp="1"/>
+          </p:cNvSpPr>
+          <p:nvPr>
+            <p:ph sz="quarter" idx="17"/>
+          </p:nvPr>
+        </p:nvSpPr>
+        <p:spPr/>
+        <p:txBody>
+          <a:bodyPr/>
+          <a:lstStyle/>
+          <a:p>
+            <a:pPr marL="342900" indent="-342900">
+              <a:buFont typeface="Arial" panose="020B0604020202020204" pitchFamily="34" charset="0"/>
+              <a:buChar char="•"/>
+            </a:pPr>
+            <a:r>
+              <a:rPr lang="en-US" sz="2400" dirty="0"/>
+              <a:t>Frontend development and polishing</a:t>
+            </a:r>
+          </a:p>
+          <a:p>
+            <a:endParaRPr lang="en-US" sz="2400" dirty="0"/>
+          </a:p>
+          <a:p>
+            <a:pPr marL="342900" indent="-342900">
+              <a:buFont typeface="Arial" panose="020B0604020202020204" pitchFamily="34" charset="0"/>
+              <a:buChar char="•"/>
+            </a:pPr>
+            <a:r>
+              <a:rPr lang="en-US" sz="2400" dirty="0"/>
+              <a:t>Connection of allied users to allow for trading of shared resources</a:t>
+            </a:r>
+          </a:p>
+          <a:p>
+            <a:pPr marL="342900" indent="-342900">
+              <a:buFont typeface="Arial" panose="020B0604020202020204" pitchFamily="34" charset="0"/>
+              <a:buChar char="•"/>
+            </a:pPr>
+            <a:endParaRPr lang="en-US" sz="2400" dirty="0"/>
+          </a:p>
+          <a:p>
+            <a:pPr marL="342900" indent="-342900">
+              <a:buFont typeface="Arial" panose="020B0604020202020204" pitchFamily="34" charset="0"/>
+              <a:buChar char="•"/>
+            </a:pPr>
+            <a:r>
+              <a:rPr lang="en-US" sz="2400" dirty="0"/>
+              <a:t>Finalizing the transaction into a purchase system</a:t>
+            </a:r>
+          </a:p>
+          <a:p>
+            <a:pPr marL="342900" indent="-342900">
+              <a:buFont typeface="Arial" panose="020B0604020202020204" pitchFamily="34" charset="0"/>
+              <a:buChar char="•"/>
+            </a:pPr>
+            <a:endParaRPr lang="en-US" sz="2400" dirty="0"/>
+          </a:p>
+        </p:txBody>
+      </p:sp>
+      <p:sp>
+        <p:nvSpPr>
+          <p:cNvPr id="4" name="Slide Number Placeholder 3">
+            <a:extLst>
+              <a:ext uri="{FF2B5EF4-FFF2-40B4-BE49-F238E27FC236}">
+                <a16:creationId xmlns:a16="http://schemas.microsoft.com/office/drawing/2014/main" id="{8F92018D-07AC-5D0F-2994-E1C874B7ADC1}"/>
+              </a:ext>
+            </a:extLst>
+          </p:cNvPr>
+          <p:cNvSpPr>
+            <a:spLocks noGrp="1"/>
+          </p:cNvSpPr>
+          <p:nvPr>
+            <p:ph type="sldNum" sz="quarter" idx="12"/>
+          </p:nvPr>
+        </p:nvSpPr>
+        <p:spPr/>
+        <p:txBody>
+          <a:bodyPr/>
+          <a:lstStyle/>
+          <a:p>
+            <a:fld id="{C01389E6-C847-4AD0-B56D-D205B2EAB1EE}" type="slidenum">
+              <a:rPr lang="en-US" smtClean="0"/>
+              <a:pPr/>
+              <a:t>6</a:t>
+            </a:fld>
+            <a:endParaRPr lang="en-US" dirty="0"/>
+          </a:p>
+        </p:txBody>
+      </p:sp>
+    </p:spTree>
+    <p:extLst>
+      <p:ext uri="{BB962C8B-B14F-4D97-AF65-F5344CB8AC3E}">
+        <p14:creationId xmlns:p14="http://schemas.microsoft.com/office/powerpoint/2010/main" val="3406341205"/>
+      </p:ext>
+    </p:extLst>
+  </p:cSld>
+  <p:clrMapOvr>
+    <a:masterClrMapping/>
+  </p:clrMapOvr>
+</p:sld>
+</file>
+
+<file path=ppt/slides/slide7.xml><?xml version="1.0" encoding="utf-8"?>
+<p:sld xmlns:a="http://schemas.openxmlformats.org/drawingml/2006/main" xmlns:r="http://schemas.openxmlformats.org/officeDocument/2006/relationships" xmlns:p="http://schemas.openxmlformats.org/presentationml/2006/main">
+  <p:cSld>
+    <p:spTree>
+      <p:nvGrpSpPr>
+        <p:cNvPr id="1" name="">
+          <a:extLst>
+            <a:ext uri="{FF2B5EF4-FFF2-40B4-BE49-F238E27FC236}">
               <a16:creationId xmlns:a16="http://schemas.microsoft.com/office/drawing/2014/main" id="{E18FD17A-4B5A-9A10-34EC-5EAB5B2E1B43}"/>
             </a:ext>
           </a:extLst>
@@ -6598,7 +6939,7 @@
             </a:pPr>
             <a:r>
               <a:rPr lang="en-US" dirty="0"/>
-              <a:t>Phase 1 – complete</a:t>
+              <a:t>Phase 1 – Complete</a:t>
             </a:r>
           </a:p>
           <a:p>
@@ -6615,7 +6956,7 @@
             </a:pPr>
             <a:r>
               <a:rPr lang="en-US" dirty="0"/>
-              <a:t>Phase 2 – complete</a:t>
+              <a:t>Phase 2 – Complete</a:t>
             </a:r>
           </a:p>
           <a:p>
@@ -6632,13 +6973,8 @@
             </a:pPr>
             <a:r>
               <a:rPr lang="en-US" dirty="0"/>
-              <a:t>Phase 3 </a:t>
-            </a:r>
-            <a:r>
-              <a:rPr lang="en-US"/>
-              <a:t>- complete</a:t>
-            </a:r>
-            <a:endParaRPr lang="en-US" dirty="0"/>
+              <a:t>Phase 3 – In progress</a:t>
+            </a:r>
           </a:p>
           <a:p>
             <a:pPr marL="342900" indent="-342900">
@@ -6654,13 +6990,6 @@
             </a:pPr>
             <a:endParaRPr lang="en-US" dirty="0"/>
           </a:p>
-          <a:p>
-            <a:pPr marL="342900" indent="-342900">
-              <a:buFont typeface="Arial" panose="020B0604020202020204" pitchFamily="34" charset="0"/>
-              <a:buChar char="•"/>
-            </a:pPr>
-            <a:endParaRPr lang="en-US" dirty="0"/>
-          </a:p>
         </p:txBody>
       </p:sp>
       <p:sp>
@@ -6687,7 +7016,7 @@
             <a:fld id="{C01389E6-C847-4AD0-B56D-D205B2EAB1EE}" type="slidenum">
               <a:rPr lang="en-US" smtClean="0"/>
               <a:pPr/>
-              <a:t>5</a:t>
+              <a:t>7</a:t>
             </a:fld>
             <a:endParaRPr lang="en-US" dirty="0"/>
           </a:p>
@@ -6706,194 +7035,7 @@
 </p:sld>
 </file>
 
-<file path=ppt/slides/slide6.xml><?xml version="1.0" encoding="utf-8"?>
-<p:sld xmlns:a="http://schemas.openxmlformats.org/drawingml/2006/main" xmlns:r="http://schemas.openxmlformats.org/officeDocument/2006/relationships" xmlns:p="http://schemas.openxmlformats.org/presentationml/2006/main">
-  <p:cSld>
-    <p:spTree>
-      <p:nvGrpSpPr>
-        <p:cNvPr id="1" name=""/>
-        <p:cNvGrpSpPr/>
-        <p:nvPr/>
-      </p:nvGrpSpPr>
-      <p:grpSpPr>
-        <a:xfrm>
-          <a:off x="0" y="0"/>
-          <a:ext cx="0" cy="0"/>
-          <a:chOff x="0" y="0"/>
-          <a:chExt cx="0" cy="0"/>
-        </a:xfrm>
-      </p:grpSpPr>
-      <p:sp>
-        <p:nvSpPr>
-          <p:cNvPr id="2" name="Title 1">
-            <a:extLst>
-              <a:ext uri="{FF2B5EF4-FFF2-40B4-BE49-F238E27FC236}">
-                <a16:creationId xmlns:a16="http://schemas.microsoft.com/office/drawing/2014/main" id="{800D1D41-5286-2B6E-EE70-7893A03CDE7D}"/>
-              </a:ext>
-            </a:extLst>
-          </p:cNvPr>
-          <p:cNvSpPr>
-            <a:spLocks noGrp="1"/>
-          </p:cNvSpPr>
-          <p:nvPr>
-            <p:ph type="title"/>
-          </p:nvPr>
-        </p:nvSpPr>
-        <p:spPr/>
-        <p:txBody>
-          <a:bodyPr/>
-          <a:lstStyle/>
-          <a:p>
-            <a:r>
-              <a:rPr lang="en-US" dirty="0"/>
-              <a:t>Current Challenges</a:t>
-            </a:r>
-          </a:p>
-        </p:txBody>
-      </p:sp>
-      <p:sp>
-        <p:nvSpPr>
-          <p:cNvPr id="3" name="Content Placeholder 2">
-            <a:extLst>
-              <a:ext uri="{FF2B5EF4-FFF2-40B4-BE49-F238E27FC236}">
-                <a16:creationId xmlns:a16="http://schemas.microsoft.com/office/drawing/2014/main" id="{314C37A0-451F-A5BA-50DE-F50D2BE3A817}"/>
-              </a:ext>
-            </a:extLst>
-          </p:cNvPr>
-          <p:cNvSpPr>
-            <a:spLocks noGrp="1"/>
-          </p:cNvSpPr>
-          <p:nvPr>
-            <p:ph idx="13"/>
-          </p:nvPr>
-        </p:nvSpPr>
-        <p:spPr>
-          <a:xfrm>
-            <a:off x="974171" y="2441273"/>
-            <a:ext cx="10116615" cy="3776596"/>
-          </a:xfrm>
-        </p:spPr>
-        <p:txBody>
-          <a:bodyPr/>
-          <a:lstStyle/>
-          <a:p>
-            <a:pPr marL="342900" indent="-342900">
-              <a:buFont typeface="Arial" panose="020B0604020202020204" pitchFamily="34" charset="0"/>
-              <a:buChar char="•"/>
-            </a:pPr>
-            <a:r>
-              <a:rPr lang="en-US" sz="2400" dirty="0"/>
-              <a:t>Significant lack of frontend development.</a:t>
-            </a:r>
-          </a:p>
-          <a:p>
-            <a:pPr marL="342900" indent="-342900">
-              <a:buFont typeface="Arial" panose="020B0604020202020204" pitchFamily="34" charset="0"/>
-              <a:buChar char="•"/>
-            </a:pPr>
-            <a:endParaRPr lang="en-US" sz="2400" dirty="0"/>
-          </a:p>
-          <a:p>
-            <a:pPr marL="342900" indent="-342900">
-              <a:buFont typeface="Arial" panose="020B0604020202020204" pitchFamily="34" charset="0"/>
-              <a:buChar char="•"/>
-            </a:pPr>
-            <a:r>
-              <a:rPr lang="en-US" sz="2400" dirty="0"/>
-              <a:t>Difficulties communicating.</a:t>
-            </a:r>
-          </a:p>
-          <a:p>
-            <a:pPr marL="342900" indent="-342900">
-              <a:buFont typeface="Arial" panose="020B0604020202020204" pitchFamily="34" charset="0"/>
-              <a:buChar char="•"/>
-            </a:pPr>
-            <a:endParaRPr lang="en-US" sz="2400" dirty="0"/>
-          </a:p>
-          <a:p>
-            <a:pPr marL="342900" indent="-342900">
-              <a:buFont typeface="Arial" panose="020B0604020202020204" pitchFamily="34" charset="0"/>
-              <a:buChar char="•"/>
-            </a:pPr>
-            <a:r>
-              <a:rPr lang="en-US" sz="2400" dirty="0"/>
-              <a:t>Unclear expectations for project.</a:t>
-            </a:r>
-          </a:p>
-          <a:p>
-            <a:pPr marL="342900" indent="-342900">
-              <a:buFont typeface="Arial" panose="020B0604020202020204" pitchFamily="34" charset="0"/>
-              <a:buChar char="•"/>
-            </a:pPr>
-            <a:endParaRPr lang="en-US" dirty="0"/>
-          </a:p>
-          <a:p>
-            <a:pPr marL="342900" indent="-342900">
-              <a:buFont typeface="Arial" panose="020B0604020202020204" pitchFamily="34" charset="0"/>
-              <a:buChar char="•"/>
-            </a:pPr>
-            <a:endParaRPr lang="en-US" dirty="0"/>
-          </a:p>
-          <a:p>
-            <a:pPr marL="342900" indent="-342900">
-              <a:buFont typeface="Arial" panose="020B0604020202020204" pitchFamily="34" charset="0"/>
-              <a:buChar char="•"/>
-            </a:pPr>
-            <a:endParaRPr lang="en-US" dirty="0"/>
-          </a:p>
-          <a:p>
-            <a:pPr marL="342900" indent="-342900">
-              <a:buFont typeface="Arial" panose="020B0604020202020204" pitchFamily="34" charset="0"/>
-              <a:buChar char="•"/>
-            </a:pPr>
-            <a:endParaRPr lang="en-US" dirty="0"/>
-          </a:p>
-        </p:txBody>
-      </p:sp>
-      <p:sp>
-        <p:nvSpPr>
-          <p:cNvPr id="5" name="Slide Number Placeholder 4">
-            <a:extLst>
-              <a:ext uri="{FF2B5EF4-FFF2-40B4-BE49-F238E27FC236}">
-                <a16:creationId xmlns:a16="http://schemas.microsoft.com/office/drawing/2014/main" id="{513D02C0-0922-7872-ED77-5519F8213166}"/>
-              </a:ext>
-            </a:extLst>
-          </p:cNvPr>
-          <p:cNvSpPr>
-            <a:spLocks noGrp="1"/>
-          </p:cNvSpPr>
-          <p:nvPr>
-            <p:ph type="sldNum" sz="quarter" idx="12"/>
-          </p:nvPr>
-        </p:nvSpPr>
-        <p:spPr/>
-        <p:txBody>
-          <a:bodyPr/>
-          <a:lstStyle/>
-          <a:p>
-            <a:fld id="{C01389E6-C847-4AD0-B56D-D205B2EAB1EE}" type="slidenum">
-              <a:rPr lang="en-US" smtClean="0"/>
-              <a:pPr/>
-              <a:t>6</a:t>
-            </a:fld>
-            <a:endParaRPr lang="en-US" dirty="0"/>
-          </a:p>
-        </p:txBody>
-      </p:sp>
-    </p:spTree>
-    <p:extLst>
-      <p:ext uri="{BB962C8B-B14F-4D97-AF65-F5344CB8AC3E}">
-        <p14:creationId xmlns:p14="http://schemas.microsoft.com/office/powerpoint/2010/main" val="1811109426"/>
-      </p:ext>
-    </p:extLst>
-  </p:cSld>
-  <p:clrMapOvr>
-    <a:masterClrMapping/>
-  </p:clrMapOvr>
-</p:sld>
-</file>
-
-<file path=ppt/slides/slide7.xml><?xml version="1.0" encoding="utf-8"?>
+<file path=ppt/slides/slide8.xml><?xml version="1.0" encoding="utf-8"?>
 <p:sld xmlns:a="http://schemas.openxmlformats.org/drawingml/2006/main" xmlns:r="http://schemas.openxmlformats.org/officeDocument/2006/relationships" xmlns:p="http://schemas.openxmlformats.org/presentationml/2006/main">
   <p:cSld>
     <p:spTree>
@@ -6968,7 +7110,7 @@
             <a:fld id="{C01389E6-C847-4AD0-B56D-D205B2EAB1EE}" type="slidenum">
               <a:rPr lang="en-US" smtClean="0"/>
               <a:pPr/>
-              <a:t>7</a:t>
+              <a:t>8</a:t>
             </a:fld>
             <a:endParaRPr lang="en-US" dirty="0"/>
           </a:p>
@@ -7166,7 +7308,7 @@
           <a:p>
             <a:r>
               <a:rPr lang="en-US" dirty="0"/>
-              <a:t>Todd Carter – backend</a:t>
+              <a:t>Todd Carter – Backend, Frontend, Presentations, Reports</a:t>
             </a:r>
           </a:p>
           <a:p>
@@ -7181,7 +7323,7 @@
           <a:p>
             <a:r>
               <a:rPr lang="en-US" dirty="0"/>
-              <a:t>Anna Milligan - frontend</a:t>
+              <a:t>Anna Milligan - Frontend</a:t>
             </a:r>
           </a:p>
           <a:p>

--- a/CaravanSeraiCS360/Presentations/Caravanserai.pptx
+++ b/CaravanSeraiCS360/Presentations/Caravanserai.pptx
@@ -6768,19 +6768,6 @@
             </a:r>
           </a:p>
           <a:p>
-            <a:endParaRPr lang="en-US" sz="2400" dirty="0"/>
-          </a:p>
-          <a:p>
-            <a:pPr marL="342900" indent="-342900">
-              <a:buFont typeface="Arial" panose="020B0604020202020204" pitchFamily="34" charset="0"/>
-              <a:buChar char="•"/>
-            </a:pPr>
-            <a:r>
-              <a:rPr lang="en-US" sz="2400" dirty="0"/>
-              <a:t>Connection of allied users to allow for trading of shared resources</a:t>
-            </a:r>
-          </a:p>
-          <a:p>
             <a:pPr marL="342900" indent="-342900">
               <a:buFont typeface="Arial" panose="020B0604020202020204" pitchFamily="34" charset="0"/>
               <a:buChar char="•"/>
@@ -6794,7 +6781,25 @@
             </a:pPr>
             <a:r>
               <a:rPr lang="en-US" sz="2400" dirty="0"/>
-              <a:t>Finalizing the transaction into a purchase system</a:t>
+              <a:t>Improvements to user and </a:t>
+            </a:r>
+            <a:r>
+              <a:rPr lang="en-US" sz="2400"/>
+              <a:t>group security</a:t>
+            </a:r>
+            <a:endParaRPr lang="en-US" sz="2400" dirty="0"/>
+          </a:p>
+          <a:p>
+            <a:endParaRPr lang="en-US" sz="2400" dirty="0"/>
+          </a:p>
+          <a:p>
+            <a:pPr marL="342900" indent="-342900">
+              <a:buFont typeface="Arial" panose="020B0604020202020204" pitchFamily="34" charset="0"/>
+              <a:buChar char="•"/>
+            </a:pPr>
+            <a:r>
+              <a:rPr lang="en-US" sz="2400" dirty="0"/>
+              <a:t>Finalizing the transactions into a purchase system</a:t>
             </a:r>
           </a:p>
           <a:p>
@@ -8145,15 +8150,6 @@
 </file>
 
 <file path=customXml/item1.xml><?xml version="1.0" encoding="utf-8"?>
-<?mso-contentType ?>
-<FormTemplates xmlns="http://schemas.microsoft.com/sharepoint/v3/contenttype/forms">
-  <Display>DocumentLibraryForm</Display>
-  <Edit>DocumentLibraryForm</Edit>
-  <New>DocumentLibraryForm</New>
-</FormTemplates>
-</file>
-
-<file path=customXml/item2.xml><?xml version="1.0" encoding="utf-8"?>
 <ct:contentTypeSchema xmlns:ct="http://schemas.microsoft.com/office/2006/metadata/contentType" xmlns:ma="http://schemas.microsoft.com/office/2006/metadata/properties/metaAttributes" ct:_="" ma:_="" ma:contentTypeName="Document" ma:contentTypeID="0x01010079F111ED35F8CC479449609E8A0923A6" ma:contentTypeVersion="28" ma:contentTypeDescription="Create a new document." ma:contentTypeScope="" ma:versionID="60f5a4f2d2b0abadcf532d48ebf9cb71">
   <xsd:schema xmlns:xsd="http://www.w3.org/2001/XMLSchema" xmlns:xs="http://www.w3.org/2001/XMLSchema" xmlns:p="http://schemas.microsoft.com/office/2006/metadata/properties" xmlns:ns1="http://schemas.microsoft.com/sharepoint/v3" xmlns:ns2="71af3243-3dd4-4a8d-8c0d-dd76da1f02a5" xmlns:ns3="16c05727-aa75-4e4a-9b5f-8a80a1165891" xmlns:ns4="230e9df3-be65-4c73-a93b-d1236ebd677e" targetNamespace="http://schemas.microsoft.com/office/2006/metadata/properties" ma:root="true" ma:fieldsID="7dd78129e6a1811f84807ad11c651531" ns1:_="" ns2:_="" ns3:_="" ns4:_="">
     <xsd:import namespace="http://schemas.microsoft.com/sharepoint/v3"/>
@@ -8465,6 +8461,15 @@
 </ct:contentTypeSchema>
 </file>
 
+<file path=customXml/item2.xml><?xml version="1.0" encoding="utf-8"?>
+<?mso-contentType ?>
+<FormTemplates xmlns="http://schemas.microsoft.com/sharepoint/v3/contenttype/forms">
+  <Display>DocumentLibraryForm</Display>
+  <Edit>DocumentLibraryForm</Edit>
+  <New>DocumentLibraryForm</New>
+</FormTemplates>
+</file>
+
 <file path=customXml/item3.xml><?xml version="1.0" encoding="utf-8"?>
 <p:properties xmlns:p="http://schemas.microsoft.com/office/2006/metadata/properties" xmlns:xsi="http://www.w3.org/2001/XMLSchema-instance" xmlns:pc="http://schemas.microsoft.com/office/infopath/2007/PartnerControls">
   <documentManagement>
@@ -8486,14 +8491,6 @@
 </file>
 
 <file path=customXml/itemProps1.xml><?xml version="1.0" encoding="utf-8"?>
-<ds:datastoreItem xmlns:ds="http://schemas.openxmlformats.org/officeDocument/2006/customXml" ds:itemID="{8CF92924-243E-4C73-8BD6-689D14A495F2}">
-  <ds:schemaRefs>
-    <ds:schemaRef ds:uri="http://schemas.microsoft.com/sharepoint/v3/contenttype/forms"/>
-  </ds:schemaRefs>
-</ds:datastoreItem>
-</file>
-
-<file path=customXml/itemProps2.xml><?xml version="1.0" encoding="utf-8"?>
 <ds:datastoreItem xmlns:ds="http://schemas.openxmlformats.org/officeDocument/2006/customXml" ds:itemID="{0D54F37A-6805-42D4-9FB4-3CFF01A7B973}">
   <ds:schemaRefs>
     <ds:schemaRef ds:uri="http://schemas.microsoft.com/office/2006/metadata/contentType"/>
@@ -8514,6 +8511,14 @@
 </ds:datastoreItem>
 </file>
 
+<file path=customXml/itemProps2.xml><?xml version="1.0" encoding="utf-8"?>
+<ds:datastoreItem xmlns:ds="http://schemas.openxmlformats.org/officeDocument/2006/customXml" ds:itemID="{8CF92924-243E-4C73-8BD6-689D14A495F2}">
+  <ds:schemaRefs>
+    <ds:schemaRef ds:uri="http://schemas.microsoft.com/sharepoint/v3/contenttype/forms"/>
+  </ds:schemaRefs>
+</ds:datastoreItem>
+</file>
+
 <file path=customXml/itemProps3.xml><?xml version="1.0" encoding="utf-8"?>
 <ds:datastoreItem xmlns:ds="http://schemas.openxmlformats.org/officeDocument/2006/customXml" ds:itemID="{51D389B5-45E8-4EA7-B5A7-604FF249CF70}">
   <ds:schemaRefs>

--- a/CaravanSeraiCS360/Presentations/Caravanserai.pptx
+++ b/CaravanSeraiCS360/Presentations/Caravanserai.pptx
@@ -6254,14 +6254,17 @@
           <a:bodyPr/>
           <a:lstStyle/>
           <a:p>
+            <a:r>
+              <a:rPr lang="en-US" sz="2400" dirty="0"/>
+              <a:t>Three primary components:</a:t>
+            </a:r>
+          </a:p>
+          <a:p>
             <a:pPr marL="342900" indent="-342900">
               <a:buFont typeface="Arial" panose="020B0604020202020204" pitchFamily="34" charset="0"/>
               <a:buChar char="•"/>
             </a:pPr>
-            <a:r>
-              <a:rPr lang="en-US" sz="2400" dirty="0"/>
-              <a:t>A database for storing market and product information.</a:t>
-            </a:r>
+            <a:endParaRPr lang="en-US" sz="2400" dirty="0"/>
           </a:p>
           <a:p>
             <a:pPr marL="342900" indent="-342900">
@@ -6270,7 +6273,7 @@
             </a:pPr>
             <a:r>
               <a:rPr lang="en-US" sz="2400" dirty="0"/>
-              <a:t>A user interface for multiple customers to interact and make anonymous trades of bartered products.</a:t>
+              <a:t>User/Group login and management</a:t>
             </a:r>
           </a:p>
           <a:p>
@@ -6278,9 +6281,33 @@
               <a:buFont typeface="Arial" panose="020B0604020202020204" pitchFamily="34" charset="0"/>
               <a:buChar char="•"/>
             </a:pPr>
+            <a:endParaRPr lang="en-US" sz="2400" dirty="0"/>
+          </a:p>
+          <a:p>
+            <a:pPr marL="342900" indent="-342900">
+              <a:buFont typeface="Arial" panose="020B0604020202020204" pitchFamily="34" charset="0"/>
+              <a:buChar char="•"/>
+            </a:pPr>
             <a:r>
               <a:rPr lang="en-US" sz="2400" dirty="0"/>
-              <a:t>Administrative controls to manage transactions.</a:t>
+              <a:t>User product database management</a:t>
+            </a:r>
+          </a:p>
+          <a:p>
+            <a:pPr marL="342900" indent="-342900">
+              <a:buFont typeface="Arial" panose="020B0604020202020204" pitchFamily="34" charset="0"/>
+              <a:buChar char="•"/>
+            </a:pPr>
+            <a:endParaRPr lang="en-US" sz="2400" dirty="0"/>
+          </a:p>
+          <a:p>
+            <a:pPr marL="342900" indent="-342900">
+              <a:buFont typeface="Arial" panose="020B0604020202020204" pitchFamily="34" charset="0"/>
+              <a:buChar char="•"/>
+            </a:pPr>
+            <a:r>
+              <a:rPr lang="en-US" sz="2400" dirty="0"/>
+              <a:t>Barter system for products already on database</a:t>
             </a:r>
           </a:p>
         </p:txBody>
@@ -6587,7 +6614,7 @@
             </a:pPr>
             <a:r>
               <a:rPr lang="en-US" sz="2400" dirty="0"/>
-              <a:t>Functional login logout system</a:t>
+              <a:t>User login/logout system</a:t>
             </a:r>
           </a:p>
           <a:p>
@@ -6604,7 +6631,7 @@
             </a:pPr>
             <a:r>
               <a:rPr lang="en-US" sz="2400" dirty="0"/>
-              <a:t>Cart system for taking products from database</a:t>
+              <a:t>Group login/logout system</a:t>
             </a:r>
           </a:p>
           <a:p>
@@ -6621,7 +6648,7 @@
             </a:pPr>
             <a:r>
               <a:rPr lang="en-US" sz="2400" dirty="0"/>
-              <a:t>Barter system for exchange of products existing on database</a:t>
+              <a:t>Cart and Offer system</a:t>
             </a:r>
           </a:p>
           <a:p>
@@ -6638,7 +6665,7 @@
             </a:pPr>
             <a:r>
               <a:rPr lang="en-US" sz="2400" dirty="0"/>
-              <a:t>Functional frontend</a:t>
+              <a:t>Message and Barter system</a:t>
             </a:r>
           </a:p>
         </p:txBody>
@@ -6781,13 +6808,8 @@
             </a:pPr>
             <a:r>
               <a:rPr lang="en-US" sz="2400" dirty="0"/>
-              <a:t>Improvements to user and </a:t>
-            </a:r>
-            <a:r>
-              <a:rPr lang="en-US" sz="2400"/>
-              <a:t>group security</a:t>
-            </a:r>
-            <a:endParaRPr lang="en-US" sz="2400" dirty="0"/>
+              <a:t>Improvements to user and group security</a:t>
+            </a:r>
           </a:p>
           <a:p>
             <a:endParaRPr lang="en-US" sz="2400" dirty="0"/>
@@ -6799,7 +6821,29 @@
             </a:pPr>
             <a:r>
               <a:rPr lang="en-US" sz="2400" dirty="0"/>
-              <a:t>Finalizing the transactions into a purchase system</a:t>
+              <a:t>Quality of life and </a:t>
+            </a:r>
+            <a:r>
+              <a:rPr lang="en-US" sz="2400"/>
+              <a:t>finalizing backend</a:t>
+            </a:r>
+            <a:endParaRPr lang="en-US" sz="2400" dirty="0"/>
+          </a:p>
+          <a:p>
+            <a:pPr marL="342900" indent="-342900">
+              <a:buFont typeface="Arial" panose="020B0604020202020204" pitchFamily="34" charset="0"/>
+              <a:buChar char="•"/>
+            </a:pPr>
+            <a:endParaRPr lang="en-US" sz="2400" dirty="0"/>
+          </a:p>
+          <a:p>
+            <a:pPr marL="342900" indent="-342900">
+              <a:buFont typeface="Arial" panose="020B0604020202020204" pitchFamily="34" charset="0"/>
+              <a:buChar char="•"/>
+            </a:pPr>
+            <a:r>
+              <a:rPr lang="en-US" sz="2400" dirty="0"/>
+              <a:t>Assembling the admin panel from constructed components</a:t>
             </a:r>
           </a:p>
           <a:p>
@@ -6893,14 +6937,19 @@
             <p:ph type="title"/>
           </p:nvPr>
         </p:nvSpPr>
-        <p:spPr/>
+        <p:spPr>
+          <a:xfrm>
+            <a:off x="975360" y="185928"/>
+            <a:ext cx="10241280" cy="1234440"/>
+          </a:xfrm>
+        </p:spPr>
         <p:txBody>
           <a:bodyPr/>
           <a:lstStyle/>
           <a:p>
             <a:r>
               <a:rPr lang="en-US" dirty="0"/>
-              <a:t>Timeline</a:t>
+              <a:t>Progress Timeline -</a:t>
             </a:r>
           </a:p>
         </p:txBody>
@@ -6923,7 +6972,7 @@
         </p:nvSpPr>
         <p:spPr>
           <a:xfrm>
-            <a:off x="974171" y="2441273"/>
+            <a:off x="975360" y="1852987"/>
             <a:ext cx="10116615" cy="3776596"/>
           </a:xfrm>
         </p:spPr>
@@ -6944,7 +6993,7 @@
             </a:pPr>
             <a:r>
               <a:rPr lang="en-US" dirty="0"/>
-              <a:t>Phase 1 – Complete</a:t>
+              <a:t>Constructed “caravanserai” database</a:t>
             </a:r>
           </a:p>
           <a:p>
@@ -6952,17 +7001,17 @@
               <a:buFont typeface="Arial" panose="020B0604020202020204" pitchFamily="34" charset="0"/>
               <a:buChar char="•"/>
             </a:pPr>
-            <a:endParaRPr lang="en-US" dirty="0"/>
+            <a:r>
+              <a:rPr lang="en-US" dirty="0"/>
+              <a:t>Built product market page (index)</a:t>
+            </a:r>
           </a:p>
           <a:p>
             <a:pPr marL="342900" indent="-342900">
               <a:buFont typeface="Arial" panose="020B0604020202020204" pitchFamily="34" charset="0"/>
               <a:buChar char="•"/>
             </a:pPr>
-            <a:r>
-              <a:rPr lang="en-US" dirty="0"/>
-              <a:t>Phase 2 – Complete</a:t>
-            </a:r>
+            <a:endParaRPr lang="en-US" dirty="0"/>
           </a:p>
           <a:p>
             <a:pPr marL="342900" indent="-342900">
@@ -6976,10 +7025,7 @@
               <a:buFont typeface="Arial" panose="020B0604020202020204" pitchFamily="34" charset="0"/>
               <a:buChar char="•"/>
             </a:pPr>
-            <a:r>
-              <a:rPr lang="en-US" dirty="0"/>
-              <a:t>Phase 3 – In progress</a:t>
-            </a:r>
+            <a:endParaRPr lang="en-US" dirty="0"/>
           </a:p>
           <a:p>
             <a:pPr marL="342900" indent="-342900">
@@ -7024,6 +7070,60 @@
               <a:t>7</a:t>
             </a:fld>
             <a:endParaRPr lang="en-US" dirty="0"/>
+          </a:p>
+        </p:txBody>
+      </p:sp>
+      <p:sp>
+        <p:nvSpPr>
+          <p:cNvPr id="4" name="Title 1">
+            <a:extLst>
+              <a:ext uri="{FF2B5EF4-FFF2-40B4-BE49-F238E27FC236}">
+                <a16:creationId xmlns:a16="http://schemas.microsoft.com/office/drawing/2014/main" id="{7CCD9321-A51A-F581-9F4C-F2D3E80F163F}"/>
+              </a:ext>
+            </a:extLst>
+          </p:cNvPr>
+          <p:cNvSpPr txBox="1">
+            <a:spLocks/>
+          </p:cNvSpPr>
+          <p:nvPr/>
+        </p:nvSpPr>
+        <p:spPr>
+          <a:xfrm>
+            <a:off x="975360" y="803148"/>
+            <a:ext cx="10241280" cy="1234440"/>
+          </a:xfrm>
+          <a:prstGeom prst="rect">
+            <a:avLst/>
+          </a:prstGeom>
+        </p:spPr>
+        <p:txBody>
+          <a:bodyPr vert="horz" lIns="0" tIns="0" rIns="0" bIns="0" rtlCol="0" anchor="b">
+            <a:normAutofit/>
+          </a:bodyPr>
+          <a:lstStyle>
+            <a:lvl1pPr algn="l" defTabSz="914400" rtl="0" eaLnBrk="1" latinLnBrk="0" hangingPunct="1">
+              <a:lnSpc>
+                <a:spcPct val="100000"/>
+              </a:lnSpc>
+              <a:spcBef>
+                <a:spcPct val="0"/>
+              </a:spcBef>
+              <a:buNone/>
+              <a:defRPr sz="3600" b="1" i="0" kern="1200" cap="all" spc="700" baseline="0">
+                <a:solidFill>
+                  <a:schemeClr val="tx1"/>
+                </a:solidFill>
+                <a:latin typeface="+mj-lt"/>
+                <a:ea typeface="+mj-ea"/>
+                <a:cs typeface="+mj-cs"/>
+              </a:defRPr>
+            </a:lvl1pPr>
+          </a:lstStyle>
+          <a:p>
+            <a:r>
+              <a:rPr lang="en-US" sz="2400" dirty="0"/>
+              <a:t>Backend</a:t>
+            </a:r>
           </a:p>
         </p:txBody>
       </p:sp>
@@ -7328,7 +7428,7 @@
           <a:p>
             <a:r>
               <a:rPr lang="en-US" dirty="0"/>
-              <a:t>Anna Milligan - Frontend</a:t>
+              <a:t>Anna Milligan – Frontend</a:t>
             </a:r>
           </a:p>
           <a:p>

--- a/CaravanSeraiCS360/Presentations/Caravanserai.pptx
+++ b/CaravanSeraiCS360/Presentations/Caravanserai.pptx
@@ -6668,6 +6668,23 @@
               <a:t>Message and Barter system</a:t>
             </a:r>
           </a:p>
+          <a:p>
+            <a:pPr marL="342900" indent="-342900">
+              <a:buFont typeface="Arial" panose="020B0604020202020204" pitchFamily="34" charset="0"/>
+              <a:buChar char="•"/>
+            </a:pPr>
+            <a:endParaRPr lang="en-US" sz="2400" dirty="0"/>
+          </a:p>
+          <a:p>
+            <a:pPr marL="342900" indent="-342900">
+              <a:buFont typeface="Arial" panose="020B0604020202020204" pitchFamily="34" charset="0"/>
+              <a:buChar char="•"/>
+            </a:pPr>
+            <a:r>
+              <a:rPr lang="en-US" sz="2400" dirty="0"/>
+              <a:t>Shared inventory between group members</a:t>
+            </a:r>
+          </a:p>
         </p:txBody>
       </p:sp>
       <p:sp>
@@ -6821,11 +6838,11 @@
             </a:pPr>
             <a:r>
               <a:rPr lang="en-US" sz="2400" dirty="0"/>
-              <a:t>Quality of life and </a:t>
+              <a:t>Finalize </a:t>
             </a:r>
             <a:r>
               <a:rPr lang="en-US" sz="2400"/>
-              <a:t>finalizing backend</a:t>
+              <a:t>bartering process</a:t>
             </a:r>
             <a:endParaRPr lang="en-US" sz="2400" dirty="0"/>
           </a:p>

--- a/CaravanSeraiCS360/Presentations/Caravanserai.pptx
+++ b/CaravanSeraiCS360/Presentations/Caravanserai.pptx
@@ -5,10 +5,10 @@
     <p:sldMasterId id="2147483728" r:id="rId4"/>
   </p:sldMasterIdLst>
   <p:notesMasterIdLst>
-    <p:notesMasterId r:id="rId13"/>
+    <p:notesMasterId r:id="rId12"/>
   </p:notesMasterIdLst>
   <p:handoutMasterIdLst>
-    <p:handoutMasterId r:id="rId14"/>
+    <p:handoutMasterId r:id="rId13"/>
   </p:handoutMasterIdLst>
   <p:sldIdLst>
     <p:sldId id="296" r:id="rId5"/>
@@ -17,8 +17,7 @@
     <p:sldId id="319" r:id="rId8"/>
     <p:sldId id="325" r:id="rId9"/>
     <p:sldId id="326" r:id="rId10"/>
-    <p:sldId id="324" r:id="rId11"/>
-    <p:sldId id="321" r:id="rId12"/>
+    <p:sldId id="321" r:id="rId11"/>
   </p:sldIdLst>
   <p:sldSz cx="12192000" cy="6858000"/>
   <p:notesSz cx="6858000" cy="9144000"/>
@@ -2651,414 +2650,6 @@
 </p:sldLayout>
 </file>
 
-<file path=ppt/slideLayouts/slideLayout14.xml><?xml version="1.0" encoding="utf-8"?>
-<p:sldLayout xmlns:a="http://schemas.openxmlformats.org/drawingml/2006/main" xmlns:r="http://schemas.openxmlformats.org/officeDocument/2006/relationships" xmlns:p="http://schemas.openxmlformats.org/presentationml/2006/main" userDrawn="1">
-  <p:cSld name="Content 2 column (comparison slide) 1">
-    <p:spTree>
-      <p:nvGrpSpPr>
-        <p:cNvPr id="1" name=""/>
-        <p:cNvGrpSpPr/>
-        <p:nvPr/>
-      </p:nvGrpSpPr>
-      <p:grpSpPr>
-        <a:xfrm>
-          <a:off x="0" y="0"/>
-          <a:ext cx="0" cy="0"/>
-          <a:chOff x="0" y="0"/>
-          <a:chExt cx="0" cy="0"/>
-        </a:xfrm>
-      </p:grpSpPr>
-      <p:sp>
-        <p:nvSpPr>
-          <p:cNvPr id="10" name="Title 9">
-            <a:extLst>
-              <a:ext uri="{FF2B5EF4-FFF2-40B4-BE49-F238E27FC236}">
-                <a16:creationId xmlns:a16="http://schemas.microsoft.com/office/drawing/2014/main" id="{2D453288-3D76-40C1-BE00-223AB28F13DF}"/>
-              </a:ext>
-            </a:extLst>
-          </p:cNvPr>
-          <p:cNvSpPr>
-            <a:spLocks noGrp="1"/>
-          </p:cNvSpPr>
-          <p:nvPr>
-            <p:ph type="title" hasCustomPrompt="1"/>
-          </p:nvPr>
-        </p:nvSpPr>
-        <p:spPr>
-          <a:xfrm>
-            <a:off x="975360" y="795528"/>
-            <a:ext cx="10241280" cy="1234440"/>
-          </a:xfrm>
-        </p:spPr>
-        <p:txBody>
-          <a:bodyPr/>
-          <a:lstStyle>
-            <a:lvl1pPr>
-              <a:defRPr>
-                <a:solidFill>
-                  <a:schemeClr val="tx1"/>
-                </a:solidFill>
-              </a:defRPr>
-            </a:lvl1pPr>
-          </a:lstStyle>
-          <a:p>
-            <a:r>
-              <a:rPr lang="en-US" dirty="0"/>
-              <a:t>Click to add title</a:t>
-            </a:r>
-          </a:p>
-        </p:txBody>
-      </p:sp>
-      <p:sp>
-        <p:nvSpPr>
-          <p:cNvPr id="8" name="Footer Placeholder 7">
-            <a:extLst>
-              <a:ext uri="{FF2B5EF4-FFF2-40B4-BE49-F238E27FC236}">
-                <a16:creationId xmlns:a16="http://schemas.microsoft.com/office/drawing/2014/main" id="{CE9EC6C3-0950-4AFE-936A-9AB5D227844D}"/>
-              </a:ext>
-            </a:extLst>
-          </p:cNvPr>
-          <p:cNvSpPr>
-            <a:spLocks noGrp="1"/>
-          </p:cNvSpPr>
-          <p:nvPr>
-            <p:ph type="ftr" sz="quarter" idx="11"/>
-          </p:nvPr>
-        </p:nvSpPr>
-        <p:spPr>
-          <a:xfrm rot="5400000">
-            <a:off x="-950889" y="1033185"/>
-            <a:ext cx="2358977" cy="457200"/>
-          </a:xfrm>
-        </p:spPr>
-        <p:txBody>
-          <a:bodyPr/>
-          <a:lstStyle/>
-          <a:p>
-            <a:r>
-              <a:rPr lang="en-US" dirty="0"/>
-              <a:t>Presentation Title</a:t>
-            </a:r>
-          </a:p>
-        </p:txBody>
-      </p:sp>
-      <p:sp>
-        <p:nvSpPr>
-          <p:cNvPr id="2" name="Content Placeholder 2">
-            <a:extLst>
-              <a:ext uri="{FF2B5EF4-FFF2-40B4-BE49-F238E27FC236}">
-                <a16:creationId xmlns:a16="http://schemas.microsoft.com/office/drawing/2014/main" id="{FE7159F4-9C90-4671-D0C4-5A5F1D7BDA47}"/>
-              </a:ext>
-            </a:extLst>
-          </p:cNvPr>
-          <p:cNvSpPr>
-            <a:spLocks noGrp="1"/>
-          </p:cNvSpPr>
-          <p:nvPr>
-            <p:ph idx="13" hasCustomPrompt="1"/>
-          </p:nvPr>
-        </p:nvSpPr>
-        <p:spPr>
-          <a:xfrm>
-            <a:off x="974172" y="2441273"/>
-            <a:ext cx="4841076" cy="3776596"/>
-          </a:xfrm>
-        </p:spPr>
-        <p:txBody>
-          <a:bodyPr>
-            <a:noAutofit/>
-          </a:bodyPr>
-          <a:lstStyle>
-            <a:lvl1pPr marL="0" indent="0">
-              <a:lnSpc>
-                <a:spcPct val="100000"/>
-              </a:lnSpc>
-              <a:spcBef>
-                <a:spcPts val="1000"/>
-              </a:spcBef>
-              <a:buNone/>
-              <a:defRPr sz="2000"/>
-            </a:lvl1pPr>
-            <a:lvl2pPr marL="228600">
-              <a:lnSpc>
-                <a:spcPct val="100000"/>
-              </a:lnSpc>
-              <a:spcBef>
-                <a:spcPts val="1000"/>
-              </a:spcBef>
-              <a:defRPr sz="2000"/>
-            </a:lvl2pPr>
-            <a:lvl3pPr marL="685800">
-              <a:lnSpc>
-                <a:spcPct val="100000"/>
-              </a:lnSpc>
-              <a:spcBef>
-                <a:spcPts val="1000"/>
-              </a:spcBef>
-              <a:defRPr sz="1800"/>
-            </a:lvl3pPr>
-            <a:lvl4pPr marL="1143000">
-              <a:lnSpc>
-                <a:spcPct val="100000"/>
-              </a:lnSpc>
-              <a:spcBef>
-                <a:spcPts val="1000"/>
-              </a:spcBef>
-              <a:defRPr sz="1600"/>
-            </a:lvl4pPr>
-            <a:lvl5pPr marL="1600200">
-              <a:lnSpc>
-                <a:spcPct val="100000"/>
-              </a:lnSpc>
-              <a:spcBef>
-                <a:spcPts val="1000"/>
-              </a:spcBef>
-              <a:defRPr sz="1600"/>
-            </a:lvl5pPr>
-            <a:lvl6pPr>
-              <a:defRPr sz="2000"/>
-            </a:lvl6pPr>
-            <a:lvl7pPr>
-              <a:defRPr sz="2000"/>
-            </a:lvl7pPr>
-            <a:lvl8pPr>
-              <a:defRPr sz="2000"/>
-            </a:lvl8pPr>
-            <a:lvl9pPr>
-              <a:defRPr sz="2000"/>
-            </a:lvl9pPr>
-          </a:lstStyle>
-          <a:p>
-            <a:pPr lvl="0"/>
-            <a:r>
-              <a:rPr lang="en-US" dirty="0"/>
-              <a:t>Click to add content</a:t>
-            </a:r>
-          </a:p>
-          <a:p>
-            <a:pPr lvl="1"/>
-            <a:r>
-              <a:rPr lang="en-US" dirty="0"/>
-              <a:t>Second level</a:t>
-            </a:r>
-          </a:p>
-          <a:p>
-            <a:pPr lvl="2"/>
-            <a:r>
-              <a:rPr lang="en-US" dirty="0"/>
-              <a:t>Third level</a:t>
-            </a:r>
-          </a:p>
-          <a:p>
-            <a:pPr lvl="3"/>
-            <a:r>
-              <a:rPr lang="en-US" dirty="0"/>
-              <a:t>Fourth level</a:t>
-            </a:r>
-          </a:p>
-          <a:p>
-            <a:pPr lvl="4"/>
-            <a:r>
-              <a:rPr lang="en-US" dirty="0"/>
-              <a:t>Fifth level</a:t>
-            </a:r>
-          </a:p>
-        </p:txBody>
-      </p:sp>
-      <p:sp>
-        <p:nvSpPr>
-          <p:cNvPr id="11" name="Content Placeholder 2">
-            <a:extLst>
-              <a:ext uri="{FF2B5EF4-FFF2-40B4-BE49-F238E27FC236}">
-                <a16:creationId xmlns:a16="http://schemas.microsoft.com/office/drawing/2014/main" id="{94879934-FAC6-CBA9-F178-98B8359AD3BE}"/>
-              </a:ext>
-            </a:extLst>
-          </p:cNvPr>
-          <p:cNvSpPr>
-            <a:spLocks noGrp="1"/>
-          </p:cNvSpPr>
-          <p:nvPr>
-            <p:ph idx="14" hasCustomPrompt="1"/>
-          </p:nvPr>
-        </p:nvSpPr>
-        <p:spPr>
-          <a:xfrm>
-            <a:off x="6371754" y="2441273"/>
-            <a:ext cx="4841076" cy="3776596"/>
-          </a:xfrm>
-        </p:spPr>
-        <p:txBody>
-          <a:bodyPr>
-            <a:noAutofit/>
-          </a:bodyPr>
-          <a:lstStyle>
-            <a:lvl1pPr marL="0" indent="0">
-              <a:lnSpc>
-                <a:spcPct val="100000"/>
-              </a:lnSpc>
-              <a:spcBef>
-                <a:spcPts val="1000"/>
-              </a:spcBef>
-              <a:buNone/>
-              <a:defRPr sz="2000"/>
-            </a:lvl1pPr>
-            <a:lvl2pPr marL="228600">
-              <a:lnSpc>
-                <a:spcPct val="100000"/>
-              </a:lnSpc>
-              <a:spcBef>
-                <a:spcPts val="1000"/>
-              </a:spcBef>
-              <a:defRPr sz="2000"/>
-            </a:lvl2pPr>
-            <a:lvl3pPr marL="685800">
-              <a:lnSpc>
-                <a:spcPct val="100000"/>
-              </a:lnSpc>
-              <a:spcBef>
-                <a:spcPts val="1000"/>
-              </a:spcBef>
-              <a:defRPr sz="1800"/>
-            </a:lvl3pPr>
-            <a:lvl4pPr marL="1143000">
-              <a:lnSpc>
-                <a:spcPct val="100000"/>
-              </a:lnSpc>
-              <a:spcBef>
-                <a:spcPts val="1000"/>
-              </a:spcBef>
-              <a:defRPr sz="1600"/>
-            </a:lvl4pPr>
-            <a:lvl5pPr marL="1600200">
-              <a:lnSpc>
-                <a:spcPct val="100000"/>
-              </a:lnSpc>
-              <a:spcBef>
-                <a:spcPts val="1000"/>
-              </a:spcBef>
-              <a:defRPr sz="1600"/>
-            </a:lvl5pPr>
-            <a:lvl6pPr>
-              <a:defRPr sz="2000"/>
-            </a:lvl6pPr>
-            <a:lvl7pPr>
-              <a:defRPr sz="2000"/>
-            </a:lvl7pPr>
-            <a:lvl8pPr>
-              <a:defRPr sz="2000"/>
-            </a:lvl8pPr>
-            <a:lvl9pPr>
-              <a:defRPr sz="2000"/>
-            </a:lvl9pPr>
-          </a:lstStyle>
-          <a:p>
-            <a:pPr lvl="0"/>
-            <a:r>
-              <a:rPr lang="en-US" dirty="0"/>
-              <a:t>Click to add content</a:t>
-            </a:r>
-          </a:p>
-          <a:p>
-            <a:pPr lvl="1"/>
-            <a:r>
-              <a:rPr lang="en-US" dirty="0"/>
-              <a:t>Second level</a:t>
-            </a:r>
-          </a:p>
-          <a:p>
-            <a:pPr lvl="2"/>
-            <a:r>
-              <a:rPr lang="en-US" dirty="0"/>
-              <a:t>Third level</a:t>
-            </a:r>
-          </a:p>
-          <a:p>
-            <a:pPr lvl="3"/>
-            <a:r>
-              <a:rPr lang="en-US" dirty="0"/>
-              <a:t>Fourth level</a:t>
-            </a:r>
-          </a:p>
-          <a:p>
-            <a:pPr lvl="4"/>
-            <a:r>
-              <a:rPr lang="en-US" dirty="0"/>
-              <a:t>Fifth level</a:t>
-            </a:r>
-          </a:p>
-        </p:txBody>
-      </p:sp>
-      <p:sp>
-        <p:nvSpPr>
-          <p:cNvPr id="7" name="Date Placeholder 6">
-            <a:extLst>
-              <a:ext uri="{FF2B5EF4-FFF2-40B4-BE49-F238E27FC236}">
-                <a16:creationId xmlns:a16="http://schemas.microsoft.com/office/drawing/2014/main" id="{21A5ED06-FE54-4B86-A8D4-07D0EB08C3AB}"/>
-              </a:ext>
-            </a:extLst>
-          </p:cNvPr>
-          <p:cNvSpPr>
-            <a:spLocks noGrp="1"/>
-          </p:cNvSpPr>
-          <p:nvPr>
-            <p:ph type="dt" sz="half" idx="10"/>
-          </p:nvPr>
-        </p:nvSpPr>
-        <p:spPr/>
-        <p:txBody>
-          <a:bodyPr/>
-          <a:lstStyle/>
-          <a:p>
-            <a:r>
-              <a:rPr lang="en-US"/>
-              <a:t>20XX</a:t>
-            </a:r>
-            <a:endParaRPr lang="en-US" dirty="0"/>
-          </a:p>
-        </p:txBody>
-      </p:sp>
-      <p:sp>
-        <p:nvSpPr>
-          <p:cNvPr id="9" name="Slide Number Placeholder 8">
-            <a:extLst>
-              <a:ext uri="{FF2B5EF4-FFF2-40B4-BE49-F238E27FC236}">
-                <a16:creationId xmlns:a16="http://schemas.microsoft.com/office/drawing/2014/main" id="{6784B1D1-BE0C-48F4-BC74-90675A0F07CF}"/>
-              </a:ext>
-            </a:extLst>
-          </p:cNvPr>
-          <p:cNvSpPr>
-            <a:spLocks noGrp="1"/>
-          </p:cNvSpPr>
-          <p:nvPr>
-            <p:ph type="sldNum" sz="quarter" idx="12"/>
-          </p:nvPr>
-        </p:nvSpPr>
-        <p:spPr/>
-        <p:txBody>
-          <a:bodyPr/>
-          <a:lstStyle/>
-          <a:p>
-            <a:fld id="{C01389E6-C847-4AD0-B56D-D205B2EAB1EE}" type="slidenum">
-              <a:rPr lang="en-US" smtClean="0"/>
-              <a:t>‹#›</a:t>
-            </a:fld>
-            <a:endParaRPr lang="en-US" dirty="0"/>
-          </a:p>
-        </p:txBody>
-      </p:sp>
-    </p:spTree>
-    <p:extLst>
-      <p:ext uri="{BB962C8B-B14F-4D97-AF65-F5344CB8AC3E}">
-        <p14:creationId xmlns:p14="http://schemas.microsoft.com/office/powerpoint/2010/main" val="4022064127"/>
-      </p:ext>
-    </p:extLst>
-  </p:cSld>
-  <p:clrMapOvr>
-    <a:masterClrMapping/>
-  </p:clrMapOvr>
-</p:sldLayout>
-</file>
-
 <file path=ppt/slideLayouts/slideLayout2.xml><?xml version="1.0" encoding="utf-8"?>
 <p:sldLayout xmlns:a="http://schemas.openxmlformats.org/drawingml/2006/main" xmlns:r="http://schemas.openxmlformats.org/officeDocument/2006/relationships" xmlns:p="http://schemas.openxmlformats.org/presentationml/2006/main" type="obj" preserve="1">
   <p:cSld name="Title and Content">
@@ -5697,7 +5288,6 @@
     <p:sldLayoutId id="2147483739" r:id="rId11"/>
     <p:sldLayoutId id="2147483740" r:id="rId12"/>
     <p:sldLayoutId id="2147483744" r:id="rId13"/>
-    <p:sldLayoutId id="2147483746" r:id="rId14"/>
   </p:sldLayoutIdLst>
   <p:hf hdr="0" ftr="0" dt="0"/>
   <p:txStyles>
@@ -6838,13 +6428,8 @@
             </a:pPr>
             <a:r>
               <a:rPr lang="en-US" sz="2400" dirty="0"/>
-              <a:t>Finalize </a:t>
-            </a:r>
-            <a:r>
-              <a:rPr lang="en-US" sz="2400"/>
-              <a:t>bartering process</a:t>
-            </a:r>
-            <a:endParaRPr lang="en-US" sz="2400" dirty="0"/>
+              <a:t>Finalize bartering process</a:t>
+            </a:r>
           </a:p>
           <a:p>
             <a:pPr marL="342900" indent="-342900">
@@ -6916,248 +6501,6 @@
 </file>
 
 <file path=ppt/slides/slide7.xml><?xml version="1.0" encoding="utf-8"?>
-<p:sld xmlns:a="http://schemas.openxmlformats.org/drawingml/2006/main" xmlns:r="http://schemas.openxmlformats.org/officeDocument/2006/relationships" xmlns:p="http://schemas.openxmlformats.org/presentationml/2006/main">
-  <p:cSld>
-    <p:spTree>
-      <p:nvGrpSpPr>
-        <p:cNvPr id="1" name="">
-          <a:extLst>
-            <a:ext uri="{FF2B5EF4-FFF2-40B4-BE49-F238E27FC236}">
-              <a16:creationId xmlns:a16="http://schemas.microsoft.com/office/drawing/2014/main" id="{E18FD17A-4B5A-9A10-34EC-5EAB5B2E1B43}"/>
-            </a:ext>
-          </a:extLst>
-        </p:cNvPr>
-        <p:cNvGrpSpPr/>
-        <p:nvPr/>
-      </p:nvGrpSpPr>
-      <p:grpSpPr>
-        <a:xfrm>
-          <a:off x="0" y="0"/>
-          <a:ext cx="0" cy="0"/>
-          <a:chOff x="0" y="0"/>
-          <a:chExt cx="0" cy="0"/>
-        </a:xfrm>
-      </p:grpSpPr>
-      <p:sp>
-        <p:nvSpPr>
-          <p:cNvPr id="2" name="Title 1">
-            <a:extLst>
-              <a:ext uri="{FF2B5EF4-FFF2-40B4-BE49-F238E27FC236}">
-                <a16:creationId xmlns:a16="http://schemas.microsoft.com/office/drawing/2014/main" id="{BBEAB8BD-CFBB-B027-C0D3-F02622442B64}"/>
-              </a:ext>
-            </a:extLst>
-          </p:cNvPr>
-          <p:cNvSpPr>
-            <a:spLocks noGrp="1"/>
-          </p:cNvSpPr>
-          <p:nvPr>
-            <p:ph type="title"/>
-          </p:nvPr>
-        </p:nvSpPr>
-        <p:spPr>
-          <a:xfrm>
-            <a:off x="975360" y="185928"/>
-            <a:ext cx="10241280" cy="1234440"/>
-          </a:xfrm>
-        </p:spPr>
-        <p:txBody>
-          <a:bodyPr/>
-          <a:lstStyle/>
-          <a:p>
-            <a:r>
-              <a:rPr lang="en-US" dirty="0"/>
-              <a:t>Progress Timeline -</a:t>
-            </a:r>
-          </a:p>
-        </p:txBody>
-      </p:sp>
-      <p:sp>
-        <p:nvSpPr>
-          <p:cNvPr id="3" name="Content Placeholder 2">
-            <a:extLst>
-              <a:ext uri="{FF2B5EF4-FFF2-40B4-BE49-F238E27FC236}">
-                <a16:creationId xmlns:a16="http://schemas.microsoft.com/office/drawing/2014/main" id="{EED5311A-3C90-8D88-3E28-BD080FB84AC8}"/>
-              </a:ext>
-            </a:extLst>
-          </p:cNvPr>
-          <p:cNvSpPr>
-            <a:spLocks noGrp="1"/>
-          </p:cNvSpPr>
-          <p:nvPr>
-            <p:ph idx="13"/>
-          </p:nvPr>
-        </p:nvSpPr>
-        <p:spPr>
-          <a:xfrm>
-            <a:off x="975360" y="1852987"/>
-            <a:ext cx="10116615" cy="3776596"/>
-          </a:xfrm>
-        </p:spPr>
-        <p:txBody>
-          <a:bodyPr/>
-          <a:lstStyle/>
-          <a:p>
-            <a:pPr marL="342900" indent="-342900">
-              <a:buFont typeface="Arial" panose="020B0604020202020204" pitchFamily="34" charset="0"/>
-              <a:buChar char="•"/>
-            </a:pPr>
-            <a:endParaRPr lang="en-US" dirty="0"/>
-          </a:p>
-          <a:p>
-            <a:pPr marL="342900" indent="-342900">
-              <a:buFont typeface="Arial" panose="020B0604020202020204" pitchFamily="34" charset="0"/>
-              <a:buChar char="•"/>
-            </a:pPr>
-            <a:r>
-              <a:rPr lang="en-US" dirty="0"/>
-              <a:t>Constructed “caravanserai” database</a:t>
-            </a:r>
-          </a:p>
-          <a:p>
-            <a:pPr marL="342900" indent="-342900">
-              <a:buFont typeface="Arial" panose="020B0604020202020204" pitchFamily="34" charset="0"/>
-              <a:buChar char="•"/>
-            </a:pPr>
-            <a:r>
-              <a:rPr lang="en-US" dirty="0"/>
-              <a:t>Built product market page (index)</a:t>
-            </a:r>
-          </a:p>
-          <a:p>
-            <a:pPr marL="342900" indent="-342900">
-              <a:buFont typeface="Arial" panose="020B0604020202020204" pitchFamily="34" charset="0"/>
-              <a:buChar char="•"/>
-            </a:pPr>
-            <a:endParaRPr lang="en-US" dirty="0"/>
-          </a:p>
-          <a:p>
-            <a:pPr marL="342900" indent="-342900">
-              <a:buFont typeface="Arial" panose="020B0604020202020204" pitchFamily="34" charset="0"/>
-              <a:buChar char="•"/>
-            </a:pPr>
-            <a:endParaRPr lang="en-US" dirty="0"/>
-          </a:p>
-          <a:p>
-            <a:pPr marL="342900" indent="-342900">
-              <a:buFont typeface="Arial" panose="020B0604020202020204" pitchFamily="34" charset="0"/>
-              <a:buChar char="•"/>
-            </a:pPr>
-            <a:endParaRPr lang="en-US" dirty="0"/>
-          </a:p>
-          <a:p>
-            <a:pPr marL="342900" indent="-342900">
-              <a:buFont typeface="Arial" panose="020B0604020202020204" pitchFamily="34" charset="0"/>
-              <a:buChar char="•"/>
-            </a:pPr>
-            <a:endParaRPr lang="en-US" dirty="0"/>
-          </a:p>
-          <a:p>
-            <a:pPr marL="342900" indent="-342900">
-              <a:buFont typeface="Arial" panose="020B0604020202020204" pitchFamily="34" charset="0"/>
-              <a:buChar char="•"/>
-            </a:pPr>
-            <a:endParaRPr lang="en-US" dirty="0"/>
-          </a:p>
-        </p:txBody>
-      </p:sp>
-      <p:sp>
-        <p:nvSpPr>
-          <p:cNvPr id="5" name="Slide Number Placeholder 4">
-            <a:extLst>
-              <a:ext uri="{FF2B5EF4-FFF2-40B4-BE49-F238E27FC236}">
-                <a16:creationId xmlns:a16="http://schemas.microsoft.com/office/drawing/2014/main" id="{4C195CDA-259B-72CB-6F77-06561F2950E8}"/>
-              </a:ext>
-            </a:extLst>
-          </p:cNvPr>
-          <p:cNvSpPr>
-            <a:spLocks noGrp="1"/>
-          </p:cNvSpPr>
-          <p:nvPr>
-            <p:ph type="sldNum" sz="quarter" idx="12"/>
-          </p:nvPr>
-        </p:nvSpPr>
-        <p:spPr/>
-        <p:txBody>
-          <a:bodyPr/>
-          <a:lstStyle/>
-          <a:p>
-            <a:fld id="{C01389E6-C847-4AD0-B56D-D205B2EAB1EE}" type="slidenum">
-              <a:rPr lang="en-US" smtClean="0"/>
-              <a:pPr/>
-              <a:t>7</a:t>
-            </a:fld>
-            <a:endParaRPr lang="en-US" dirty="0"/>
-          </a:p>
-        </p:txBody>
-      </p:sp>
-      <p:sp>
-        <p:nvSpPr>
-          <p:cNvPr id="4" name="Title 1">
-            <a:extLst>
-              <a:ext uri="{FF2B5EF4-FFF2-40B4-BE49-F238E27FC236}">
-                <a16:creationId xmlns:a16="http://schemas.microsoft.com/office/drawing/2014/main" id="{7CCD9321-A51A-F581-9F4C-F2D3E80F163F}"/>
-              </a:ext>
-            </a:extLst>
-          </p:cNvPr>
-          <p:cNvSpPr txBox="1">
-            <a:spLocks/>
-          </p:cNvSpPr>
-          <p:nvPr/>
-        </p:nvSpPr>
-        <p:spPr>
-          <a:xfrm>
-            <a:off x="975360" y="803148"/>
-            <a:ext cx="10241280" cy="1234440"/>
-          </a:xfrm>
-          <a:prstGeom prst="rect">
-            <a:avLst/>
-          </a:prstGeom>
-        </p:spPr>
-        <p:txBody>
-          <a:bodyPr vert="horz" lIns="0" tIns="0" rIns="0" bIns="0" rtlCol="0" anchor="b">
-            <a:normAutofit/>
-          </a:bodyPr>
-          <a:lstStyle>
-            <a:lvl1pPr algn="l" defTabSz="914400" rtl="0" eaLnBrk="1" latinLnBrk="0" hangingPunct="1">
-              <a:lnSpc>
-                <a:spcPct val="100000"/>
-              </a:lnSpc>
-              <a:spcBef>
-                <a:spcPct val="0"/>
-              </a:spcBef>
-              <a:buNone/>
-              <a:defRPr sz="3600" b="1" i="0" kern="1200" cap="all" spc="700" baseline="0">
-                <a:solidFill>
-                  <a:schemeClr val="tx1"/>
-                </a:solidFill>
-                <a:latin typeface="+mj-lt"/>
-                <a:ea typeface="+mj-ea"/>
-                <a:cs typeface="+mj-cs"/>
-              </a:defRPr>
-            </a:lvl1pPr>
-          </a:lstStyle>
-          <a:p>
-            <a:r>
-              <a:rPr lang="en-US" sz="2400" dirty="0"/>
-              <a:t>Backend</a:t>
-            </a:r>
-          </a:p>
-        </p:txBody>
-      </p:sp>
-    </p:spTree>
-    <p:extLst>
-      <p:ext uri="{BB962C8B-B14F-4D97-AF65-F5344CB8AC3E}">
-        <p14:creationId xmlns:p14="http://schemas.microsoft.com/office/powerpoint/2010/main" val="954306413"/>
-      </p:ext>
-    </p:extLst>
-  </p:cSld>
-  <p:clrMapOvr>
-    <a:masterClrMapping/>
-  </p:clrMapOvr>
-</p:sld>
-</file>
-
-<file path=ppt/slides/slide8.xml><?xml version="1.0" encoding="utf-8"?>
 <p:sld xmlns:a="http://schemas.openxmlformats.org/drawingml/2006/main" xmlns:r="http://schemas.openxmlformats.org/officeDocument/2006/relationships" xmlns:p="http://schemas.openxmlformats.org/presentationml/2006/main">
   <p:cSld>
     <p:spTree>
@@ -7232,7 +6575,7 @@
             <a:fld id="{C01389E6-C847-4AD0-B56D-D205B2EAB1EE}" type="slidenum">
               <a:rPr lang="en-US" smtClean="0"/>
               <a:pPr/>
-              <a:t>8</a:t>
+              <a:t>7</a:t>
             </a:fld>
             <a:endParaRPr lang="en-US" dirty="0"/>
           </a:p>
@@ -7430,7 +6773,11 @@
           <a:p>
             <a:r>
               <a:rPr lang="en-US" dirty="0"/>
-              <a:t>Todd Carter – Backend, Frontend, Presentations, Reports</a:t>
+              <a:t>Todd Carter – Backend</a:t>
+            </a:r>
+            <a:r>
+              <a:rPr lang="en-US"/>
+              <a:t>, Frontend</a:t>
             </a:r>
           </a:p>
           <a:p>

--- a/CaravanSeraiCS360/Presentations/Caravanserai.pptx
+++ b/CaravanSeraiCS360/Presentations/Caravanserai.pptx
@@ -11,7 +11,7 @@
     <p:handoutMasterId r:id="rId13"/>
   </p:handoutMasterIdLst>
   <p:sldIdLst>
-    <p:sldId id="296" r:id="rId5"/>
+    <p:sldId id="327" r:id="rId5"/>
     <p:sldId id="323" r:id="rId6"/>
     <p:sldId id="312" r:id="rId7"/>
     <p:sldId id="319" r:id="rId8"/>
@@ -238,7 +238,7 @@
           <a:p>
             <a:fld id="{B149A72A-4651-45C7-9E42-35BFFD46D92F}" type="datetimeFigureOut">
               <a:rPr lang="en-US" smtClean="0"/>
-              <a:t>3/16/2025</a:t>
+              <a:t>3/24/2025</a:t>
             </a:fld>
             <a:endParaRPr lang="en-US" dirty="0"/>
           </a:p>
@@ -415,7 +415,7 @@
           <a:p>
             <a:fld id="{9D849352-39CB-486C-AEA5-5D17795DD0C7}" type="datetimeFigureOut">
               <a:rPr lang="en-US" smtClean="0"/>
-              <a:t>3/16/2025</a:t>
+              <a:t>3/24/2025</a:t>
             </a:fld>
             <a:endParaRPr lang="en-US" dirty="0"/>
           </a:p>
@@ -687,7 +687,13 @@
   <p:cSld>
     <p:spTree>
       <p:nvGrpSpPr>
-        <p:cNvPr id="1" name=""/>
+        <p:cNvPr id="1" name="">
+          <a:extLst>
+            <a:ext uri="{FF2B5EF4-FFF2-40B4-BE49-F238E27FC236}">
+              <a16:creationId xmlns:a16="http://schemas.microsoft.com/office/drawing/2014/main" id="{9D3AE5D5-FC54-2533-9AA2-2BF5C65428D4}"/>
+            </a:ext>
+          </a:extLst>
+        </p:cNvPr>
         <p:cNvGrpSpPr/>
         <p:nvPr/>
       </p:nvGrpSpPr>
@@ -701,7 +707,13 @@
       </p:grpSpPr>
       <p:sp>
         <p:nvSpPr>
-          <p:cNvPr id="2" name="Slide Image Placeholder 1"/>
+          <p:cNvPr id="2" name="Slide Image Placeholder 1">
+            <a:extLst>
+              <a:ext uri="{FF2B5EF4-FFF2-40B4-BE49-F238E27FC236}">
+                <a16:creationId xmlns:a16="http://schemas.microsoft.com/office/drawing/2014/main" id="{85BC3CE6-3798-6E98-374E-0E43DBB12931}"/>
+              </a:ext>
+            </a:extLst>
+          </p:cNvPr>
           <p:cNvSpPr>
             <a:spLocks noGrp="1" noRot="1" noChangeAspect="1"/>
           </p:cNvSpPr>
@@ -713,7 +725,13 @@
       </p:sp>
       <p:sp>
         <p:nvSpPr>
-          <p:cNvPr id="3" name="Notes Placeholder 2"/>
+          <p:cNvPr id="3" name="Notes Placeholder 2">
+            <a:extLst>
+              <a:ext uri="{FF2B5EF4-FFF2-40B4-BE49-F238E27FC236}">
+                <a16:creationId xmlns:a16="http://schemas.microsoft.com/office/drawing/2014/main" id="{31D84182-D4BE-A527-4377-FEF2D8C98E1D}"/>
+              </a:ext>
+            </a:extLst>
+          </p:cNvPr>
           <p:cNvSpPr>
             <a:spLocks noGrp="1"/>
           </p:cNvSpPr>
@@ -732,7 +750,13 @@
       </p:sp>
       <p:sp>
         <p:nvSpPr>
-          <p:cNvPr id="4" name="Slide Number Placeholder 3"/>
+          <p:cNvPr id="4" name="Slide Number Placeholder 3">
+            <a:extLst>
+              <a:ext uri="{FF2B5EF4-FFF2-40B4-BE49-F238E27FC236}">
+                <a16:creationId xmlns:a16="http://schemas.microsoft.com/office/drawing/2014/main" id="{0F8FE14D-3D18-4016-6A5E-166F458A170C}"/>
+              </a:ext>
+            </a:extLst>
+          </p:cNvPr>
           <p:cNvSpPr>
             <a:spLocks noGrp="1"/>
           </p:cNvSpPr>
@@ -756,7 +780,7 @@
     </p:spTree>
     <p:extLst>
       <p:ext uri="{BB962C8B-B14F-4D97-AF65-F5344CB8AC3E}">
-        <p14:creationId xmlns:p14="http://schemas.microsoft.com/office/powerpoint/2010/main" val="1623119340"/>
+        <p14:creationId xmlns:p14="http://schemas.microsoft.com/office/powerpoint/2010/main" val="902627105"/>
       </p:ext>
     </p:extLst>
   </p:cSld>
@@ -5578,7 +5602,13 @@
   <p:cSld>
     <p:spTree>
       <p:nvGrpSpPr>
-        <p:cNvPr id="1" name=""/>
+        <p:cNvPr id="1" name="">
+          <a:extLst>
+            <a:ext uri="{FF2B5EF4-FFF2-40B4-BE49-F238E27FC236}">
+              <a16:creationId xmlns:a16="http://schemas.microsoft.com/office/drawing/2014/main" id="{D4427E7C-2568-C2FB-A94A-556D93D3634B}"/>
+            </a:ext>
+          </a:extLst>
+        </p:cNvPr>
         <p:cNvGrpSpPr/>
         <p:nvPr/>
       </p:nvGrpSpPr>
@@ -5595,7 +5625,7 @@
           <p:cNvPr id="2" name="Title 1">
             <a:extLst>
               <a:ext uri="{FF2B5EF4-FFF2-40B4-BE49-F238E27FC236}">
-                <a16:creationId xmlns:a16="http://schemas.microsoft.com/office/drawing/2014/main" id="{620E0F0A-3BC6-A4BF-0161-DCE0CBC0C609}"/>
+                <a16:creationId xmlns:a16="http://schemas.microsoft.com/office/drawing/2014/main" id="{47373D67-CA75-AFAE-08F4-4524D0CE6484}"/>
               </a:ext>
             </a:extLst>
           </p:cNvPr>
@@ -5613,12 +5643,14 @@
           </a:xfrm>
         </p:spPr>
         <p:txBody>
-          <a:bodyPr/>
+          <a:bodyPr>
+            <a:normAutofit/>
+          </a:bodyPr>
           <a:lstStyle/>
           <a:p>
             <a:r>
-              <a:rPr lang="en-US" dirty="0"/>
-              <a:t>Caravanserai</a:t>
+              <a:rPr lang="en-US" sz="4800" dirty="0"/>
+              <a:t>CARAVANSERAI</a:t>
             </a:r>
           </a:p>
         </p:txBody>
@@ -5628,7 +5660,7 @@
           <p:cNvPr id="3" name="TextBox 2">
             <a:extLst>
               <a:ext uri="{FF2B5EF4-FFF2-40B4-BE49-F238E27FC236}">
-                <a16:creationId xmlns:a16="http://schemas.microsoft.com/office/drawing/2014/main" id="{00C9038A-E51B-9B63-B23D-4F2C7FF9F24E}"/>
+                <a16:creationId xmlns:a16="http://schemas.microsoft.com/office/drawing/2014/main" id="{114940F8-BD48-F4B8-2945-DF6A312D88E3}"/>
               </a:ext>
             </a:extLst>
           </p:cNvPr>
@@ -5637,8 +5669,8 @@
         </p:nvSpPr>
         <p:spPr>
           <a:xfrm>
-            <a:off x="4562168" y="3040003"/>
-            <a:ext cx="5240594" cy="369332"/>
+            <a:off x="3323302" y="3136612"/>
+            <a:ext cx="5506065" cy="584775"/>
           </a:xfrm>
           <a:prstGeom prst="rect">
             <a:avLst/>
@@ -5651,8 +5683,9 @@
           </a:bodyPr>
           <a:lstStyle/>
           <a:p>
-            <a:r>
-              <a:rPr lang="en-US" dirty="0"/>
+            <a:pPr algn="ctr"/>
+            <a:r>
+              <a:rPr lang="en-US" sz="3200" dirty="0"/>
               <a:t>Digital Market Management</a:t>
             </a:r>
           </a:p>
@@ -5661,7 +5694,7 @@
     </p:spTree>
     <p:extLst>
       <p:ext uri="{BB962C8B-B14F-4D97-AF65-F5344CB8AC3E}">
-        <p14:creationId xmlns:p14="http://schemas.microsoft.com/office/powerpoint/2010/main" val="3899882204"/>
+        <p14:creationId xmlns:p14="http://schemas.microsoft.com/office/powerpoint/2010/main" val="2288497133"/>
       </p:ext>
     </p:extLst>
   </p:cSld>
@@ -6415,7 +6448,7 @@
             </a:pPr>
             <a:r>
               <a:rPr lang="en-US" sz="2400" dirty="0"/>
-              <a:t>Improvements to user and group security</a:t>
+              <a:t>Improvements to user and group security; product vetting</a:t>
             </a:r>
           </a:p>
           <a:p>
@@ -6597,7 +6630,7 @@
         </p:nvSpPr>
         <p:spPr>
           <a:xfrm>
-            <a:off x="6670961" y="2507723"/>
+            <a:off x="6670961" y="2053636"/>
             <a:ext cx="5216239" cy="2349660"/>
           </a:xfrm>
           <a:prstGeom prst="rect">
@@ -6773,11 +6806,7 @@
           <a:p>
             <a:r>
               <a:rPr lang="en-US" dirty="0"/>
-              <a:t>Todd Carter – Backend</a:t>
-            </a:r>
-            <a:r>
-              <a:rPr lang="en-US"/>
-              <a:t>, Frontend</a:t>
+              <a:t>Todd Carter – Backend, Frontend, Presentations, Reports</a:t>
             </a:r>
           </a:p>
           <a:p>
@@ -6792,7 +6821,7 @@
           <a:p>
             <a:r>
               <a:rPr lang="en-US" dirty="0"/>
-              <a:t>Anna Milligan – Frontend</a:t>
+              <a:t>Anna Milligan – Fonts, color scheme</a:t>
             </a:r>
           </a:p>
           <a:p>
@@ -7614,6 +7643,15 @@
 </file>
 
 <file path=customXml/item1.xml><?xml version="1.0" encoding="utf-8"?>
+<?mso-contentType ?>
+<FormTemplates xmlns="http://schemas.microsoft.com/sharepoint/v3/contenttype/forms">
+  <Display>DocumentLibraryForm</Display>
+  <Edit>DocumentLibraryForm</Edit>
+  <New>DocumentLibraryForm</New>
+</FormTemplates>
+</file>
+
+<file path=customXml/item2.xml><?xml version="1.0" encoding="utf-8"?>
 <ct:contentTypeSchema xmlns:ct="http://schemas.microsoft.com/office/2006/metadata/contentType" xmlns:ma="http://schemas.microsoft.com/office/2006/metadata/properties/metaAttributes" ct:_="" ma:_="" ma:contentTypeName="Document" ma:contentTypeID="0x01010079F111ED35F8CC479449609E8A0923A6" ma:contentTypeVersion="28" ma:contentTypeDescription="Create a new document." ma:contentTypeScope="" ma:versionID="60f5a4f2d2b0abadcf532d48ebf9cb71">
   <xsd:schema xmlns:xsd="http://www.w3.org/2001/XMLSchema" xmlns:xs="http://www.w3.org/2001/XMLSchema" xmlns:p="http://schemas.microsoft.com/office/2006/metadata/properties" xmlns:ns1="http://schemas.microsoft.com/sharepoint/v3" xmlns:ns2="71af3243-3dd4-4a8d-8c0d-dd76da1f02a5" xmlns:ns3="16c05727-aa75-4e4a-9b5f-8a80a1165891" xmlns:ns4="230e9df3-be65-4c73-a93b-d1236ebd677e" targetNamespace="http://schemas.microsoft.com/office/2006/metadata/properties" ma:root="true" ma:fieldsID="7dd78129e6a1811f84807ad11c651531" ns1:_="" ns2:_="" ns3:_="" ns4:_="">
     <xsd:import namespace="http://schemas.microsoft.com/sharepoint/v3"/>
@@ -7925,15 +7963,6 @@
 </ct:contentTypeSchema>
 </file>
 
-<file path=customXml/item2.xml><?xml version="1.0" encoding="utf-8"?>
-<?mso-contentType ?>
-<FormTemplates xmlns="http://schemas.microsoft.com/sharepoint/v3/contenttype/forms">
-  <Display>DocumentLibraryForm</Display>
-  <Edit>DocumentLibraryForm</Edit>
-  <New>DocumentLibraryForm</New>
-</FormTemplates>
-</file>
-
 <file path=customXml/item3.xml><?xml version="1.0" encoding="utf-8"?>
 <p:properties xmlns:p="http://schemas.microsoft.com/office/2006/metadata/properties" xmlns:xsi="http://www.w3.org/2001/XMLSchema-instance" xmlns:pc="http://schemas.microsoft.com/office/infopath/2007/PartnerControls">
   <documentManagement>
@@ -7955,6 +7984,14 @@
 </file>
 
 <file path=customXml/itemProps1.xml><?xml version="1.0" encoding="utf-8"?>
+<ds:datastoreItem xmlns:ds="http://schemas.openxmlformats.org/officeDocument/2006/customXml" ds:itemID="{8CF92924-243E-4C73-8BD6-689D14A495F2}">
+  <ds:schemaRefs>
+    <ds:schemaRef ds:uri="http://schemas.microsoft.com/sharepoint/v3/contenttype/forms"/>
+  </ds:schemaRefs>
+</ds:datastoreItem>
+</file>
+
+<file path=customXml/itemProps2.xml><?xml version="1.0" encoding="utf-8"?>
 <ds:datastoreItem xmlns:ds="http://schemas.openxmlformats.org/officeDocument/2006/customXml" ds:itemID="{0D54F37A-6805-42D4-9FB4-3CFF01A7B973}">
   <ds:schemaRefs>
     <ds:schemaRef ds:uri="http://schemas.microsoft.com/office/2006/metadata/contentType"/>
@@ -7975,14 +8012,6 @@
 </ds:datastoreItem>
 </file>
 
-<file path=customXml/itemProps2.xml><?xml version="1.0" encoding="utf-8"?>
-<ds:datastoreItem xmlns:ds="http://schemas.openxmlformats.org/officeDocument/2006/customXml" ds:itemID="{8CF92924-243E-4C73-8BD6-689D14A495F2}">
-  <ds:schemaRefs>
-    <ds:schemaRef ds:uri="http://schemas.microsoft.com/sharepoint/v3/contenttype/forms"/>
-  </ds:schemaRefs>
-</ds:datastoreItem>
-</file>
-
 <file path=customXml/itemProps3.xml><?xml version="1.0" encoding="utf-8"?>
 <ds:datastoreItem xmlns:ds="http://schemas.openxmlformats.org/officeDocument/2006/customXml" ds:itemID="{51D389B5-45E8-4EA7-B5A7-604FF249CF70}">
   <ds:schemaRefs>

--- a/CaravanSeraiCS360/Presentations/Caravanserai.pptx
+++ b/CaravanSeraiCS360/Presentations/Caravanserai.pptx
@@ -5,10 +5,10 @@
     <p:sldMasterId id="2147483728" r:id="rId4"/>
   </p:sldMasterIdLst>
   <p:notesMasterIdLst>
-    <p:notesMasterId r:id="rId12"/>
+    <p:notesMasterId r:id="rId16"/>
   </p:notesMasterIdLst>
   <p:handoutMasterIdLst>
-    <p:handoutMasterId r:id="rId13"/>
+    <p:handoutMasterId r:id="rId17"/>
   </p:handoutMasterIdLst>
   <p:sldIdLst>
     <p:sldId id="327" r:id="rId5"/>
@@ -17,7 +17,11 @@
     <p:sldId id="319" r:id="rId8"/>
     <p:sldId id="325" r:id="rId9"/>
     <p:sldId id="326" r:id="rId10"/>
-    <p:sldId id="321" r:id="rId11"/>
+    <p:sldId id="331" r:id="rId11"/>
+    <p:sldId id="330" r:id="rId12"/>
+    <p:sldId id="332" r:id="rId13"/>
+    <p:sldId id="329" r:id="rId14"/>
+    <p:sldId id="321" r:id="rId15"/>
   </p:sldIdLst>
   <p:sldSz cx="12192000" cy="6858000"/>
   <p:notesSz cx="6858000" cy="9144000"/>
@@ -889,6 +893,114 @@
     <p:extLst>
       <p:ext uri="{BB962C8B-B14F-4D97-AF65-F5344CB8AC3E}">
         <p14:creationId xmlns:p14="http://schemas.microsoft.com/office/powerpoint/2010/main" val="3168383247"/>
+      </p:ext>
+    </p:extLst>
+  </p:cSld>
+  <p:clrMapOvr>
+    <a:masterClrMapping/>
+  </p:clrMapOvr>
+</p:notes>
+</file>
+
+<file path=ppt/notesSlides/notesSlide3.xml><?xml version="1.0" encoding="utf-8"?>
+<p:notes xmlns:a="http://schemas.openxmlformats.org/drawingml/2006/main" xmlns:r="http://schemas.openxmlformats.org/officeDocument/2006/relationships" xmlns:p="http://schemas.openxmlformats.org/presentationml/2006/main">
+  <p:cSld>
+    <p:spTree>
+      <p:nvGrpSpPr>
+        <p:cNvPr id="1" name="">
+          <a:extLst>
+            <a:ext uri="{FF2B5EF4-FFF2-40B4-BE49-F238E27FC236}">
+              <a16:creationId xmlns:a16="http://schemas.microsoft.com/office/drawing/2014/main" id="{374511A5-9346-BDD9-AB9A-CF2E2D5F1E82}"/>
+            </a:ext>
+          </a:extLst>
+        </p:cNvPr>
+        <p:cNvGrpSpPr/>
+        <p:nvPr/>
+      </p:nvGrpSpPr>
+      <p:grpSpPr>
+        <a:xfrm>
+          <a:off x="0" y="0"/>
+          <a:ext cx="0" cy="0"/>
+          <a:chOff x="0" y="0"/>
+          <a:chExt cx="0" cy="0"/>
+        </a:xfrm>
+      </p:grpSpPr>
+      <p:sp>
+        <p:nvSpPr>
+          <p:cNvPr id="2" name="Slide Image Placeholder 1">
+            <a:extLst>
+              <a:ext uri="{FF2B5EF4-FFF2-40B4-BE49-F238E27FC236}">
+                <a16:creationId xmlns:a16="http://schemas.microsoft.com/office/drawing/2014/main" id="{2A2B0804-B0E5-D320-FC0C-E932636E47D3}"/>
+              </a:ext>
+            </a:extLst>
+          </p:cNvPr>
+          <p:cNvSpPr>
+            <a:spLocks noGrp="1" noRot="1" noChangeAspect="1"/>
+          </p:cNvSpPr>
+          <p:nvPr>
+            <p:ph type="sldImg"/>
+          </p:nvPr>
+        </p:nvSpPr>
+        <p:spPr/>
+      </p:sp>
+      <p:sp>
+        <p:nvSpPr>
+          <p:cNvPr id="3" name="Notes Placeholder 2">
+            <a:extLst>
+              <a:ext uri="{FF2B5EF4-FFF2-40B4-BE49-F238E27FC236}">
+                <a16:creationId xmlns:a16="http://schemas.microsoft.com/office/drawing/2014/main" id="{8BFD9A1C-4A02-8924-2536-2ED21654582C}"/>
+              </a:ext>
+            </a:extLst>
+          </p:cNvPr>
+          <p:cNvSpPr>
+            <a:spLocks noGrp="1"/>
+          </p:cNvSpPr>
+          <p:nvPr>
+            <p:ph type="body" idx="1"/>
+          </p:nvPr>
+        </p:nvSpPr>
+        <p:spPr/>
+        <p:txBody>
+          <a:bodyPr/>
+          <a:lstStyle/>
+          <a:p>
+            <a:endParaRPr lang="en-US" dirty="0"/>
+          </a:p>
+        </p:txBody>
+      </p:sp>
+      <p:sp>
+        <p:nvSpPr>
+          <p:cNvPr id="4" name="Slide Number Placeholder 3">
+            <a:extLst>
+              <a:ext uri="{FF2B5EF4-FFF2-40B4-BE49-F238E27FC236}">
+                <a16:creationId xmlns:a16="http://schemas.microsoft.com/office/drawing/2014/main" id="{478D1A0D-245E-54BD-D133-19FF0D3F8B4F}"/>
+              </a:ext>
+            </a:extLst>
+          </p:cNvPr>
+          <p:cNvSpPr>
+            <a:spLocks noGrp="1"/>
+          </p:cNvSpPr>
+          <p:nvPr>
+            <p:ph type="sldNum" sz="quarter" idx="5"/>
+          </p:nvPr>
+        </p:nvSpPr>
+        <p:spPr/>
+        <p:txBody>
+          <a:bodyPr/>
+          <a:lstStyle/>
+          <a:p>
+            <a:fld id="{C30E6F85-6220-421D-9203-84F526C4C605}" type="slidenum">
+              <a:rPr lang="en-US" smtClean="0"/>
+              <a:t>10</a:t>
+            </a:fld>
+            <a:endParaRPr lang="en-US" dirty="0"/>
+          </a:p>
+        </p:txBody>
+      </p:sp>
+    </p:spTree>
+    <p:extLst>
+      <p:ext uri="{BB962C8B-B14F-4D97-AF65-F5344CB8AC3E}">
+        <p14:creationId xmlns:p14="http://schemas.microsoft.com/office/powerpoint/2010/main" val="1806927341"/>
       </p:ext>
     </p:extLst>
   </p:cSld>
@@ -5704,15 +5816,23 @@
 </p:sld>
 </file>
 
-<file path=ppt/slides/slide2.xml><?xml version="1.0" encoding="utf-8"?>
+<file path=ppt/slides/slide10.xml><?xml version="1.0" encoding="utf-8"?>
 <p:sld xmlns:a="http://schemas.openxmlformats.org/drawingml/2006/main" xmlns:r="http://schemas.openxmlformats.org/officeDocument/2006/relationships" xmlns:p="http://schemas.openxmlformats.org/presentationml/2006/main">
   <p:cSld>
+    <p:bg>
+      <p:bgPr>
+        <a:solidFill>
+          <a:schemeClr val="bg1"/>
+        </a:solidFill>
+        <a:effectLst/>
+      </p:bgPr>
+    </p:bg>
     <p:spTree>
       <p:nvGrpSpPr>
         <p:cNvPr id="1" name="">
           <a:extLst>
             <a:ext uri="{FF2B5EF4-FFF2-40B4-BE49-F238E27FC236}">
-              <a16:creationId xmlns:a16="http://schemas.microsoft.com/office/drawing/2014/main" id="{C05AD88E-2148-6D22-0463-AD0721BF2CC7}"/>
+              <a16:creationId xmlns:a16="http://schemas.microsoft.com/office/drawing/2014/main" id="{2EDCEF70-8B58-8E5A-FAA3-86A4C5872051}"/>
             </a:ext>
           </a:extLst>
         </p:cNvPr>
@@ -5732,7 +5852,7 @@
           <p:cNvPr id="2" name="Title 1">
             <a:extLst>
               <a:ext uri="{FF2B5EF4-FFF2-40B4-BE49-F238E27FC236}">
-                <a16:creationId xmlns:a16="http://schemas.microsoft.com/office/drawing/2014/main" id="{FACAFAE1-1E86-A168-2ADA-5EBE24B143C2}"/>
+                <a16:creationId xmlns:a16="http://schemas.microsoft.com/office/drawing/2014/main" id="{DBD4B669-66BA-D302-26F9-B9076E39000F}"/>
               </a:ext>
             </a:extLst>
           </p:cNvPr>
@@ -5757,7 +5877,7 @@
           <a:p>
             <a:r>
               <a:rPr lang="en-US" sz="4800" dirty="0"/>
-              <a:t>PROJECT UPDATE</a:t>
+              <a:t>PRODUCT DEMO</a:t>
             </a:r>
           </a:p>
         </p:txBody>
@@ -5767,7 +5887,7 @@
           <p:cNvPr id="3" name="TextBox 2">
             <a:extLst>
               <a:ext uri="{FF2B5EF4-FFF2-40B4-BE49-F238E27FC236}">
-                <a16:creationId xmlns:a16="http://schemas.microsoft.com/office/drawing/2014/main" id="{1F393740-55AE-9699-2D8C-E63F59415963}"/>
+                <a16:creationId xmlns:a16="http://schemas.microsoft.com/office/drawing/2014/main" id="{9F4DF60C-3EF3-F61E-7FBF-448A696361DD}"/>
               </a:ext>
             </a:extLst>
           </p:cNvPr>
@@ -5776,8 +5896,8 @@
         </p:nvSpPr>
         <p:spPr>
           <a:xfrm>
-            <a:off x="3475703" y="3136612"/>
-            <a:ext cx="5240594" cy="584775"/>
+            <a:off x="1902542" y="3136612"/>
+            <a:ext cx="8386916" cy="584775"/>
           </a:xfrm>
           <a:prstGeom prst="rect">
             <a:avLst/>
@@ -5793,7 +5913,7 @@
             <a:pPr algn="ctr"/>
             <a:r>
               <a:rPr lang="en-US" sz="3200" dirty="0"/>
-              <a:t>Phase 2</a:t>
+              <a:t>Please Wait For Screen Transition</a:t>
             </a:r>
           </a:p>
         </p:txBody>
@@ -5801,7 +5921,7 @@
     </p:spTree>
     <p:extLst>
       <p:ext uri="{BB962C8B-B14F-4D97-AF65-F5344CB8AC3E}">
-        <p14:creationId xmlns:p14="http://schemas.microsoft.com/office/powerpoint/2010/main" val="2000612667"/>
+        <p14:creationId xmlns:p14="http://schemas.microsoft.com/office/powerpoint/2010/main" val="1465264554"/>
       </p:ext>
     </p:extLst>
   </p:cSld>
@@ -5811,729 +5931,7 @@
 </p:sld>
 </file>
 
-<file path=ppt/slides/slide3.xml><?xml version="1.0" encoding="utf-8"?>
-<p:sld xmlns:a="http://schemas.openxmlformats.org/drawingml/2006/main" xmlns:r="http://schemas.openxmlformats.org/officeDocument/2006/relationships" xmlns:p="http://schemas.openxmlformats.org/presentationml/2006/main">
-  <p:cSld>
-    <p:spTree>
-      <p:nvGrpSpPr>
-        <p:cNvPr id="1" name=""/>
-        <p:cNvGrpSpPr/>
-        <p:nvPr/>
-      </p:nvGrpSpPr>
-      <p:grpSpPr>
-        <a:xfrm>
-          <a:off x="0" y="0"/>
-          <a:ext cx="0" cy="0"/>
-          <a:chOff x="0" y="0"/>
-          <a:chExt cx="0" cy="0"/>
-        </a:xfrm>
-      </p:grpSpPr>
-      <p:sp>
-        <p:nvSpPr>
-          <p:cNvPr id="2" name="Title 1">
-            <a:extLst>
-              <a:ext uri="{FF2B5EF4-FFF2-40B4-BE49-F238E27FC236}">
-                <a16:creationId xmlns:a16="http://schemas.microsoft.com/office/drawing/2014/main" id="{A5306654-0C52-B309-B287-DCD191AB24F3}"/>
-              </a:ext>
-            </a:extLst>
-          </p:cNvPr>
-          <p:cNvSpPr>
-            <a:spLocks noGrp="1"/>
-          </p:cNvSpPr>
-          <p:nvPr>
-            <p:ph type="title"/>
-          </p:nvPr>
-        </p:nvSpPr>
-        <p:spPr/>
-        <p:txBody>
-          <a:bodyPr/>
-          <a:lstStyle/>
-          <a:p>
-            <a:r>
-              <a:rPr lang="en-US" dirty="0"/>
-              <a:t>What we are building</a:t>
-            </a:r>
-          </a:p>
-        </p:txBody>
-      </p:sp>
-      <p:sp>
-        <p:nvSpPr>
-          <p:cNvPr id="5" name="Content Placeholder 4">
-            <a:extLst>
-              <a:ext uri="{FF2B5EF4-FFF2-40B4-BE49-F238E27FC236}">
-                <a16:creationId xmlns:a16="http://schemas.microsoft.com/office/drawing/2014/main" id="{CC54EF62-25FE-1502-341A-E039FF0E782F}"/>
-              </a:ext>
-            </a:extLst>
-          </p:cNvPr>
-          <p:cNvSpPr>
-            <a:spLocks noGrp="1"/>
-          </p:cNvSpPr>
-          <p:nvPr>
-            <p:ph sz="quarter" idx="17"/>
-          </p:nvPr>
-        </p:nvSpPr>
-        <p:spPr/>
-        <p:txBody>
-          <a:bodyPr/>
-          <a:lstStyle/>
-          <a:p>
-            <a:r>
-              <a:rPr lang="en-US" sz="2400" dirty="0"/>
-              <a:t>Three primary components:</a:t>
-            </a:r>
-          </a:p>
-          <a:p>
-            <a:pPr marL="342900" indent="-342900">
-              <a:buFont typeface="Arial" panose="020B0604020202020204" pitchFamily="34" charset="0"/>
-              <a:buChar char="•"/>
-            </a:pPr>
-            <a:endParaRPr lang="en-US" sz="2400" dirty="0"/>
-          </a:p>
-          <a:p>
-            <a:pPr marL="342900" indent="-342900">
-              <a:buFont typeface="Arial" panose="020B0604020202020204" pitchFamily="34" charset="0"/>
-              <a:buChar char="•"/>
-            </a:pPr>
-            <a:r>
-              <a:rPr lang="en-US" sz="2400" dirty="0"/>
-              <a:t>User/Group login and management</a:t>
-            </a:r>
-          </a:p>
-          <a:p>
-            <a:pPr marL="342900" indent="-342900">
-              <a:buFont typeface="Arial" panose="020B0604020202020204" pitchFamily="34" charset="0"/>
-              <a:buChar char="•"/>
-            </a:pPr>
-            <a:endParaRPr lang="en-US" sz="2400" dirty="0"/>
-          </a:p>
-          <a:p>
-            <a:pPr marL="342900" indent="-342900">
-              <a:buFont typeface="Arial" panose="020B0604020202020204" pitchFamily="34" charset="0"/>
-              <a:buChar char="•"/>
-            </a:pPr>
-            <a:r>
-              <a:rPr lang="en-US" sz="2400" dirty="0"/>
-              <a:t>User product database management</a:t>
-            </a:r>
-          </a:p>
-          <a:p>
-            <a:pPr marL="342900" indent="-342900">
-              <a:buFont typeface="Arial" panose="020B0604020202020204" pitchFamily="34" charset="0"/>
-              <a:buChar char="•"/>
-            </a:pPr>
-            <a:endParaRPr lang="en-US" sz="2400" dirty="0"/>
-          </a:p>
-          <a:p>
-            <a:pPr marL="342900" indent="-342900">
-              <a:buFont typeface="Arial" panose="020B0604020202020204" pitchFamily="34" charset="0"/>
-              <a:buChar char="•"/>
-            </a:pPr>
-            <a:r>
-              <a:rPr lang="en-US" sz="2400" dirty="0"/>
-              <a:t>Barter system for products already on database</a:t>
-            </a:r>
-          </a:p>
-        </p:txBody>
-      </p:sp>
-      <p:sp>
-        <p:nvSpPr>
-          <p:cNvPr id="4" name="Slide Number Placeholder 3">
-            <a:extLst>
-              <a:ext uri="{FF2B5EF4-FFF2-40B4-BE49-F238E27FC236}">
-                <a16:creationId xmlns:a16="http://schemas.microsoft.com/office/drawing/2014/main" id="{6DE0C6C8-BBF8-D6DB-5F26-A9F1C44BBDDA}"/>
-              </a:ext>
-            </a:extLst>
-          </p:cNvPr>
-          <p:cNvSpPr>
-            <a:spLocks noGrp="1"/>
-          </p:cNvSpPr>
-          <p:nvPr>
-            <p:ph type="sldNum" sz="quarter" idx="12"/>
-          </p:nvPr>
-        </p:nvSpPr>
-        <p:spPr/>
-        <p:txBody>
-          <a:bodyPr/>
-          <a:lstStyle/>
-          <a:p>
-            <a:fld id="{C01389E6-C847-4AD0-B56D-D205B2EAB1EE}" type="slidenum">
-              <a:rPr lang="en-US" smtClean="0"/>
-              <a:pPr/>
-              <a:t>3</a:t>
-            </a:fld>
-            <a:endParaRPr lang="en-US" dirty="0"/>
-          </a:p>
-        </p:txBody>
-      </p:sp>
-    </p:spTree>
-    <p:extLst>
-      <p:ext uri="{BB962C8B-B14F-4D97-AF65-F5344CB8AC3E}">
-        <p14:creationId xmlns:p14="http://schemas.microsoft.com/office/powerpoint/2010/main" val="698736108"/>
-      </p:ext>
-    </p:extLst>
-  </p:cSld>
-  <p:clrMapOvr>
-    <a:masterClrMapping/>
-  </p:clrMapOvr>
-</p:sld>
-</file>
-
-<file path=ppt/slides/slide4.xml><?xml version="1.0" encoding="utf-8"?>
-<p:sld xmlns:a="http://schemas.openxmlformats.org/drawingml/2006/main" xmlns:r="http://schemas.openxmlformats.org/officeDocument/2006/relationships" xmlns:p="http://schemas.openxmlformats.org/presentationml/2006/main">
-  <p:cSld>
-    <p:spTree>
-      <p:nvGrpSpPr>
-        <p:cNvPr id="1" name="">
-          <a:extLst>
-            <a:ext uri="{FF2B5EF4-FFF2-40B4-BE49-F238E27FC236}">
-              <a16:creationId xmlns:a16="http://schemas.microsoft.com/office/drawing/2014/main" id="{0E873933-189C-6213-2917-2267BFCE693A}"/>
-            </a:ext>
-          </a:extLst>
-        </p:cNvPr>
-        <p:cNvGrpSpPr/>
-        <p:nvPr/>
-      </p:nvGrpSpPr>
-      <p:grpSpPr>
-        <a:xfrm>
-          <a:off x="0" y="0"/>
-          <a:ext cx="0" cy="0"/>
-          <a:chOff x="0" y="0"/>
-          <a:chExt cx="0" cy="0"/>
-        </a:xfrm>
-      </p:grpSpPr>
-      <p:sp>
-        <p:nvSpPr>
-          <p:cNvPr id="2" name="Title 1">
-            <a:extLst>
-              <a:ext uri="{FF2B5EF4-FFF2-40B4-BE49-F238E27FC236}">
-                <a16:creationId xmlns:a16="http://schemas.microsoft.com/office/drawing/2014/main" id="{4946A7E0-5076-86F7-7F80-575580D079CA}"/>
-              </a:ext>
-            </a:extLst>
-          </p:cNvPr>
-          <p:cNvSpPr>
-            <a:spLocks noGrp="1"/>
-          </p:cNvSpPr>
-          <p:nvPr>
-            <p:ph type="title"/>
-          </p:nvPr>
-        </p:nvSpPr>
-        <p:spPr/>
-        <p:txBody>
-          <a:bodyPr/>
-          <a:lstStyle/>
-          <a:p>
-            <a:r>
-              <a:rPr lang="en-US" dirty="0"/>
-              <a:t>What we are Using</a:t>
-            </a:r>
-          </a:p>
-        </p:txBody>
-      </p:sp>
-      <p:sp>
-        <p:nvSpPr>
-          <p:cNvPr id="5" name="Content Placeholder 4">
-            <a:extLst>
-              <a:ext uri="{FF2B5EF4-FFF2-40B4-BE49-F238E27FC236}">
-                <a16:creationId xmlns:a16="http://schemas.microsoft.com/office/drawing/2014/main" id="{6E396ADE-B33C-5433-D37F-570D641CA8DA}"/>
-              </a:ext>
-            </a:extLst>
-          </p:cNvPr>
-          <p:cNvSpPr>
-            <a:spLocks noGrp="1"/>
-          </p:cNvSpPr>
-          <p:nvPr>
-            <p:ph sz="quarter" idx="17"/>
-          </p:nvPr>
-        </p:nvSpPr>
-        <p:spPr/>
-        <p:txBody>
-          <a:bodyPr/>
-          <a:lstStyle/>
-          <a:p>
-            <a:pPr marL="342900" indent="-342900">
-              <a:buFont typeface="Arial" panose="020B0604020202020204" pitchFamily="34" charset="0"/>
-              <a:buChar char="•"/>
-            </a:pPr>
-            <a:r>
-              <a:rPr lang="en-US" sz="2400" dirty="0"/>
-              <a:t>HTML/PHP for frontend.</a:t>
-            </a:r>
-          </a:p>
-          <a:p>
-            <a:pPr marL="342900" indent="-342900">
-              <a:buFont typeface="Arial" panose="020B0604020202020204" pitchFamily="34" charset="0"/>
-              <a:buChar char="•"/>
-            </a:pPr>
-            <a:endParaRPr lang="en-US" sz="2400" dirty="0"/>
-          </a:p>
-          <a:p>
-            <a:pPr marL="342900" indent="-342900">
-              <a:buFont typeface="Arial" panose="020B0604020202020204" pitchFamily="34" charset="0"/>
-              <a:buChar char="•"/>
-            </a:pPr>
-            <a:r>
-              <a:rPr lang="en-US" sz="2400" dirty="0"/>
-              <a:t>PHP for backend.</a:t>
-            </a:r>
-          </a:p>
-          <a:p>
-            <a:pPr marL="342900" indent="-342900">
-              <a:buFont typeface="Arial" panose="020B0604020202020204" pitchFamily="34" charset="0"/>
-              <a:buChar char="•"/>
-            </a:pPr>
-            <a:endParaRPr lang="en-US" sz="2400" dirty="0"/>
-          </a:p>
-          <a:p>
-            <a:pPr marL="342900" indent="-342900">
-              <a:buFont typeface="Arial" panose="020B0604020202020204" pitchFamily="34" charset="0"/>
-              <a:buChar char="•"/>
-            </a:pPr>
-            <a:r>
-              <a:rPr lang="en-US" sz="2400" dirty="0" err="1"/>
-              <a:t>phpmyadmin</a:t>
-            </a:r>
-            <a:r>
-              <a:rPr lang="en-US" sz="2400" dirty="0"/>
-              <a:t> for organizing and managing the database.</a:t>
-            </a:r>
-          </a:p>
-          <a:p>
-            <a:pPr marL="342900" indent="-342900">
-              <a:buFont typeface="Arial" panose="020B0604020202020204" pitchFamily="34" charset="0"/>
-              <a:buChar char="•"/>
-            </a:pPr>
-            <a:endParaRPr lang="en-US" sz="2400" dirty="0"/>
-          </a:p>
-          <a:p>
-            <a:pPr marL="342900" indent="-342900">
-              <a:buFont typeface="Arial" panose="020B0604020202020204" pitchFamily="34" charset="0"/>
-              <a:buChar char="•"/>
-            </a:pPr>
-            <a:r>
-              <a:rPr lang="en-US" sz="2400" dirty="0"/>
-              <a:t>XAMPP for local testing.</a:t>
-            </a:r>
-          </a:p>
-        </p:txBody>
-      </p:sp>
-      <p:sp>
-        <p:nvSpPr>
-          <p:cNvPr id="4" name="Slide Number Placeholder 3">
-            <a:extLst>
-              <a:ext uri="{FF2B5EF4-FFF2-40B4-BE49-F238E27FC236}">
-                <a16:creationId xmlns:a16="http://schemas.microsoft.com/office/drawing/2014/main" id="{11B38EAE-DC76-31B4-053E-132ABBEF0B36}"/>
-              </a:ext>
-            </a:extLst>
-          </p:cNvPr>
-          <p:cNvSpPr>
-            <a:spLocks noGrp="1"/>
-          </p:cNvSpPr>
-          <p:nvPr>
-            <p:ph type="sldNum" sz="quarter" idx="12"/>
-          </p:nvPr>
-        </p:nvSpPr>
-        <p:spPr/>
-        <p:txBody>
-          <a:bodyPr/>
-          <a:lstStyle/>
-          <a:p>
-            <a:fld id="{C01389E6-C847-4AD0-B56D-D205B2EAB1EE}" type="slidenum">
-              <a:rPr lang="en-US" smtClean="0"/>
-              <a:pPr/>
-              <a:t>4</a:t>
-            </a:fld>
-            <a:endParaRPr lang="en-US" dirty="0"/>
-          </a:p>
-        </p:txBody>
-      </p:sp>
-    </p:spTree>
-    <p:extLst>
-      <p:ext uri="{BB962C8B-B14F-4D97-AF65-F5344CB8AC3E}">
-        <p14:creationId xmlns:p14="http://schemas.microsoft.com/office/powerpoint/2010/main" val="1225714513"/>
-      </p:ext>
-    </p:extLst>
-  </p:cSld>
-  <p:clrMapOvr>
-    <a:masterClrMapping/>
-  </p:clrMapOvr>
-</p:sld>
-</file>
-
-<file path=ppt/slides/slide5.xml><?xml version="1.0" encoding="utf-8"?>
-<p:sld xmlns:a="http://schemas.openxmlformats.org/drawingml/2006/main" xmlns:r="http://schemas.openxmlformats.org/officeDocument/2006/relationships" xmlns:p="http://schemas.openxmlformats.org/presentationml/2006/main">
-  <p:cSld>
-    <p:spTree>
-      <p:nvGrpSpPr>
-        <p:cNvPr id="1" name="">
-          <a:extLst>
-            <a:ext uri="{FF2B5EF4-FFF2-40B4-BE49-F238E27FC236}">
-              <a16:creationId xmlns:a16="http://schemas.microsoft.com/office/drawing/2014/main" id="{68DE51DF-2955-FC95-AF5A-1C08E9533E6D}"/>
-            </a:ext>
-          </a:extLst>
-        </p:cNvPr>
-        <p:cNvGrpSpPr/>
-        <p:nvPr/>
-      </p:nvGrpSpPr>
-      <p:grpSpPr>
-        <a:xfrm>
-          <a:off x="0" y="0"/>
-          <a:ext cx="0" cy="0"/>
-          <a:chOff x="0" y="0"/>
-          <a:chExt cx="0" cy="0"/>
-        </a:xfrm>
-      </p:grpSpPr>
-      <p:sp>
-        <p:nvSpPr>
-          <p:cNvPr id="2" name="Title 1">
-            <a:extLst>
-              <a:ext uri="{FF2B5EF4-FFF2-40B4-BE49-F238E27FC236}">
-                <a16:creationId xmlns:a16="http://schemas.microsoft.com/office/drawing/2014/main" id="{EF8D8013-2487-EBF4-E918-74E290A7CE05}"/>
-              </a:ext>
-            </a:extLst>
-          </p:cNvPr>
-          <p:cNvSpPr>
-            <a:spLocks noGrp="1"/>
-          </p:cNvSpPr>
-          <p:nvPr>
-            <p:ph type="title"/>
-          </p:nvPr>
-        </p:nvSpPr>
-        <p:spPr/>
-        <p:txBody>
-          <a:bodyPr/>
-          <a:lstStyle/>
-          <a:p>
-            <a:r>
-              <a:rPr lang="en-US" dirty="0"/>
-              <a:t>What we have Built</a:t>
-            </a:r>
-          </a:p>
-        </p:txBody>
-      </p:sp>
-      <p:sp>
-        <p:nvSpPr>
-          <p:cNvPr id="5" name="Content Placeholder 4">
-            <a:extLst>
-              <a:ext uri="{FF2B5EF4-FFF2-40B4-BE49-F238E27FC236}">
-                <a16:creationId xmlns:a16="http://schemas.microsoft.com/office/drawing/2014/main" id="{F4C745E6-4539-0C52-7C42-2E2793749305}"/>
-              </a:ext>
-            </a:extLst>
-          </p:cNvPr>
-          <p:cNvSpPr>
-            <a:spLocks noGrp="1"/>
-          </p:cNvSpPr>
-          <p:nvPr>
-            <p:ph sz="quarter" idx="17"/>
-          </p:nvPr>
-        </p:nvSpPr>
-        <p:spPr/>
-        <p:txBody>
-          <a:bodyPr/>
-          <a:lstStyle/>
-          <a:p>
-            <a:pPr marL="342900" indent="-342900">
-              <a:buFont typeface="Arial" panose="020B0604020202020204" pitchFamily="34" charset="0"/>
-              <a:buChar char="•"/>
-            </a:pPr>
-            <a:r>
-              <a:rPr lang="en-US" sz="2400" dirty="0"/>
-              <a:t>User login/logout system</a:t>
-            </a:r>
-          </a:p>
-          <a:p>
-            <a:pPr marL="342900" indent="-342900">
-              <a:buFont typeface="Arial" panose="020B0604020202020204" pitchFamily="34" charset="0"/>
-              <a:buChar char="•"/>
-            </a:pPr>
-            <a:endParaRPr lang="en-US" sz="2400" dirty="0"/>
-          </a:p>
-          <a:p>
-            <a:pPr marL="342900" indent="-342900">
-              <a:buFont typeface="Arial" panose="020B0604020202020204" pitchFamily="34" charset="0"/>
-              <a:buChar char="•"/>
-            </a:pPr>
-            <a:r>
-              <a:rPr lang="en-US" sz="2400" dirty="0"/>
-              <a:t>Group login/logout system</a:t>
-            </a:r>
-          </a:p>
-          <a:p>
-            <a:pPr marL="342900" indent="-342900">
-              <a:buFont typeface="Arial" panose="020B0604020202020204" pitchFamily="34" charset="0"/>
-              <a:buChar char="•"/>
-            </a:pPr>
-            <a:endParaRPr lang="en-US" sz="2400" dirty="0"/>
-          </a:p>
-          <a:p>
-            <a:pPr marL="342900" indent="-342900">
-              <a:buFont typeface="Arial" panose="020B0604020202020204" pitchFamily="34" charset="0"/>
-              <a:buChar char="•"/>
-            </a:pPr>
-            <a:r>
-              <a:rPr lang="en-US" sz="2400" dirty="0"/>
-              <a:t>Cart and Offer system</a:t>
-            </a:r>
-          </a:p>
-          <a:p>
-            <a:pPr marL="342900" indent="-342900">
-              <a:buFont typeface="Arial" panose="020B0604020202020204" pitchFamily="34" charset="0"/>
-              <a:buChar char="•"/>
-            </a:pPr>
-            <a:endParaRPr lang="en-US" sz="2400" dirty="0"/>
-          </a:p>
-          <a:p>
-            <a:pPr marL="342900" indent="-342900">
-              <a:buFont typeface="Arial" panose="020B0604020202020204" pitchFamily="34" charset="0"/>
-              <a:buChar char="•"/>
-            </a:pPr>
-            <a:r>
-              <a:rPr lang="en-US" sz="2400" dirty="0"/>
-              <a:t>Message and Barter system</a:t>
-            </a:r>
-          </a:p>
-          <a:p>
-            <a:pPr marL="342900" indent="-342900">
-              <a:buFont typeface="Arial" panose="020B0604020202020204" pitchFamily="34" charset="0"/>
-              <a:buChar char="•"/>
-            </a:pPr>
-            <a:endParaRPr lang="en-US" sz="2400" dirty="0"/>
-          </a:p>
-          <a:p>
-            <a:pPr marL="342900" indent="-342900">
-              <a:buFont typeface="Arial" panose="020B0604020202020204" pitchFamily="34" charset="0"/>
-              <a:buChar char="•"/>
-            </a:pPr>
-            <a:r>
-              <a:rPr lang="en-US" sz="2400" dirty="0"/>
-              <a:t>Shared inventory between group members</a:t>
-            </a:r>
-          </a:p>
-        </p:txBody>
-      </p:sp>
-      <p:sp>
-        <p:nvSpPr>
-          <p:cNvPr id="4" name="Slide Number Placeholder 3">
-            <a:extLst>
-              <a:ext uri="{FF2B5EF4-FFF2-40B4-BE49-F238E27FC236}">
-                <a16:creationId xmlns:a16="http://schemas.microsoft.com/office/drawing/2014/main" id="{2FC774DF-48D9-BD36-4C0A-93706A0304B7}"/>
-              </a:ext>
-            </a:extLst>
-          </p:cNvPr>
-          <p:cNvSpPr>
-            <a:spLocks noGrp="1"/>
-          </p:cNvSpPr>
-          <p:nvPr>
-            <p:ph type="sldNum" sz="quarter" idx="12"/>
-          </p:nvPr>
-        </p:nvSpPr>
-        <p:spPr/>
-        <p:txBody>
-          <a:bodyPr/>
-          <a:lstStyle/>
-          <a:p>
-            <a:fld id="{C01389E6-C847-4AD0-B56D-D205B2EAB1EE}" type="slidenum">
-              <a:rPr lang="en-US" smtClean="0"/>
-              <a:pPr/>
-              <a:t>5</a:t>
-            </a:fld>
-            <a:endParaRPr lang="en-US" dirty="0"/>
-          </a:p>
-        </p:txBody>
-      </p:sp>
-    </p:spTree>
-    <p:extLst>
-      <p:ext uri="{BB962C8B-B14F-4D97-AF65-F5344CB8AC3E}">
-        <p14:creationId xmlns:p14="http://schemas.microsoft.com/office/powerpoint/2010/main" val="2642184838"/>
-      </p:ext>
-    </p:extLst>
-  </p:cSld>
-  <p:clrMapOvr>
-    <a:masterClrMapping/>
-  </p:clrMapOvr>
-</p:sld>
-</file>
-
-<file path=ppt/slides/slide6.xml><?xml version="1.0" encoding="utf-8"?>
-<p:sld xmlns:a="http://schemas.openxmlformats.org/drawingml/2006/main" xmlns:r="http://schemas.openxmlformats.org/officeDocument/2006/relationships" xmlns:p="http://schemas.openxmlformats.org/presentationml/2006/main">
-  <p:cSld>
-    <p:spTree>
-      <p:nvGrpSpPr>
-        <p:cNvPr id="1" name="">
-          <a:extLst>
-            <a:ext uri="{FF2B5EF4-FFF2-40B4-BE49-F238E27FC236}">
-              <a16:creationId xmlns:a16="http://schemas.microsoft.com/office/drawing/2014/main" id="{F97E430D-E367-BCF4-F9B2-0A8F5EAFD4CB}"/>
-            </a:ext>
-          </a:extLst>
-        </p:cNvPr>
-        <p:cNvGrpSpPr/>
-        <p:nvPr/>
-      </p:nvGrpSpPr>
-      <p:grpSpPr>
-        <a:xfrm>
-          <a:off x="0" y="0"/>
-          <a:ext cx="0" cy="0"/>
-          <a:chOff x="0" y="0"/>
-          <a:chExt cx="0" cy="0"/>
-        </a:xfrm>
-      </p:grpSpPr>
-      <p:sp>
-        <p:nvSpPr>
-          <p:cNvPr id="2" name="Title 1">
-            <a:extLst>
-              <a:ext uri="{FF2B5EF4-FFF2-40B4-BE49-F238E27FC236}">
-                <a16:creationId xmlns:a16="http://schemas.microsoft.com/office/drawing/2014/main" id="{5EBE2311-3325-CBF4-5ACF-C5BD2E2F7688}"/>
-              </a:ext>
-            </a:extLst>
-          </p:cNvPr>
-          <p:cNvSpPr>
-            <a:spLocks noGrp="1"/>
-          </p:cNvSpPr>
-          <p:nvPr>
-            <p:ph type="title"/>
-          </p:nvPr>
-        </p:nvSpPr>
-        <p:spPr/>
-        <p:txBody>
-          <a:bodyPr/>
-          <a:lstStyle/>
-          <a:p>
-            <a:r>
-              <a:rPr lang="en-US" dirty="0"/>
-              <a:t>What IS TO COME</a:t>
-            </a:r>
-          </a:p>
-        </p:txBody>
-      </p:sp>
-      <p:sp>
-        <p:nvSpPr>
-          <p:cNvPr id="5" name="Content Placeholder 4">
-            <a:extLst>
-              <a:ext uri="{FF2B5EF4-FFF2-40B4-BE49-F238E27FC236}">
-                <a16:creationId xmlns:a16="http://schemas.microsoft.com/office/drawing/2014/main" id="{AA9FBF88-749E-2130-9071-9FED806754CB}"/>
-              </a:ext>
-            </a:extLst>
-          </p:cNvPr>
-          <p:cNvSpPr>
-            <a:spLocks noGrp="1"/>
-          </p:cNvSpPr>
-          <p:nvPr>
-            <p:ph sz="quarter" idx="17"/>
-          </p:nvPr>
-        </p:nvSpPr>
-        <p:spPr/>
-        <p:txBody>
-          <a:bodyPr/>
-          <a:lstStyle/>
-          <a:p>
-            <a:pPr marL="342900" indent="-342900">
-              <a:buFont typeface="Arial" panose="020B0604020202020204" pitchFamily="34" charset="0"/>
-              <a:buChar char="•"/>
-            </a:pPr>
-            <a:r>
-              <a:rPr lang="en-US" sz="2400" dirty="0"/>
-              <a:t>Frontend development and polishing</a:t>
-            </a:r>
-          </a:p>
-          <a:p>
-            <a:pPr marL="342900" indent="-342900">
-              <a:buFont typeface="Arial" panose="020B0604020202020204" pitchFamily="34" charset="0"/>
-              <a:buChar char="•"/>
-            </a:pPr>
-            <a:endParaRPr lang="en-US" sz="2400" dirty="0"/>
-          </a:p>
-          <a:p>
-            <a:pPr marL="342900" indent="-342900">
-              <a:buFont typeface="Arial" panose="020B0604020202020204" pitchFamily="34" charset="0"/>
-              <a:buChar char="•"/>
-            </a:pPr>
-            <a:r>
-              <a:rPr lang="en-US" sz="2400" dirty="0"/>
-              <a:t>Improvements to user and group security; product vetting</a:t>
-            </a:r>
-          </a:p>
-          <a:p>
-            <a:endParaRPr lang="en-US" sz="2400" dirty="0"/>
-          </a:p>
-          <a:p>
-            <a:pPr marL="342900" indent="-342900">
-              <a:buFont typeface="Arial" panose="020B0604020202020204" pitchFamily="34" charset="0"/>
-              <a:buChar char="•"/>
-            </a:pPr>
-            <a:r>
-              <a:rPr lang="en-US" sz="2400" dirty="0"/>
-              <a:t>Finalize bartering process</a:t>
-            </a:r>
-          </a:p>
-          <a:p>
-            <a:pPr marL="342900" indent="-342900">
-              <a:buFont typeface="Arial" panose="020B0604020202020204" pitchFamily="34" charset="0"/>
-              <a:buChar char="•"/>
-            </a:pPr>
-            <a:endParaRPr lang="en-US" sz="2400" dirty="0"/>
-          </a:p>
-          <a:p>
-            <a:pPr marL="342900" indent="-342900">
-              <a:buFont typeface="Arial" panose="020B0604020202020204" pitchFamily="34" charset="0"/>
-              <a:buChar char="•"/>
-            </a:pPr>
-            <a:r>
-              <a:rPr lang="en-US" sz="2400" dirty="0"/>
-              <a:t>Assembling the admin panel from constructed components</a:t>
-            </a:r>
-          </a:p>
-          <a:p>
-            <a:pPr marL="342900" indent="-342900">
-              <a:buFont typeface="Arial" panose="020B0604020202020204" pitchFamily="34" charset="0"/>
-              <a:buChar char="•"/>
-            </a:pPr>
-            <a:endParaRPr lang="en-US" sz="2400" dirty="0"/>
-          </a:p>
-        </p:txBody>
-      </p:sp>
-      <p:sp>
-        <p:nvSpPr>
-          <p:cNvPr id="4" name="Slide Number Placeholder 3">
-            <a:extLst>
-              <a:ext uri="{FF2B5EF4-FFF2-40B4-BE49-F238E27FC236}">
-                <a16:creationId xmlns:a16="http://schemas.microsoft.com/office/drawing/2014/main" id="{8F92018D-07AC-5D0F-2994-E1C874B7ADC1}"/>
-              </a:ext>
-            </a:extLst>
-          </p:cNvPr>
-          <p:cNvSpPr>
-            <a:spLocks noGrp="1"/>
-          </p:cNvSpPr>
-          <p:nvPr>
-            <p:ph type="sldNum" sz="quarter" idx="12"/>
-          </p:nvPr>
-        </p:nvSpPr>
-        <p:spPr/>
-        <p:txBody>
-          <a:bodyPr/>
-          <a:lstStyle/>
-          <a:p>
-            <a:fld id="{C01389E6-C847-4AD0-B56D-D205B2EAB1EE}" type="slidenum">
-              <a:rPr lang="en-US" smtClean="0"/>
-              <a:pPr/>
-              <a:t>6</a:t>
-            </a:fld>
-            <a:endParaRPr lang="en-US" dirty="0"/>
-          </a:p>
-        </p:txBody>
-      </p:sp>
-    </p:spTree>
-    <p:extLst>
-      <p:ext uri="{BB962C8B-B14F-4D97-AF65-F5344CB8AC3E}">
-        <p14:creationId xmlns:p14="http://schemas.microsoft.com/office/powerpoint/2010/main" val="3406341205"/>
-      </p:ext>
-    </p:extLst>
-  </p:cSld>
-  <p:clrMapOvr>
-    <a:masterClrMapping/>
-  </p:clrMapOvr>
-</p:sld>
-</file>
-
-<file path=ppt/slides/slide7.xml><?xml version="1.0" encoding="utf-8"?>
+<file path=ppt/slides/slide11.xml><?xml version="1.0" encoding="utf-8"?>
 <p:sld xmlns:a="http://schemas.openxmlformats.org/drawingml/2006/main" xmlns:r="http://schemas.openxmlformats.org/officeDocument/2006/relationships" xmlns:p="http://schemas.openxmlformats.org/presentationml/2006/main">
   <p:cSld>
     <p:spTree>
@@ -6608,7 +6006,7 @@
             <a:fld id="{C01389E6-C847-4AD0-B56D-D205B2EAB1EE}" type="slidenum">
               <a:rPr lang="en-US" smtClean="0"/>
               <a:pPr/>
-              <a:t>7</a:t>
+              <a:t>11</a:t>
             </a:fld>
             <a:endParaRPr lang="en-US" dirty="0"/>
           </a:p>
@@ -6842,6 +6240,2472 @@
     <p:extLst>
       <p:ext uri="{BB962C8B-B14F-4D97-AF65-F5344CB8AC3E}">
         <p14:creationId xmlns:p14="http://schemas.microsoft.com/office/powerpoint/2010/main" val="3200227479"/>
+      </p:ext>
+    </p:extLst>
+  </p:cSld>
+  <p:clrMapOvr>
+    <a:masterClrMapping/>
+  </p:clrMapOvr>
+</p:sld>
+</file>
+
+<file path=ppt/slides/slide2.xml><?xml version="1.0" encoding="utf-8"?>
+<p:sld xmlns:a="http://schemas.openxmlformats.org/drawingml/2006/main" xmlns:r="http://schemas.openxmlformats.org/officeDocument/2006/relationships" xmlns:p="http://schemas.openxmlformats.org/presentationml/2006/main">
+  <p:cSld>
+    <p:spTree>
+      <p:nvGrpSpPr>
+        <p:cNvPr id="1" name="">
+          <a:extLst>
+            <a:ext uri="{FF2B5EF4-FFF2-40B4-BE49-F238E27FC236}">
+              <a16:creationId xmlns:a16="http://schemas.microsoft.com/office/drawing/2014/main" id="{C05AD88E-2148-6D22-0463-AD0721BF2CC7}"/>
+            </a:ext>
+          </a:extLst>
+        </p:cNvPr>
+        <p:cNvGrpSpPr/>
+        <p:nvPr/>
+      </p:nvGrpSpPr>
+      <p:grpSpPr>
+        <a:xfrm>
+          <a:off x="0" y="0"/>
+          <a:ext cx="0" cy="0"/>
+          <a:chOff x="0" y="0"/>
+          <a:chExt cx="0" cy="0"/>
+        </a:xfrm>
+      </p:grpSpPr>
+      <p:sp>
+        <p:nvSpPr>
+          <p:cNvPr id="2" name="Title 1">
+            <a:extLst>
+              <a:ext uri="{FF2B5EF4-FFF2-40B4-BE49-F238E27FC236}">
+                <a16:creationId xmlns:a16="http://schemas.microsoft.com/office/drawing/2014/main" id="{FACAFAE1-1E86-A168-2ADA-5EBE24B143C2}"/>
+              </a:ext>
+            </a:extLst>
+          </p:cNvPr>
+          <p:cNvSpPr>
+            <a:spLocks noGrp="1"/>
+          </p:cNvSpPr>
+          <p:nvPr>
+            <p:ph type="title"/>
+          </p:nvPr>
+        </p:nvSpPr>
+        <p:spPr>
+          <a:xfrm>
+            <a:off x="975360" y="1731702"/>
+            <a:ext cx="10241280" cy="1837408"/>
+          </a:xfrm>
+        </p:spPr>
+        <p:txBody>
+          <a:bodyPr>
+            <a:normAutofit/>
+          </a:bodyPr>
+          <a:lstStyle/>
+          <a:p>
+            <a:r>
+              <a:rPr lang="en-US" sz="4800" dirty="0"/>
+              <a:t>PROJECT UPDATE</a:t>
+            </a:r>
+          </a:p>
+        </p:txBody>
+      </p:sp>
+      <p:sp>
+        <p:nvSpPr>
+          <p:cNvPr id="3" name="TextBox 2">
+            <a:extLst>
+              <a:ext uri="{FF2B5EF4-FFF2-40B4-BE49-F238E27FC236}">
+                <a16:creationId xmlns:a16="http://schemas.microsoft.com/office/drawing/2014/main" id="{1F393740-55AE-9699-2D8C-E63F59415963}"/>
+              </a:ext>
+            </a:extLst>
+          </p:cNvPr>
+          <p:cNvSpPr txBox="1"/>
+          <p:nvPr/>
+        </p:nvSpPr>
+        <p:spPr>
+          <a:xfrm>
+            <a:off x="3475703" y="3136612"/>
+            <a:ext cx="5240594" cy="584775"/>
+          </a:xfrm>
+          <a:prstGeom prst="rect">
+            <a:avLst/>
+          </a:prstGeom>
+          <a:noFill/>
+        </p:spPr>
+        <p:txBody>
+          <a:bodyPr wrap="square" rtlCol="0">
+            <a:spAutoFit/>
+          </a:bodyPr>
+          <a:lstStyle/>
+          <a:p>
+            <a:pPr algn="ctr"/>
+            <a:r>
+              <a:rPr lang="en-US" sz="3200" dirty="0"/>
+              <a:t>Phase 2</a:t>
+            </a:r>
+          </a:p>
+        </p:txBody>
+      </p:sp>
+    </p:spTree>
+    <p:extLst>
+      <p:ext uri="{BB962C8B-B14F-4D97-AF65-F5344CB8AC3E}">
+        <p14:creationId xmlns:p14="http://schemas.microsoft.com/office/powerpoint/2010/main" val="2000612667"/>
+      </p:ext>
+    </p:extLst>
+  </p:cSld>
+  <p:clrMapOvr>
+    <a:masterClrMapping/>
+  </p:clrMapOvr>
+</p:sld>
+</file>
+
+<file path=ppt/slides/slide3.xml><?xml version="1.0" encoding="utf-8"?>
+<p:sld xmlns:a="http://schemas.openxmlformats.org/drawingml/2006/main" xmlns:r="http://schemas.openxmlformats.org/officeDocument/2006/relationships" xmlns:p="http://schemas.openxmlformats.org/presentationml/2006/main">
+  <p:cSld>
+    <p:spTree>
+      <p:nvGrpSpPr>
+        <p:cNvPr id="1" name=""/>
+        <p:cNvGrpSpPr/>
+        <p:nvPr/>
+      </p:nvGrpSpPr>
+      <p:grpSpPr>
+        <a:xfrm>
+          <a:off x="0" y="0"/>
+          <a:ext cx="0" cy="0"/>
+          <a:chOff x="0" y="0"/>
+          <a:chExt cx="0" cy="0"/>
+        </a:xfrm>
+      </p:grpSpPr>
+      <p:sp>
+        <p:nvSpPr>
+          <p:cNvPr id="2" name="Title 1">
+            <a:extLst>
+              <a:ext uri="{FF2B5EF4-FFF2-40B4-BE49-F238E27FC236}">
+                <a16:creationId xmlns:a16="http://schemas.microsoft.com/office/drawing/2014/main" id="{A5306654-0C52-B309-B287-DCD191AB24F3}"/>
+              </a:ext>
+            </a:extLst>
+          </p:cNvPr>
+          <p:cNvSpPr>
+            <a:spLocks noGrp="1"/>
+          </p:cNvSpPr>
+          <p:nvPr>
+            <p:ph type="title"/>
+          </p:nvPr>
+        </p:nvSpPr>
+        <p:spPr/>
+        <p:txBody>
+          <a:bodyPr/>
+          <a:lstStyle/>
+          <a:p>
+            <a:r>
+              <a:rPr lang="en-US" dirty="0"/>
+              <a:t>What we are building</a:t>
+            </a:r>
+          </a:p>
+        </p:txBody>
+      </p:sp>
+      <p:sp>
+        <p:nvSpPr>
+          <p:cNvPr id="5" name="Content Placeholder 4">
+            <a:extLst>
+              <a:ext uri="{FF2B5EF4-FFF2-40B4-BE49-F238E27FC236}">
+                <a16:creationId xmlns:a16="http://schemas.microsoft.com/office/drawing/2014/main" id="{CC54EF62-25FE-1502-341A-E039FF0E782F}"/>
+              </a:ext>
+            </a:extLst>
+          </p:cNvPr>
+          <p:cNvSpPr>
+            <a:spLocks noGrp="1"/>
+          </p:cNvSpPr>
+          <p:nvPr>
+            <p:ph sz="quarter" idx="17"/>
+          </p:nvPr>
+        </p:nvSpPr>
+        <p:spPr/>
+        <p:txBody>
+          <a:bodyPr/>
+          <a:lstStyle/>
+          <a:p>
+            <a:r>
+              <a:rPr lang="en-US" sz="2400" dirty="0"/>
+              <a:t>Three primary components:</a:t>
+            </a:r>
+          </a:p>
+          <a:p>
+            <a:pPr marL="342900" indent="-342900">
+              <a:buFont typeface="Arial" panose="020B0604020202020204" pitchFamily="34" charset="0"/>
+              <a:buChar char="•"/>
+            </a:pPr>
+            <a:endParaRPr lang="en-US" sz="2400" dirty="0"/>
+          </a:p>
+          <a:p>
+            <a:pPr marL="342900" indent="-342900">
+              <a:buFont typeface="Arial" panose="020B0604020202020204" pitchFamily="34" charset="0"/>
+              <a:buChar char="•"/>
+            </a:pPr>
+            <a:r>
+              <a:rPr lang="en-US" sz="2400" dirty="0"/>
+              <a:t>User/Group login and management</a:t>
+            </a:r>
+          </a:p>
+          <a:p>
+            <a:pPr marL="342900" indent="-342900">
+              <a:buFont typeface="Arial" panose="020B0604020202020204" pitchFamily="34" charset="0"/>
+              <a:buChar char="•"/>
+            </a:pPr>
+            <a:endParaRPr lang="en-US" sz="2400" dirty="0"/>
+          </a:p>
+          <a:p>
+            <a:pPr marL="342900" indent="-342900">
+              <a:buFont typeface="Arial" panose="020B0604020202020204" pitchFamily="34" charset="0"/>
+              <a:buChar char="•"/>
+            </a:pPr>
+            <a:r>
+              <a:rPr lang="en-US" sz="2400" dirty="0"/>
+              <a:t>User product database management</a:t>
+            </a:r>
+          </a:p>
+          <a:p>
+            <a:pPr marL="342900" indent="-342900">
+              <a:buFont typeface="Arial" panose="020B0604020202020204" pitchFamily="34" charset="0"/>
+              <a:buChar char="•"/>
+            </a:pPr>
+            <a:endParaRPr lang="en-US" sz="2400" dirty="0"/>
+          </a:p>
+          <a:p>
+            <a:pPr marL="342900" indent="-342900">
+              <a:buFont typeface="Arial" panose="020B0604020202020204" pitchFamily="34" charset="0"/>
+              <a:buChar char="•"/>
+            </a:pPr>
+            <a:r>
+              <a:rPr lang="en-US" sz="2400" dirty="0"/>
+              <a:t>Barter system for products already on database</a:t>
+            </a:r>
+          </a:p>
+        </p:txBody>
+      </p:sp>
+      <p:sp>
+        <p:nvSpPr>
+          <p:cNvPr id="4" name="Slide Number Placeholder 3">
+            <a:extLst>
+              <a:ext uri="{FF2B5EF4-FFF2-40B4-BE49-F238E27FC236}">
+                <a16:creationId xmlns:a16="http://schemas.microsoft.com/office/drawing/2014/main" id="{6DE0C6C8-BBF8-D6DB-5F26-A9F1C44BBDDA}"/>
+              </a:ext>
+            </a:extLst>
+          </p:cNvPr>
+          <p:cNvSpPr>
+            <a:spLocks noGrp="1"/>
+          </p:cNvSpPr>
+          <p:nvPr>
+            <p:ph type="sldNum" sz="quarter" idx="12"/>
+          </p:nvPr>
+        </p:nvSpPr>
+        <p:spPr/>
+        <p:txBody>
+          <a:bodyPr/>
+          <a:lstStyle/>
+          <a:p>
+            <a:fld id="{C01389E6-C847-4AD0-B56D-D205B2EAB1EE}" type="slidenum">
+              <a:rPr lang="en-US" smtClean="0"/>
+              <a:pPr/>
+              <a:t>3</a:t>
+            </a:fld>
+            <a:endParaRPr lang="en-US" dirty="0"/>
+          </a:p>
+        </p:txBody>
+      </p:sp>
+    </p:spTree>
+    <p:extLst>
+      <p:ext uri="{BB962C8B-B14F-4D97-AF65-F5344CB8AC3E}">
+        <p14:creationId xmlns:p14="http://schemas.microsoft.com/office/powerpoint/2010/main" val="698736108"/>
+      </p:ext>
+    </p:extLst>
+  </p:cSld>
+  <p:clrMapOvr>
+    <a:masterClrMapping/>
+  </p:clrMapOvr>
+</p:sld>
+</file>
+
+<file path=ppt/slides/slide4.xml><?xml version="1.0" encoding="utf-8"?>
+<p:sld xmlns:a="http://schemas.openxmlformats.org/drawingml/2006/main" xmlns:r="http://schemas.openxmlformats.org/officeDocument/2006/relationships" xmlns:p="http://schemas.openxmlformats.org/presentationml/2006/main">
+  <p:cSld>
+    <p:spTree>
+      <p:nvGrpSpPr>
+        <p:cNvPr id="1" name="">
+          <a:extLst>
+            <a:ext uri="{FF2B5EF4-FFF2-40B4-BE49-F238E27FC236}">
+              <a16:creationId xmlns:a16="http://schemas.microsoft.com/office/drawing/2014/main" id="{0E873933-189C-6213-2917-2267BFCE693A}"/>
+            </a:ext>
+          </a:extLst>
+        </p:cNvPr>
+        <p:cNvGrpSpPr/>
+        <p:nvPr/>
+      </p:nvGrpSpPr>
+      <p:grpSpPr>
+        <a:xfrm>
+          <a:off x="0" y="0"/>
+          <a:ext cx="0" cy="0"/>
+          <a:chOff x="0" y="0"/>
+          <a:chExt cx="0" cy="0"/>
+        </a:xfrm>
+      </p:grpSpPr>
+      <p:sp>
+        <p:nvSpPr>
+          <p:cNvPr id="2" name="Title 1">
+            <a:extLst>
+              <a:ext uri="{FF2B5EF4-FFF2-40B4-BE49-F238E27FC236}">
+                <a16:creationId xmlns:a16="http://schemas.microsoft.com/office/drawing/2014/main" id="{4946A7E0-5076-86F7-7F80-575580D079CA}"/>
+              </a:ext>
+            </a:extLst>
+          </p:cNvPr>
+          <p:cNvSpPr>
+            <a:spLocks noGrp="1"/>
+          </p:cNvSpPr>
+          <p:nvPr>
+            <p:ph type="title"/>
+          </p:nvPr>
+        </p:nvSpPr>
+        <p:spPr/>
+        <p:txBody>
+          <a:bodyPr/>
+          <a:lstStyle/>
+          <a:p>
+            <a:r>
+              <a:rPr lang="en-US" dirty="0"/>
+              <a:t>What we are Using</a:t>
+            </a:r>
+          </a:p>
+        </p:txBody>
+      </p:sp>
+      <p:sp>
+        <p:nvSpPr>
+          <p:cNvPr id="5" name="Content Placeholder 4">
+            <a:extLst>
+              <a:ext uri="{FF2B5EF4-FFF2-40B4-BE49-F238E27FC236}">
+                <a16:creationId xmlns:a16="http://schemas.microsoft.com/office/drawing/2014/main" id="{6E396ADE-B33C-5433-D37F-570D641CA8DA}"/>
+              </a:ext>
+            </a:extLst>
+          </p:cNvPr>
+          <p:cNvSpPr>
+            <a:spLocks noGrp="1"/>
+          </p:cNvSpPr>
+          <p:nvPr>
+            <p:ph sz="quarter" idx="17"/>
+          </p:nvPr>
+        </p:nvSpPr>
+        <p:spPr/>
+        <p:txBody>
+          <a:bodyPr/>
+          <a:lstStyle/>
+          <a:p>
+            <a:pPr marL="342900" indent="-342900">
+              <a:buFont typeface="Arial" panose="020B0604020202020204" pitchFamily="34" charset="0"/>
+              <a:buChar char="•"/>
+            </a:pPr>
+            <a:r>
+              <a:rPr lang="en-US" sz="2400" dirty="0"/>
+              <a:t>HTML/PHP for frontend.</a:t>
+            </a:r>
+          </a:p>
+          <a:p>
+            <a:pPr marL="342900" indent="-342900">
+              <a:buFont typeface="Arial" panose="020B0604020202020204" pitchFamily="34" charset="0"/>
+              <a:buChar char="•"/>
+            </a:pPr>
+            <a:endParaRPr lang="en-US" sz="2400" dirty="0"/>
+          </a:p>
+          <a:p>
+            <a:pPr marL="342900" indent="-342900">
+              <a:buFont typeface="Arial" panose="020B0604020202020204" pitchFamily="34" charset="0"/>
+              <a:buChar char="•"/>
+            </a:pPr>
+            <a:r>
+              <a:rPr lang="en-US" sz="2400" dirty="0"/>
+              <a:t>PHP for backend.</a:t>
+            </a:r>
+          </a:p>
+          <a:p>
+            <a:pPr marL="342900" indent="-342900">
+              <a:buFont typeface="Arial" panose="020B0604020202020204" pitchFamily="34" charset="0"/>
+              <a:buChar char="•"/>
+            </a:pPr>
+            <a:endParaRPr lang="en-US" sz="2400" dirty="0"/>
+          </a:p>
+          <a:p>
+            <a:pPr marL="342900" indent="-342900">
+              <a:buFont typeface="Arial" panose="020B0604020202020204" pitchFamily="34" charset="0"/>
+              <a:buChar char="•"/>
+            </a:pPr>
+            <a:r>
+              <a:rPr lang="en-US" sz="2400" dirty="0" err="1"/>
+              <a:t>phpmyadmin</a:t>
+            </a:r>
+            <a:r>
+              <a:rPr lang="en-US" sz="2400" dirty="0"/>
+              <a:t> for organizing and managing the database.</a:t>
+            </a:r>
+          </a:p>
+          <a:p>
+            <a:pPr marL="342900" indent="-342900">
+              <a:buFont typeface="Arial" panose="020B0604020202020204" pitchFamily="34" charset="0"/>
+              <a:buChar char="•"/>
+            </a:pPr>
+            <a:endParaRPr lang="en-US" sz="2400" dirty="0"/>
+          </a:p>
+          <a:p>
+            <a:pPr marL="342900" indent="-342900">
+              <a:buFont typeface="Arial" panose="020B0604020202020204" pitchFamily="34" charset="0"/>
+              <a:buChar char="•"/>
+            </a:pPr>
+            <a:r>
+              <a:rPr lang="en-US" sz="2400" dirty="0"/>
+              <a:t>XAMPP for local testing.</a:t>
+            </a:r>
+          </a:p>
+        </p:txBody>
+      </p:sp>
+      <p:sp>
+        <p:nvSpPr>
+          <p:cNvPr id="4" name="Slide Number Placeholder 3">
+            <a:extLst>
+              <a:ext uri="{FF2B5EF4-FFF2-40B4-BE49-F238E27FC236}">
+                <a16:creationId xmlns:a16="http://schemas.microsoft.com/office/drawing/2014/main" id="{11B38EAE-DC76-31B4-053E-132ABBEF0B36}"/>
+              </a:ext>
+            </a:extLst>
+          </p:cNvPr>
+          <p:cNvSpPr>
+            <a:spLocks noGrp="1"/>
+          </p:cNvSpPr>
+          <p:nvPr>
+            <p:ph type="sldNum" sz="quarter" idx="12"/>
+          </p:nvPr>
+        </p:nvSpPr>
+        <p:spPr/>
+        <p:txBody>
+          <a:bodyPr/>
+          <a:lstStyle/>
+          <a:p>
+            <a:fld id="{C01389E6-C847-4AD0-B56D-D205B2EAB1EE}" type="slidenum">
+              <a:rPr lang="en-US" smtClean="0"/>
+              <a:pPr/>
+              <a:t>4</a:t>
+            </a:fld>
+            <a:endParaRPr lang="en-US" dirty="0"/>
+          </a:p>
+        </p:txBody>
+      </p:sp>
+    </p:spTree>
+    <p:extLst>
+      <p:ext uri="{BB962C8B-B14F-4D97-AF65-F5344CB8AC3E}">
+        <p14:creationId xmlns:p14="http://schemas.microsoft.com/office/powerpoint/2010/main" val="1225714513"/>
+      </p:ext>
+    </p:extLst>
+  </p:cSld>
+  <p:clrMapOvr>
+    <a:masterClrMapping/>
+  </p:clrMapOvr>
+</p:sld>
+</file>
+
+<file path=ppt/slides/slide5.xml><?xml version="1.0" encoding="utf-8"?>
+<p:sld xmlns:a="http://schemas.openxmlformats.org/drawingml/2006/main" xmlns:r="http://schemas.openxmlformats.org/officeDocument/2006/relationships" xmlns:p="http://schemas.openxmlformats.org/presentationml/2006/main">
+  <p:cSld>
+    <p:spTree>
+      <p:nvGrpSpPr>
+        <p:cNvPr id="1" name="">
+          <a:extLst>
+            <a:ext uri="{FF2B5EF4-FFF2-40B4-BE49-F238E27FC236}">
+              <a16:creationId xmlns:a16="http://schemas.microsoft.com/office/drawing/2014/main" id="{68DE51DF-2955-FC95-AF5A-1C08E9533E6D}"/>
+            </a:ext>
+          </a:extLst>
+        </p:cNvPr>
+        <p:cNvGrpSpPr/>
+        <p:nvPr/>
+      </p:nvGrpSpPr>
+      <p:grpSpPr>
+        <a:xfrm>
+          <a:off x="0" y="0"/>
+          <a:ext cx="0" cy="0"/>
+          <a:chOff x="0" y="0"/>
+          <a:chExt cx="0" cy="0"/>
+        </a:xfrm>
+      </p:grpSpPr>
+      <p:sp>
+        <p:nvSpPr>
+          <p:cNvPr id="2" name="Title 1">
+            <a:extLst>
+              <a:ext uri="{FF2B5EF4-FFF2-40B4-BE49-F238E27FC236}">
+                <a16:creationId xmlns:a16="http://schemas.microsoft.com/office/drawing/2014/main" id="{EF8D8013-2487-EBF4-E918-74E290A7CE05}"/>
+              </a:ext>
+            </a:extLst>
+          </p:cNvPr>
+          <p:cNvSpPr>
+            <a:spLocks noGrp="1"/>
+          </p:cNvSpPr>
+          <p:nvPr>
+            <p:ph type="title"/>
+          </p:nvPr>
+        </p:nvSpPr>
+        <p:spPr/>
+        <p:txBody>
+          <a:bodyPr/>
+          <a:lstStyle/>
+          <a:p>
+            <a:r>
+              <a:rPr lang="en-US" dirty="0"/>
+              <a:t>What we have Built</a:t>
+            </a:r>
+          </a:p>
+        </p:txBody>
+      </p:sp>
+      <p:sp>
+        <p:nvSpPr>
+          <p:cNvPr id="5" name="Content Placeholder 4">
+            <a:extLst>
+              <a:ext uri="{FF2B5EF4-FFF2-40B4-BE49-F238E27FC236}">
+                <a16:creationId xmlns:a16="http://schemas.microsoft.com/office/drawing/2014/main" id="{F4C745E6-4539-0C52-7C42-2E2793749305}"/>
+              </a:ext>
+            </a:extLst>
+          </p:cNvPr>
+          <p:cNvSpPr>
+            <a:spLocks noGrp="1"/>
+          </p:cNvSpPr>
+          <p:nvPr>
+            <p:ph sz="quarter" idx="17"/>
+          </p:nvPr>
+        </p:nvSpPr>
+        <p:spPr/>
+        <p:txBody>
+          <a:bodyPr/>
+          <a:lstStyle/>
+          <a:p>
+            <a:pPr marL="342900" indent="-342900">
+              <a:buFont typeface="Arial" panose="020B0604020202020204" pitchFamily="34" charset="0"/>
+              <a:buChar char="•"/>
+            </a:pPr>
+            <a:r>
+              <a:rPr lang="en-US" sz="2400" dirty="0"/>
+              <a:t>User login/logout system</a:t>
+            </a:r>
+          </a:p>
+          <a:p>
+            <a:pPr marL="342900" indent="-342900">
+              <a:buFont typeface="Arial" panose="020B0604020202020204" pitchFamily="34" charset="0"/>
+              <a:buChar char="•"/>
+            </a:pPr>
+            <a:endParaRPr lang="en-US" sz="2400" dirty="0"/>
+          </a:p>
+          <a:p>
+            <a:pPr marL="342900" indent="-342900">
+              <a:buFont typeface="Arial" panose="020B0604020202020204" pitchFamily="34" charset="0"/>
+              <a:buChar char="•"/>
+            </a:pPr>
+            <a:r>
+              <a:rPr lang="en-US" sz="2400" dirty="0"/>
+              <a:t>Group login/logout system</a:t>
+            </a:r>
+          </a:p>
+          <a:p>
+            <a:pPr marL="342900" indent="-342900">
+              <a:buFont typeface="Arial" panose="020B0604020202020204" pitchFamily="34" charset="0"/>
+              <a:buChar char="•"/>
+            </a:pPr>
+            <a:endParaRPr lang="en-US" sz="2400" dirty="0"/>
+          </a:p>
+          <a:p>
+            <a:pPr marL="342900" indent="-342900">
+              <a:buFont typeface="Arial" panose="020B0604020202020204" pitchFamily="34" charset="0"/>
+              <a:buChar char="•"/>
+            </a:pPr>
+            <a:r>
+              <a:rPr lang="en-US" sz="2400" dirty="0"/>
+              <a:t>Cart and Offer system</a:t>
+            </a:r>
+          </a:p>
+          <a:p>
+            <a:pPr marL="342900" indent="-342900">
+              <a:buFont typeface="Arial" panose="020B0604020202020204" pitchFamily="34" charset="0"/>
+              <a:buChar char="•"/>
+            </a:pPr>
+            <a:endParaRPr lang="en-US" sz="2400" dirty="0"/>
+          </a:p>
+          <a:p>
+            <a:pPr marL="342900" indent="-342900">
+              <a:buFont typeface="Arial" panose="020B0604020202020204" pitchFamily="34" charset="0"/>
+              <a:buChar char="•"/>
+            </a:pPr>
+            <a:r>
+              <a:rPr lang="en-US" sz="2400" dirty="0"/>
+              <a:t>Message and Barter system</a:t>
+            </a:r>
+          </a:p>
+          <a:p>
+            <a:pPr marL="342900" indent="-342900">
+              <a:buFont typeface="Arial" panose="020B0604020202020204" pitchFamily="34" charset="0"/>
+              <a:buChar char="•"/>
+            </a:pPr>
+            <a:endParaRPr lang="en-US" sz="2400" dirty="0"/>
+          </a:p>
+          <a:p>
+            <a:pPr marL="342900" indent="-342900">
+              <a:buFont typeface="Arial" panose="020B0604020202020204" pitchFamily="34" charset="0"/>
+              <a:buChar char="•"/>
+            </a:pPr>
+            <a:r>
+              <a:rPr lang="en-US" sz="2400" dirty="0"/>
+              <a:t>Shared inventory between group members</a:t>
+            </a:r>
+          </a:p>
+        </p:txBody>
+      </p:sp>
+      <p:sp>
+        <p:nvSpPr>
+          <p:cNvPr id="4" name="Slide Number Placeholder 3">
+            <a:extLst>
+              <a:ext uri="{FF2B5EF4-FFF2-40B4-BE49-F238E27FC236}">
+                <a16:creationId xmlns:a16="http://schemas.microsoft.com/office/drawing/2014/main" id="{2FC774DF-48D9-BD36-4C0A-93706A0304B7}"/>
+              </a:ext>
+            </a:extLst>
+          </p:cNvPr>
+          <p:cNvSpPr>
+            <a:spLocks noGrp="1"/>
+          </p:cNvSpPr>
+          <p:nvPr>
+            <p:ph type="sldNum" sz="quarter" idx="12"/>
+          </p:nvPr>
+        </p:nvSpPr>
+        <p:spPr/>
+        <p:txBody>
+          <a:bodyPr/>
+          <a:lstStyle/>
+          <a:p>
+            <a:fld id="{C01389E6-C847-4AD0-B56D-D205B2EAB1EE}" type="slidenum">
+              <a:rPr lang="en-US" smtClean="0"/>
+              <a:pPr/>
+              <a:t>5</a:t>
+            </a:fld>
+            <a:endParaRPr lang="en-US" dirty="0"/>
+          </a:p>
+        </p:txBody>
+      </p:sp>
+    </p:spTree>
+    <p:extLst>
+      <p:ext uri="{BB962C8B-B14F-4D97-AF65-F5344CB8AC3E}">
+        <p14:creationId xmlns:p14="http://schemas.microsoft.com/office/powerpoint/2010/main" val="2642184838"/>
+      </p:ext>
+    </p:extLst>
+  </p:cSld>
+  <p:clrMapOvr>
+    <a:masterClrMapping/>
+  </p:clrMapOvr>
+</p:sld>
+</file>
+
+<file path=ppt/slides/slide6.xml><?xml version="1.0" encoding="utf-8"?>
+<p:sld xmlns:a="http://schemas.openxmlformats.org/drawingml/2006/main" xmlns:r="http://schemas.openxmlformats.org/officeDocument/2006/relationships" xmlns:p="http://schemas.openxmlformats.org/presentationml/2006/main">
+  <p:cSld>
+    <p:spTree>
+      <p:nvGrpSpPr>
+        <p:cNvPr id="1" name="">
+          <a:extLst>
+            <a:ext uri="{FF2B5EF4-FFF2-40B4-BE49-F238E27FC236}">
+              <a16:creationId xmlns:a16="http://schemas.microsoft.com/office/drawing/2014/main" id="{F97E430D-E367-BCF4-F9B2-0A8F5EAFD4CB}"/>
+            </a:ext>
+          </a:extLst>
+        </p:cNvPr>
+        <p:cNvGrpSpPr/>
+        <p:nvPr/>
+      </p:nvGrpSpPr>
+      <p:grpSpPr>
+        <a:xfrm>
+          <a:off x="0" y="0"/>
+          <a:ext cx="0" cy="0"/>
+          <a:chOff x="0" y="0"/>
+          <a:chExt cx="0" cy="0"/>
+        </a:xfrm>
+      </p:grpSpPr>
+      <p:sp>
+        <p:nvSpPr>
+          <p:cNvPr id="2" name="Title 1">
+            <a:extLst>
+              <a:ext uri="{FF2B5EF4-FFF2-40B4-BE49-F238E27FC236}">
+                <a16:creationId xmlns:a16="http://schemas.microsoft.com/office/drawing/2014/main" id="{5EBE2311-3325-CBF4-5ACF-C5BD2E2F7688}"/>
+              </a:ext>
+            </a:extLst>
+          </p:cNvPr>
+          <p:cNvSpPr>
+            <a:spLocks noGrp="1"/>
+          </p:cNvSpPr>
+          <p:nvPr>
+            <p:ph type="title"/>
+          </p:nvPr>
+        </p:nvSpPr>
+        <p:spPr/>
+        <p:txBody>
+          <a:bodyPr/>
+          <a:lstStyle/>
+          <a:p>
+            <a:r>
+              <a:rPr lang="en-US" dirty="0"/>
+              <a:t>What IS TO COME</a:t>
+            </a:r>
+          </a:p>
+        </p:txBody>
+      </p:sp>
+      <p:sp>
+        <p:nvSpPr>
+          <p:cNvPr id="5" name="Content Placeholder 4">
+            <a:extLst>
+              <a:ext uri="{FF2B5EF4-FFF2-40B4-BE49-F238E27FC236}">
+                <a16:creationId xmlns:a16="http://schemas.microsoft.com/office/drawing/2014/main" id="{AA9FBF88-749E-2130-9071-9FED806754CB}"/>
+              </a:ext>
+            </a:extLst>
+          </p:cNvPr>
+          <p:cNvSpPr>
+            <a:spLocks noGrp="1"/>
+          </p:cNvSpPr>
+          <p:nvPr>
+            <p:ph sz="quarter" idx="17"/>
+          </p:nvPr>
+        </p:nvSpPr>
+        <p:spPr/>
+        <p:txBody>
+          <a:bodyPr/>
+          <a:lstStyle/>
+          <a:p>
+            <a:pPr marL="342900" indent="-342900">
+              <a:buFont typeface="Arial" panose="020B0604020202020204" pitchFamily="34" charset="0"/>
+              <a:buChar char="•"/>
+            </a:pPr>
+            <a:r>
+              <a:rPr lang="en-US" sz="2400" dirty="0"/>
+              <a:t>Frontend development and polishing</a:t>
+            </a:r>
+          </a:p>
+          <a:p>
+            <a:pPr marL="342900" indent="-342900">
+              <a:buFont typeface="Arial" panose="020B0604020202020204" pitchFamily="34" charset="0"/>
+              <a:buChar char="•"/>
+            </a:pPr>
+            <a:endParaRPr lang="en-US" sz="2400" dirty="0"/>
+          </a:p>
+          <a:p>
+            <a:pPr marL="342900" indent="-342900">
+              <a:buFont typeface="Arial" panose="020B0604020202020204" pitchFamily="34" charset="0"/>
+              <a:buChar char="•"/>
+            </a:pPr>
+            <a:r>
+              <a:rPr lang="en-US" sz="2400" dirty="0"/>
+              <a:t>Improvements to user and group security; product vetting</a:t>
+            </a:r>
+          </a:p>
+          <a:p>
+            <a:endParaRPr lang="en-US" sz="2400" dirty="0"/>
+          </a:p>
+          <a:p>
+            <a:pPr marL="342900" indent="-342900">
+              <a:buFont typeface="Arial" panose="020B0604020202020204" pitchFamily="34" charset="0"/>
+              <a:buChar char="•"/>
+            </a:pPr>
+            <a:r>
+              <a:rPr lang="en-US" sz="2400" dirty="0"/>
+              <a:t>Finalize bartering process</a:t>
+            </a:r>
+          </a:p>
+          <a:p>
+            <a:pPr marL="342900" indent="-342900">
+              <a:buFont typeface="Arial" panose="020B0604020202020204" pitchFamily="34" charset="0"/>
+              <a:buChar char="•"/>
+            </a:pPr>
+            <a:endParaRPr lang="en-US" sz="2400" dirty="0"/>
+          </a:p>
+          <a:p>
+            <a:pPr marL="342900" indent="-342900">
+              <a:buFont typeface="Arial" panose="020B0604020202020204" pitchFamily="34" charset="0"/>
+              <a:buChar char="•"/>
+            </a:pPr>
+            <a:r>
+              <a:rPr lang="en-US" sz="2400" dirty="0"/>
+              <a:t>Assembling the admin panel from constructed components</a:t>
+            </a:r>
+          </a:p>
+          <a:p>
+            <a:pPr marL="342900" indent="-342900">
+              <a:buFont typeface="Arial" panose="020B0604020202020204" pitchFamily="34" charset="0"/>
+              <a:buChar char="•"/>
+            </a:pPr>
+            <a:endParaRPr lang="en-US" sz="2400" dirty="0"/>
+          </a:p>
+        </p:txBody>
+      </p:sp>
+      <p:sp>
+        <p:nvSpPr>
+          <p:cNvPr id="4" name="Slide Number Placeholder 3">
+            <a:extLst>
+              <a:ext uri="{FF2B5EF4-FFF2-40B4-BE49-F238E27FC236}">
+                <a16:creationId xmlns:a16="http://schemas.microsoft.com/office/drawing/2014/main" id="{8F92018D-07AC-5D0F-2994-E1C874B7ADC1}"/>
+              </a:ext>
+            </a:extLst>
+          </p:cNvPr>
+          <p:cNvSpPr>
+            <a:spLocks noGrp="1"/>
+          </p:cNvSpPr>
+          <p:nvPr>
+            <p:ph type="sldNum" sz="quarter" idx="12"/>
+          </p:nvPr>
+        </p:nvSpPr>
+        <p:spPr/>
+        <p:txBody>
+          <a:bodyPr/>
+          <a:lstStyle/>
+          <a:p>
+            <a:fld id="{C01389E6-C847-4AD0-B56D-D205B2EAB1EE}" type="slidenum">
+              <a:rPr lang="en-US" smtClean="0"/>
+              <a:pPr/>
+              <a:t>6</a:t>
+            </a:fld>
+            <a:endParaRPr lang="en-US" dirty="0"/>
+          </a:p>
+        </p:txBody>
+      </p:sp>
+    </p:spTree>
+    <p:extLst>
+      <p:ext uri="{BB962C8B-B14F-4D97-AF65-F5344CB8AC3E}">
+        <p14:creationId xmlns:p14="http://schemas.microsoft.com/office/powerpoint/2010/main" val="3406341205"/>
+      </p:ext>
+    </p:extLst>
+  </p:cSld>
+  <p:clrMapOvr>
+    <a:masterClrMapping/>
+  </p:clrMapOvr>
+</p:sld>
+</file>
+
+<file path=ppt/slides/slide7.xml><?xml version="1.0" encoding="utf-8"?>
+<p:sld xmlns:a="http://schemas.openxmlformats.org/drawingml/2006/main" xmlns:r="http://schemas.openxmlformats.org/officeDocument/2006/relationships" xmlns:p="http://schemas.openxmlformats.org/presentationml/2006/main">
+  <p:cSld>
+    <p:spTree>
+      <p:nvGrpSpPr>
+        <p:cNvPr id="1" name="">
+          <a:extLst>
+            <a:ext uri="{FF2B5EF4-FFF2-40B4-BE49-F238E27FC236}">
+              <a16:creationId xmlns:a16="http://schemas.microsoft.com/office/drawing/2014/main" id="{68819B82-2836-69DF-493B-83C4C6991214}"/>
+            </a:ext>
+          </a:extLst>
+        </p:cNvPr>
+        <p:cNvGrpSpPr/>
+        <p:nvPr/>
+      </p:nvGrpSpPr>
+      <p:grpSpPr>
+        <a:xfrm>
+          <a:off x="0" y="0"/>
+          <a:ext cx="0" cy="0"/>
+          <a:chOff x="0" y="0"/>
+          <a:chExt cx="0" cy="0"/>
+        </a:xfrm>
+      </p:grpSpPr>
+      <p:sp>
+        <p:nvSpPr>
+          <p:cNvPr id="2" name="Title 1">
+            <a:extLst>
+              <a:ext uri="{FF2B5EF4-FFF2-40B4-BE49-F238E27FC236}">
+                <a16:creationId xmlns:a16="http://schemas.microsoft.com/office/drawing/2014/main" id="{78F9EB2D-E483-C83A-88DA-F76AEC8CA57D}"/>
+              </a:ext>
+            </a:extLst>
+          </p:cNvPr>
+          <p:cNvSpPr>
+            <a:spLocks noGrp="1"/>
+          </p:cNvSpPr>
+          <p:nvPr>
+            <p:ph type="title"/>
+          </p:nvPr>
+        </p:nvSpPr>
+        <p:spPr/>
+        <p:txBody>
+          <a:bodyPr/>
+          <a:lstStyle/>
+          <a:p>
+            <a:r>
+              <a:rPr lang="en-US" dirty="0"/>
+              <a:t>What IS TO COME</a:t>
+            </a:r>
+          </a:p>
+        </p:txBody>
+      </p:sp>
+      <p:sp>
+        <p:nvSpPr>
+          <p:cNvPr id="5" name="Content Placeholder 4">
+            <a:extLst>
+              <a:ext uri="{FF2B5EF4-FFF2-40B4-BE49-F238E27FC236}">
+                <a16:creationId xmlns:a16="http://schemas.microsoft.com/office/drawing/2014/main" id="{E4A5E59E-B128-B9C5-81EA-9616FB9BD382}"/>
+              </a:ext>
+            </a:extLst>
+          </p:cNvPr>
+          <p:cNvSpPr>
+            <a:spLocks noGrp="1"/>
+          </p:cNvSpPr>
+          <p:nvPr>
+            <p:ph sz="quarter" idx="17"/>
+          </p:nvPr>
+        </p:nvSpPr>
+        <p:spPr/>
+        <p:txBody>
+          <a:bodyPr/>
+          <a:lstStyle/>
+          <a:p>
+            <a:pPr marL="342900" indent="-342900">
+              <a:buFont typeface="Arial" panose="020B0604020202020204" pitchFamily="34" charset="0"/>
+              <a:buChar char="•"/>
+            </a:pPr>
+            <a:r>
+              <a:rPr lang="en-US" sz="2400" dirty="0"/>
+              <a:t>Frontend development and polishing</a:t>
+            </a:r>
+          </a:p>
+          <a:p>
+            <a:pPr marL="342900" indent="-342900">
+              <a:buFont typeface="Arial" panose="020B0604020202020204" pitchFamily="34" charset="0"/>
+              <a:buChar char="•"/>
+            </a:pPr>
+            <a:endParaRPr lang="en-US" sz="2400" dirty="0"/>
+          </a:p>
+          <a:p>
+            <a:pPr marL="342900" indent="-342900">
+              <a:buFont typeface="Arial" panose="020B0604020202020204" pitchFamily="34" charset="0"/>
+              <a:buChar char="•"/>
+            </a:pPr>
+            <a:r>
+              <a:rPr lang="en-US" sz="2400" dirty="0"/>
+              <a:t>Improvements to user and group security; product vetting</a:t>
+            </a:r>
+          </a:p>
+          <a:p>
+            <a:endParaRPr lang="en-US" sz="2400" dirty="0"/>
+          </a:p>
+          <a:p>
+            <a:pPr marL="342900" indent="-342900">
+              <a:buFont typeface="Arial" panose="020B0604020202020204" pitchFamily="34" charset="0"/>
+              <a:buChar char="•"/>
+            </a:pPr>
+            <a:r>
+              <a:rPr lang="en-US" sz="2400" dirty="0"/>
+              <a:t>Finalize bartering process</a:t>
+            </a:r>
+          </a:p>
+          <a:p>
+            <a:pPr marL="342900" indent="-342900">
+              <a:buFont typeface="Arial" panose="020B0604020202020204" pitchFamily="34" charset="0"/>
+              <a:buChar char="•"/>
+            </a:pPr>
+            <a:endParaRPr lang="en-US" sz="2400" dirty="0"/>
+          </a:p>
+          <a:p>
+            <a:pPr marL="342900" indent="-342900">
+              <a:buFont typeface="Arial" panose="020B0604020202020204" pitchFamily="34" charset="0"/>
+              <a:buChar char="•"/>
+            </a:pPr>
+            <a:r>
+              <a:rPr lang="en-US" sz="2400" dirty="0"/>
+              <a:t>Assembling the admin panel from constructed components</a:t>
+            </a:r>
+          </a:p>
+          <a:p>
+            <a:pPr marL="342900" indent="-342900">
+              <a:buFont typeface="Arial" panose="020B0604020202020204" pitchFamily="34" charset="0"/>
+              <a:buChar char="•"/>
+            </a:pPr>
+            <a:endParaRPr lang="en-US" sz="2400" dirty="0"/>
+          </a:p>
+        </p:txBody>
+      </p:sp>
+      <p:sp>
+        <p:nvSpPr>
+          <p:cNvPr id="4" name="Slide Number Placeholder 3">
+            <a:extLst>
+              <a:ext uri="{FF2B5EF4-FFF2-40B4-BE49-F238E27FC236}">
+                <a16:creationId xmlns:a16="http://schemas.microsoft.com/office/drawing/2014/main" id="{2A6E6FD3-8577-473A-CC0A-DBB0A2E7090E}"/>
+              </a:ext>
+            </a:extLst>
+          </p:cNvPr>
+          <p:cNvSpPr>
+            <a:spLocks noGrp="1"/>
+          </p:cNvSpPr>
+          <p:nvPr>
+            <p:ph type="sldNum" sz="quarter" idx="12"/>
+          </p:nvPr>
+        </p:nvSpPr>
+        <p:spPr/>
+        <p:txBody>
+          <a:bodyPr/>
+          <a:lstStyle/>
+          <a:p>
+            <a:fld id="{C01389E6-C847-4AD0-B56D-D205B2EAB1EE}" type="slidenum">
+              <a:rPr lang="en-US" smtClean="0"/>
+              <a:pPr/>
+              <a:t>7</a:t>
+            </a:fld>
+            <a:endParaRPr lang="en-US" dirty="0"/>
+          </a:p>
+        </p:txBody>
+      </p:sp>
+    </p:spTree>
+    <p:extLst>
+      <p:ext uri="{BB962C8B-B14F-4D97-AF65-F5344CB8AC3E}">
+        <p14:creationId xmlns:p14="http://schemas.microsoft.com/office/powerpoint/2010/main" val="2106256548"/>
+      </p:ext>
+    </p:extLst>
+  </p:cSld>
+  <p:clrMapOvr>
+    <a:masterClrMapping/>
+  </p:clrMapOvr>
+</p:sld>
+</file>
+
+<file path=ppt/slides/slide8.xml><?xml version="1.0" encoding="utf-8"?>
+<p:sld xmlns:a="http://schemas.openxmlformats.org/drawingml/2006/main" xmlns:r="http://schemas.openxmlformats.org/officeDocument/2006/relationships" xmlns:p="http://schemas.openxmlformats.org/presentationml/2006/main">
+  <p:cSld>
+    <p:bg>
+      <p:bgPr>
+        <a:solidFill>
+          <a:schemeClr val="bg1"/>
+        </a:solidFill>
+        <a:effectLst/>
+      </p:bgPr>
+    </p:bg>
+    <p:spTree>
+      <p:nvGrpSpPr>
+        <p:cNvPr id="1" name="">
+          <a:extLst>
+            <a:ext uri="{FF2B5EF4-FFF2-40B4-BE49-F238E27FC236}">
+              <a16:creationId xmlns:a16="http://schemas.microsoft.com/office/drawing/2014/main" id="{C26535FC-1D60-2FA9-2A3E-F22E9E81E774}"/>
+            </a:ext>
+          </a:extLst>
+        </p:cNvPr>
+        <p:cNvGrpSpPr/>
+        <p:nvPr/>
+      </p:nvGrpSpPr>
+      <p:grpSpPr>
+        <a:xfrm>
+          <a:off x="0" y="0"/>
+          <a:ext cx="0" cy="0"/>
+          <a:chOff x="0" y="0"/>
+          <a:chExt cx="0" cy="0"/>
+        </a:xfrm>
+      </p:grpSpPr>
+      <p:sp>
+        <p:nvSpPr>
+          <p:cNvPr id="10" name="Rectangle 9">
+            <a:extLst>
+              <a:ext uri="{FF2B5EF4-FFF2-40B4-BE49-F238E27FC236}">
+                <a16:creationId xmlns:a16="http://schemas.microsoft.com/office/drawing/2014/main" id="{BD4C0BBB-0042-4603-A226-6117F3FD5B3C}"/>
+              </a:ext>
+              <a:ext uri="{C183D7F6-B498-43B3-948B-1728B52AA6E4}">
+                <adec:decorative xmlns:adec="http://schemas.microsoft.com/office/drawing/2017/decorative" val="1"/>
+              </a:ext>
+            </a:extLst>
+          </p:cNvPr>
+          <p:cNvSpPr>
+            <a:spLocks noGrp="1" noRot="1" noChangeAspect="1" noMove="1" noResize="1" noEditPoints="1" noAdjustHandles="1" noChangeArrowheads="1" noChangeShapeType="1" noTextEdit="1"/>
+          </p:cNvSpPr>
+          <p:nvPr>
+            <p:extLst>
+              <p:ext uri="{386F3935-93C4-4BCD-93E2-E3B085C9AB24}">
+                <p16:designElem xmlns:p16="http://schemas.microsoft.com/office/powerpoint/2015/main" val="1"/>
+              </p:ext>
+            </p:extLst>
+          </p:nvPr>
+        </p:nvSpPr>
+        <p:spPr>
+          <a:xfrm rot="10800000" flipH="1">
+            <a:off x="0" y="6400799"/>
+            <a:ext cx="12192000" cy="456773"/>
+          </a:xfrm>
+          <a:prstGeom prst="rect">
+            <a:avLst/>
+          </a:prstGeom>
+          <a:gradFill>
+            <a:gsLst>
+              <a:gs pos="14000">
+                <a:schemeClr val="accent4">
+                  <a:alpha val="28000"/>
+                </a:schemeClr>
+              </a:gs>
+              <a:gs pos="100000">
+                <a:schemeClr val="accent5">
+                  <a:alpha val="85000"/>
+                </a:schemeClr>
+              </a:gs>
+            </a:gsLst>
+            <a:lin ang="6000000" scaled="0"/>
+          </a:gradFill>
+          <a:ln>
+            <a:noFill/>
+          </a:ln>
+        </p:spPr>
+        <p:style>
+          <a:lnRef idx="2">
+            <a:schemeClr val="accent1">
+              <a:shade val="50000"/>
+            </a:schemeClr>
+          </a:lnRef>
+          <a:fillRef idx="1">
+            <a:schemeClr val="accent1"/>
+          </a:fillRef>
+          <a:effectRef idx="0">
+            <a:schemeClr val="accent1"/>
+          </a:effectRef>
+          <a:fontRef idx="minor">
+            <a:schemeClr val="lt1"/>
+          </a:fontRef>
+        </p:style>
+        <p:txBody>
+          <a:bodyPr rtlCol="0" anchor="ctr"/>
+          <a:lstStyle/>
+          <a:p>
+            <a:pPr algn="ctr"/>
+            <a:endParaRPr lang="en-US"/>
+          </a:p>
+        </p:txBody>
+      </p:sp>
+      <p:sp>
+        <p:nvSpPr>
+          <p:cNvPr id="12" name="Rectangle 11">
+            <a:extLst>
+              <a:ext uri="{FF2B5EF4-FFF2-40B4-BE49-F238E27FC236}">
+                <a16:creationId xmlns:a16="http://schemas.microsoft.com/office/drawing/2014/main" id="{EC44F520-2598-460E-9F91-B02F60830CA2}"/>
+              </a:ext>
+              <a:ext uri="{C183D7F6-B498-43B3-948B-1728B52AA6E4}">
+                <adec:decorative xmlns:adec="http://schemas.microsoft.com/office/drawing/2017/decorative" val="1"/>
+              </a:ext>
+            </a:extLst>
+          </p:cNvPr>
+          <p:cNvSpPr>
+            <a:spLocks noGrp="1" noRot="1" noChangeAspect="1" noMove="1" noResize="1" noEditPoints="1" noAdjustHandles="1" noChangeArrowheads="1" noChangeShapeType="1" noTextEdit="1"/>
+          </p:cNvSpPr>
+          <p:nvPr>
+            <p:extLst>
+              <p:ext uri="{386F3935-93C4-4BCD-93E2-E3B085C9AB24}">
+                <p16:designElem xmlns:p16="http://schemas.microsoft.com/office/powerpoint/2015/main" val="1"/>
+              </p:ext>
+            </p:extLst>
+          </p:nvPr>
+        </p:nvSpPr>
+        <p:spPr>
+          <a:xfrm flipH="1">
+            <a:off x="4038600" y="6400799"/>
+            <a:ext cx="8153398" cy="456772"/>
+          </a:xfrm>
+          <a:prstGeom prst="rect">
+            <a:avLst/>
+          </a:prstGeom>
+          <a:gradFill>
+            <a:gsLst>
+              <a:gs pos="9000">
+                <a:schemeClr val="accent2">
+                  <a:lumMod val="60000"/>
+                  <a:lumOff val="40000"/>
+                  <a:alpha val="55000"/>
+                </a:schemeClr>
+              </a:gs>
+              <a:gs pos="99000">
+                <a:schemeClr val="accent2"/>
+              </a:gs>
+            </a:gsLst>
+            <a:lin ang="14400000" scaled="0"/>
+          </a:gradFill>
+          <a:ln>
+            <a:noFill/>
+          </a:ln>
+        </p:spPr>
+        <p:style>
+          <a:lnRef idx="2">
+            <a:schemeClr val="accent1">
+              <a:shade val="50000"/>
+            </a:schemeClr>
+          </a:lnRef>
+          <a:fillRef idx="1">
+            <a:schemeClr val="accent1"/>
+          </a:fillRef>
+          <a:effectRef idx="0">
+            <a:schemeClr val="accent1"/>
+          </a:effectRef>
+          <a:fontRef idx="minor">
+            <a:schemeClr val="lt1"/>
+          </a:fontRef>
+        </p:style>
+        <p:txBody>
+          <a:bodyPr rtlCol="0" anchor="ctr"/>
+          <a:lstStyle/>
+          <a:p>
+            <a:pPr algn="ctr"/>
+            <a:endParaRPr lang="en-US"/>
+          </a:p>
+        </p:txBody>
+      </p:sp>
+      <p:sp useBgFill="1">
+        <p:nvSpPr>
+          <p:cNvPr id="14" name="Rectangle 13">
+            <a:extLst>
+              <a:ext uri="{FF2B5EF4-FFF2-40B4-BE49-F238E27FC236}">
+                <a16:creationId xmlns:a16="http://schemas.microsoft.com/office/drawing/2014/main" id="{8BEAC55E-FD3E-4A90-B4E2-D197D8038366}"/>
+              </a:ext>
+              <a:ext uri="{C183D7F6-B498-43B3-948B-1728B52AA6E4}">
+                <adec:decorative xmlns:adec="http://schemas.microsoft.com/office/drawing/2017/decorative" val="1"/>
+              </a:ext>
+            </a:extLst>
+          </p:cNvPr>
+          <p:cNvSpPr>
+            <a:spLocks noGrp="1" noRot="1" noChangeAspect="1" noMove="1" noResize="1" noEditPoints="1" noAdjustHandles="1" noChangeArrowheads="1" noChangeShapeType="1" noTextEdit="1"/>
+          </p:cNvSpPr>
+          <p:nvPr>
+            <p:extLst>
+              <p:ext uri="{386F3935-93C4-4BCD-93E2-E3B085C9AB24}">
+                <p16:designElem xmlns:p16="http://schemas.microsoft.com/office/powerpoint/2015/main" val="1"/>
+              </p:ext>
+            </p:extLst>
+          </p:nvPr>
+        </p:nvSpPr>
+        <p:spPr>
+          <a:xfrm>
+            <a:off x="0" y="0"/>
+            <a:ext cx="12192000" cy="6858000"/>
+          </a:xfrm>
+          <a:prstGeom prst="rect">
+            <a:avLst/>
+          </a:prstGeom>
+          <a:ln w="12700" cap="flat" cmpd="sng" algn="ctr">
+            <a:noFill/>
+            <a:prstDash val="solid"/>
+            <a:miter lim="800000"/>
+          </a:ln>
+          <a:effectLst/>
+          <a:extLst>
+            <a:ext uri="{91240B29-F687-4F45-9708-019B960494DF}">
+              <a14:hiddenLine xmlns:a14="http://schemas.microsoft.com/office/drawing/2010/main" w="12700" cap="flat" cmpd="sng" algn="ctr">
+                <a:solidFill>
+                  <a:schemeClr val="accent1">
+                    <a:shade val="50000"/>
+                  </a:schemeClr>
+                </a:solidFill>
+                <a:prstDash val="solid"/>
+                <a:miter lim="800000"/>
+              </a14:hiddenLine>
+            </a:ext>
+          </a:extLst>
+        </p:spPr>
+        <p:style>
+          <a:lnRef idx="2">
+            <a:schemeClr val="accent1">
+              <a:shade val="50000"/>
+            </a:schemeClr>
+          </a:lnRef>
+          <a:fillRef idx="1">
+            <a:schemeClr val="accent1"/>
+          </a:fillRef>
+          <a:effectRef idx="0">
+            <a:schemeClr val="accent1"/>
+          </a:effectRef>
+          <a:fontRef idx="minor">
+            <a:schemeClr val="lt1"/>
+          </a:fontRef>
+        </p:style>
+        <p:txBody>
+          <a:bodyPr rtlCol="0" anchor="ctr"/>
+          <a:lstStyle/>
+          <a:p>
+            <a:pPr algn="ctr"/>
+            <a:endParaRPr lang="en-US"/>
+          </a:p>
+        </p:txBody>
+      </p:sp>
+      <p:sp>
+        <p:nvSpPr>
+          <p:cNvPr id="2" name="Title 1">
+            <a:extLst>
+              <a:ext uri="{FF2B5EF4-FFF2-40B4-BE49-F238E27FC236}">
+                <a16:creationId xmlns:a16="http://schemas.microsoft.com/office/drawing/2014/main" id="{574D035A-09B2-8297-7F51-C5BF5D0B117A}"/>
+              </a:ext>
+            </a:extLst>
+          </p:cNvPr>
+          <p:cNvSpPr>
+            <a:spLocks noGrp="1"/>
+          </p:cNvSpPr>
+          <p:nvPr>
+            <p:ph type="title"/>
+          </p:nvPr>
+        </p:nvSpPr>
+        <p:spPr>
+          <a:xfrm>
+            <a:off x="1371601" y="457199"/>
+            <a:ext cx="9448800" cy="1061357"/>
+          </a:xfrm>
+        </p:spPr>
+        <p:txBody>
+          <a:bodyPr vert="horz" lIns="0" tIns="0" rIns="0" bIns="0" rtlCol="0" anchor="b">
+            <a:normAutofit/>
+          </a:bodyPr>
+          <a:lstStyle/>
+          <a:p>
+            <a:r>
+              <a:rPr lang="en-US" sz="3700"/>
+              <a:t>INDIVIDUAL CONTRIBUTIONS</a:t>
+            </a:r>
+          </a:p>
+        </p:txBody>
+      </p:sp>
+      <p:sp>
+        <p:nvSpPr>
+          <p:cNvPr id="5" name="Content Placeholder 4">
+            <a:extLst>
+              <a:ext uri="{FF2B5EF4-FFF2-40B4-BE49-F238E27FC236}">
+                <a16:creationId xmlns:a16="http://schemas.microsoft.com/office/drawing/2014/main" id="{5A1E1254-0E12-CA1A-44E2-6FC9CDE6E62B}"/>
+              </a:ext>
+            </a:extLst>
+          </p:cNvPr>
+          <p:cNvSpPr>
+            <a:spLocks noGrp="1"/>
+          </p:cNvSpPr>
+          <p:nvPr>
+            <p:ph sz="quarter" idx="17"/>
+          </p:nvPr>
+        </p:nvSpPr>
+        <p:spPr>
+          <a:xfrm>
+            <a:off x="1371600" y="2507400"/>
+            <a:ext cx="9448800" cy="3812746"/>
+          </a:xfrm>
+        </p:spPr>
+        <p:txBody>
+          <a:bodyPr vert="horz" lIns="0" tIns="0" rIns="0" bIns="0" numCol="3" rtlCol="0">
+            <a:normAutofit fontScale="47500" lnSpcReduction="20000"/>
+          </a:bodyPr>
+          <a:lstStyle/>
+          <a:p>
+            <a:pPr marL="1085850" lvl="1" indent="-228600"/>
+            <a:r>
+              <a:rPr lang="en-US" sz="3300" dirty="0">
+                <a:latin typeface="+mn-lt"/>
+              </a:rPr>
+              <a:t>User login/logout</a:t>
+            </a:r>
+          </a:p>
+          <a:p>
+            <a:pPr marL="1085850" lvl="1" indent="-228600"/>
+            <a:r>
+              <a:rPr lang="en-US" sz="3300" dirty="0">
+                <a:latin typeface="+mn-lt"/>
+              </a:rPr>
+              <a:t>Group login/logout</a:t>
+            </a:r>
+          </a:p>
+          <a:p>
+            <a:pPr marL="1085850" lvl="1" indent="-228600"/>
+            <a:r>
+              <a:rPr lang="en-US" sz="3300" dirty="0">
+                <a:latin typeface="+mn-lt"/>
+              </a:rPr>
+              <a:t>Edit Profile details</a:t>
+            </a:r>
+          </a:p>
+          <a:p>
+            <a:pPr marL="1085850" lvl="1" indent="-228600"/>
+            <a:r>
+              <a:rPr lang="en-US" sz="3300" dirty="0">
+                <a:latin typeface="+mn-lt"/>
+              </a:rPr>
+              <a:t>Database design</a:t>
+            </a:r>
+          </a:p>
+          <a:p>
+            <a:pPr marL="1085850" lvl="1" indent="-228600"/>
+            <a:r>
+              <a:rPr lang="en-US" sz="3300" dirty="0">
+                <a:latin typeface="+mn-lt"/>
+              </a:rPr>
+              <a:t>Front end layouts, buttons, tables</a:t>
+            </a:r>
+          </a:p>
+          <a:p>
+            <a:pPr marL="1085850" lvl="1" indent="-228600"/>
+            <a:r>
+              <a:rPr lang="en-US" sz="3300" dirty="0">
+                <a:latin typeface="+mn-lt"/>
+              </a:rPr>
+              <a:t>Listing a product</a:t>
+            </a:r>
+          </a:p>
+          <a:p>
+            <a:pPr marL="1085850" lvl="1" indent="-228600"/>
+            <a:r>
+              <a:rPr lang="en-US" sz="3300" dirty="0">
+                <a:latin typeface="+mn-lt"/>
+              </a:rPr>
+              <a:t>Edit/Removing products</a:t>
+            </a:r>
+          </a:p>
+          <a:p>
+            <a:pPr marL="1085850" lvl="1" indent="-228600"/>
+            <a:r>
+              <a:rPr lang="en-US" sz="3300" dirty="0">
+                <a:latin typeface="+mn-lt"/>
+              </a:rPr>
+              <a:t>Adding product to cart table</a:t>
+            </a:r>
+          </a:p>
+          <a:p>
+            <a:pPr marL="1085850" lvl="1" indent="-228600"/>
+            <a:r>
+              <a:rPr lang="en-US" sz="3300" dirty="0">
+                <a:latin typeface="+mn-lt"/>
+              </a:rPr>
+              <a:t>Altering cart details</a:t>
+            </a:r>
+          </a:p>
+          <a:p>
+            <a:pPr marL="1085850" lvl="1" indent="-228600"/>
+            <a:r>
+              <a:rPr lang="en-US" sz="3300" dirty="0">
+                <a:latin typeface="+mn-lt"/>
+              </a:rPr>
+              <a:t>Make an offer</a:t>
+            </a:r>
+          </a:p>
+          <a:p>
+            <a:pPr marL="1085850" lvl="1" indent="-228600"/>
+            <a:r>
+              <a:rPr lang="en-US" sz="3300" dirty="0">
+                <a:latin typeface="+mn-lt"/>
+              </a:rPr>
+              <a:t>Message system for barters</a:t>
+            </a:r>
+          </a:p>
+          <a:p>
+            <a:pPr marL="1085850" lvl="1" indent="-228600"/>
+            <a:r>
+              <a:rPr lang="en-US" sz="3300" dirty="0">
+                <a:latin typeface="+mn-lt"/>
+              </a:rPr>
+              <a:t>Connect other user’s products to making a barter</a:t>
+            </a:r>
+          </a:p>
+          <a:p>
+            <a:pPr marL="1085850" lvl="1" indent="-228600"/>
+            <a:r>
+              <a:rPr lang="en-US" sz="3300" dirty="0">
+                <a:latin typeface="+mn-lt"/>
+              </a:rPr>
+              <a:t>Making a counteroffer</a:t>
+            </a:r>
+          </a:p>
+          <a:p>
+            <a:pPr marL="1085850" lvl="1" indent="-228600"/>
+            <a:r>
+              <a:rPr lang="en-US" sz="3300" dirty="0">
+                <a:latin typeface="+mn-lt"/>
+              </a:rPr>
+              <a:t>Including group products during Make Barter/Counteroffer</a:t>
+            </a:r>
+          </a:p>
+          <a:p>
+            <a:pPr marL="1085850" lvl="1" indent="-228600"/>
+            <a:r>
+              <a:rPr lang="en-US" sz="3300" dirty="0">
+                <a:latin typeface="+mn-lt"/>
+              </a:rPr>
+              <a:t>Rejecting barters/counteroffers</a:t>
+            </a:r>
+          </a:p>
+          <a:p>
+            <a:pPr marL="1085850" lvl="1" indent="-228600"/>
+            <a:r>
+              <a:rPr lang="en-US" sz="3300" dirty="0">
+                <a:latin typeface="+mn-lt"/>
+              </a:rPr>
+              <a:t>Accepting barters/counteroffers for individuals</a:t>
+            </a:r>
+          </a:p>
+          <a:p>
+            <a:pPr marL="1085850" lvl="1" indent="-228600"/>
+            <a:r>
+              <a:rPr lang="en-US" sz="3300" dirty="0">
+                <a:latin typeface="+mn-lt"/>
+              </a:rPr>
+              <a:t>Accepting barter/counteroffer results in group products being traded/traded on behalf of group members</a:t>
+            </a:r>
+          </a:p>
+          <a:p>
+            <a:pPr marL="1085850" lvl="1" indent="-228600"/>
+            <a:endParaRPr lang="en-US" sz="1800" dirty="0">
+              <a:latin typeface="+mn-lt"/>
+            </a:endParaRPr>
+          </a:p>
+          <a:p>
+            <a:pPr marL="1085850" lvl="1" indent="-228600"/>
+            <a:endParaRPr lang="en-US" sz="1800" dirty="0">
+              <a:latin typeface="+mn-lt"/>
+            </a:endParaRPr>
+          </a:p>
+          <a:p>
+            <a:pPr marL="1085850" lvl="1" indent="-228600"/>
+            <a:endParaRPr lang="en-US" sz="1800" dirty="0">
+              <a:latin typeface="+mn-lt"/>
+            </a:endParaRPr>
+          </a:p>
+          <a:p>
+            <a:pPr marL="1085850" lvl="1" indent="-228600"/>
+            <a:endParaRPr lang="en-US" sz="1800" dirty="0">
+              <a:latin typeface="+mn-lt"/>
+            </a:endParaRPr>
+          </a:p>
+          <a:p>
+            <a:pPr marL="1085850" lvl="1" indent="-228600"/>
+            <a:endParaRPr lang="en-US" sz="1800" dirty="0">
+              <a:latin typeface="+mn-lt"/>
+            </a:endParaRPr>
+          </a:p>
+          <a:p>
+            <a:pPr marL="1085850" lvl="1" indent="-228600"/>
+            <a:endParaRPr lang="en-US" sz="1800" dirty="0">
+              <a:latin typeface="+mn-lt"/>
+            </a:endParaRPr>
+          </a:p>
+          <a:p>
+            <a:pPr marL="1085850" lvl="1" indent="-228600"/>
+            <a:endParaRPr lang="en-US" sz="1800" dirty="0">
+              <a:latin typeface="+mn-lt"/>
+            </a:endParaRPr>
+          </a:p>
+          <a:p>
+            <a:pPr marL="1085850" lvl="1" indent="-228600"/>
+            <a:endParaRPr lang="en-US" sz="1800" dirty="0">
+              <a:latin typeface="+mn-lt"/>
+            </a:endParaRPr>
+          </a:p>
+          <a:p>
+            <a:pPr marL="1085850" lvl="1" indent="-228600"/>
+            <a:endParaRPr lang="en-US" sz="1800" dirty="0">
+              <a:latin typeface="+mn-lt"/>
+            </a:endParaRPr>
+          </a:p>
+        </p:txBody>
+      </p:sp>
+      <p:sp>
+        <p:nvSpPr>
+          <p:cNvPr id="16" name="Rectangle 15">
+            <a:extLst>
+              <a:ext uri="{FF2B5EF4-FFF2-40B4-BE49-F238E27FC236}">
+                <a16:creationId xmlns:a16="http://schemas.microsoft.com/office/drawing/2014/main" id="{282DCAD1-D7F2-4CA8-960C-526B7DB37A82}"/>
+              </a:ext>
+              <a:ext uri="{C183D7F6-B498-43B3-948B-1728B52AA6E4}">
+                <adec:decorative xmlns:adec="http://schemas.microsoft.com/office/drawing/2017/decorative" val="1"/>
+              </a:ext>
+            </a:extLst>
+          </p:cNvPr>
+          <p:cNvSpPr>
+            <a:spLocks noGrp="1" noRot="1" noChangeAspect="1" noMove="1" noResize="1" noEditPoints="1" noAdjustHandles="1" noChangeArrowheads="1" noChangeShapeType="1" noTextEdit="1"/>
+          </p:cNvSpPr>
+          <p:nvPr>
+            <p:extLst>
+              <p:ext uri="{386F3935-93C4-4BCD-93E2-E3B085C9AB24}">
+                <p16:designElem xmlns:p16="http://schemas.microsoft.com/office/powerpoint/2015/main" val="1"/>
+              </p:ext>
+            </p:extLst>
+          </p:nvPr>
+        </p:nvSpPr>
+        <p:spPr>
+          <a:xfrm rot="10800000" flipH="1">
+            <a:off x="0" y="6408741"/>
+            <a:ext cx="12192000" cy="449256"/>
+          </a:xfrm>
+          <a:prstGeom prst="rect">
+            <a:avLst/>
+          </a:prstGeom>
+          <a:gradFill>
+            <a:gsLst>
+              <a:gs pos="14000">
+                <a:schemeClr val="accent4">
+                  <a:alpha val="28000"/>
+                </a:schemeClr>
+              </a:gs>
+              <a:gs pos="100000">
+                <a:schemeClr val="accent5">
+                  <a:alpha val="85000"/>
+                </a:schemeClr>
+              </a:gs>
+            </a:gsLst>
+            <a:lin ang="9000000" scaled="0"/>
+          </a:gradFill>
+          <a:ln>
+            <a:noFill/>
+          </a:ln>
+        </p:spPr>
+        <p:style>
+          <a:lnRef idx="2">
+            <a:schemeClr val="accent1">
+              <a:shade val="50000"/>
+            </a:schemeClr>
+          </a:lnRef>
+          <a:fillRef idx="1">
+            <a:schemeClr val="accent1"/>
+          </a:fillRef>
+          <a:effectRef idx="0">
+            <a:schemeClr val="accent1"/>
+          </a:effectRef>
+          <a:fontRef idx="minor">
+            <a:schemeClr val="lt1"/>
+          </a:fontRef>
+        </p:style>
+        <p:txBody>
+          <a:bodyPr rtlCol="0" anchor="ctr"/>
+          <a:lstStyle/>
+          <a:p>
+            <a:pPr algn="ctr"/>
+            <a:endParaRPr lang="en-US"/>
+          </a:p>
+        </p:txBody>
+      </p:sp>
+      <p:sp>
+        <p:nvSpPr>
+          <p:cNvPr id="18" name="Rectangle 17">
+            <a:extLst>
+              <a:ext uri="{FF2B5EF4-FFF2-40B4-BE49-F238E27FC236}">
+                <a16:creationId xmlns:a16="http://schemas.microsoft.com/office/drawing/2014/main" id="{0009AC7F-1347-41C8-8BEB-47473A21A696}"/>
+              </a:ext>
+              <a:ext uri="{C183D7F6-B498-43B3-948B-1728B52AA6E4}">
+                <adec:decorative xmlns:adec="http://schemas.microsoft.com/office/drawing/2017/decorative" val="1"/>
+              </a:ext>
+            </a:extLst>
+          </p:cNvPr>
+          <p:cNvSpPr>
+            <a:spLocks noGrp="1" noRot="1" noChangeAspect="1" noMove="1" noResize="1" noEditPoints="1" noAdjustHandles="1" noChangeArrowheads="1" noChangeShapeType="1" noTextEdit="1"/>
+          </p:cNvSpPr>
+          <p:nvPr>
+            <p:extLst>
+              <p:ext uri="{386F3935-93C4-4BCD-93E2-E3B085C9AB24}">
+                <p16:designElem xmlns:p16="http://schemas.microsoft.com/office/powerpoint/2015/main" val="1"/>
+              </p:ext>
+            </p:extLst>
+          </p:nvPr>
+        </p:nvSpPr>
+        <p:spPr>
+          <a:xfrm flipH="1">
+            <a:off x="4038600" y="6408316"/>
+            <a:ext cx="8153398" cy="449684"/>
+          </a:xfrm>
+          <a:prstGeom prst="rect">
+            <a:avLst/>
+          </a:prstGeom>
+          <a:gradFill>
+            <a:gsLst>
+              <a:gs pos="9000">
+                <a:schemeClr val="accent2">
+                  <a:lumMod val="60000"/>
+                  <a:lumOff val="40000"/>
+                  <a:alpha val="68000"/>
+                </a:schemeClr>
+              </a:gs>
+              <a:gs pos="99000">
+                <a:schemeClr val="accent2"/>
+              </a:gs>
+            </a:gsLst>
+            <a:lin ang="13800000" scaled="0"/>
+          </a:gradFill>
+          <a:ln>
+            <a:noFill/>
+          </a:ln>
+        </p:spPr>
+        <p:style>
+          <a:lnRef idx="2">
+            <a:schemeClr val="accent1">
+              <a:shade val="50000"/>
+            </a:schemeClr>
+          </a:lnRef>
+          <a:fillRef idx="1">
+            <a:schemeClr val="accent1"/>
+          </a:fillRef>
+          <a:effectRef idx="0">
+            <a:schemeClr val="accent1"/>
+          </a:effectRef>
+          <a:fontRef idx="minor">
+            <a:schemeClr val="lt1"/>
+          </a:fontRef>
+        </p:style>
+        <p:txBody>
+          <a:bodyPr rtlCol="0" anchor="ctr"/>
+          <a:lstStyle/>
+          <a:p>
+            <a:pPr algn="ctr"/>
+            <a:endParaRPr lang="en-US"/>
+          </a:p>
+        </p:txBody>
+      </p:sp>
+      <p:sp>
+        <p:nvSpPr>
+          <p:cNvPr id="4" name="Slide Number Placeholder 3">
+            <a:extLst>
+              <a:ext uri="{FF2B5EF4-FFF2-40B4-BE49-F238E27FC236}">
+                <a16:creationId xmlns:a16="http://schemas.microsoft.com/office/drawing/2014/main" id="{0F6AF19B-13A1-C2C4-61D2-7AF1260F05E9}"/>
+              </a:ext>
+            </a:extLst>
+          </p:cNvPr>
+          <p:cNvSpPr>
+            <a:spLocks noGrp="1"/>
+          </p:cNvSpPr>
+          <p:nvPr>
+            <p:ph type="sldNum" sz="quarter" idx="12"/>
+          </p:nvPr>
+        </p:nvSpPr>
+        <p:spPr>
+          <a:xfrm>
+            <a:off x="11669678" y="6408742"/>
+            <a:ext cx="438652" cy="448830"/>
+          </a:xfrm>
+        </p:spPr>
+        <p:txBody>
+          <a:bodyPr vert="horz" lIns="91440" tIns="45720" rIns="91440" bIns="45720" rtlCol="0" anchor="ctr">
+            <a:normAutofit/>
+          </a:bodyPr>
+          <a:lstStyle/>
+          <a:p>
+            <a:pPr>
+              <a:spcAft>
+                <a:spcPts val="600"/>
+              </a:spcAft>
+            </a:pPr>
+            <a:fld id="{C01389E6-C847-4AD0-B56D-D205B2EAB1EE}" type="slidenum">
+              <a:rPr lang="en-US" smtClean="0">
+                <a:solidFill>
+                  <a:schemeClr val="bg1"/>
+                </a:solidFill>
+              </a:rPr>
+              <a:pPr>
+                <a:spcAft>
+                  <a:spcPts val="600"/>
+                </a:spcAft>
+              </a:pPr>
+              <a:t>8</a:t>
+            </a:fld>
+            <a:endParaRPr lang="en-US">
+              <a:solidFill>
+                <a:schemeClr val="bg1"/>
+              </a:solidFill>
+            </a:endParaRPr>
+          </a:p>
+        </p:txBody>
+      </p:sp>
+      <p:sp>
+        <p:nvSpPr>
+          <p:cNvPr id="6" name="TextBox 5">
+            <a:extLst>
+              <a:ext uri="{FF2B5EF4-FFF2-40B4-BE49-F238E27FC236}">
+                <a16:creationId xmlns:a16="http://schemas.microsoft.com/office/drawing/2014/main" id="{7BA9FC6D-70C8-1B7B-77FF-C67D616B58B4}"/>
+              </a:ext>
+            </a:extLst>
+          </p:cNvPr>
+          <p:cNvSpPr txBox="1"/>
+          <p:nvPr/>
+        </p:nvSpPr>
+        <p:spPr>
+          <a:xfrm>
+            <a:off x="2005781" y="1965082"/>
+            <a:ext cx="8367252" cy="461665"/>
+          </a:xfrm>
+          <a:prstGeom prst="rect">
+            <a:avLst/>
+          </a:prstGeom>
+          <a:noFill/>
+        </p:spPr>
+        <p:txBody>
+          <a:bodyPr wrap="square" rtlCol="0">
+            <a:spAutoFit/>
+          </a:bodyPr>
+          <a:lstStyle/>
+          <a:p>
+            <a:r>
+              <a:rPr lang="en-US" sz="2400" b="1" dirty="0">
+                <a:highlight>
+                  <a:srgbClr val="00FFFF"/>
+                </a:highlight>
+              </a:rPr>
+              <a:t>Todd Carter – Backend, Frontend, Presentations, Reports</a:t>
+            </a:r>
+          </a:p>
+        </p:txBody>
+      </p:sp>
+    </p:spTree>
+    <p:extLst>
+      <p:ext uri="{BB962C8B-B14F-4D97-AF65-F5344CB8AC3E}">
+        <p14:creationId xmlns:p14="http://schemas.microsoft.com/office/powerpoint/2010/main" val="549315080"/>
+      </p:ext>
+    </p:extLst>
+  </p:cSld>
+  <p:clrMapOvr>
+    <a:masterClrMapping/>
+  </p:clrMapOvr>
+</p:sld>
+</file>
+
+<file path=ppt/slides/slide9.xml><?xml version="1.0" encoding="utf-8"?>
+<p:sld xmlns:a="http://schemas.openxmlformats.org/drawingml/2006/main" xmlns:r="http://schemas.openxmlformats.org/officeDocument/2006/relationships" xmlns:p="http://schemas.openxmlformats.org/presentationml/2006/main">
+  <p:cSld>
+    <p:bg>
+      <p:bgPr>
+        <a:solidFill>
+          <a:schemeClr val="bg1"/>
+        </a:solidFill>
+        <a:effectLst/>
+      </p:bgPr>
+    </p:bg>
+    <p:spTree>
+      <p:nvGrpSpPr>
+        <p:cNvPr id="1" name="">
+          <a:extLst>
+            <a:ext uri="{FF2B5EF4-FFF2-40B4-BE49-F238E27FC236}">
+              <a16:creationId xmlns:a16="http://schemas.microsoft.com/office/drawing/2014/main" id="{EDD33A3D-3CBC-5470-3F36-572878FAF86B}"/>
+            </a:ext>
+          </a:extLst>
+        </p:cNvPr>
+        <p:cNvGrpSpPr/>
+        <p:nvPr/>
+      </p:nvGrpSpPr>
+      <p:grpSpPr>
+        <a:xfrm>
+          <a:off x="0" y="0"/>
+          <a:ext cx="0" cy="0"/>
+          <a:chOff x="0" y="0"/>
+          <a:chExt cx="0" cy="0"/>
+        </a:xfrm>
+      </p:grpSpPr>
+      <p:sp>
+        <p:nvSpPr>
+          <p:cNvPr id="10" name="Rectangle 9">
+            <a:extLst>
+              <a:ext uri="{FF2B5EF4-FFF2-40B4-BE49-F238E27FC236}">
+                <a16:creationId xmlns:a16="http://schemas.microsoft.com/office/drawing/2014/main" id="{724069CC-8D7E-B290-A64A-56EF90BD20CE}"/>
+              </a:ext>
+              <a:ext uri="{C183D7F6-B498-43B3-948B-1728B52AA6E4}">
+                <adec:decorative xmlns:adec="http://schemas.microsoft.com/office/drawing/2017/decorative" val="1"/>
+              </a:ext>
+            </a:extLst>
+          </p:cNvPr>
+          <p:cNvSpPr>
+            <a:spLocks noGrp="1" noRot="1" noChangeAspect="1" noMove="1" noResize="1" noEditPoints="1" noAdjustHandles="1" noChangeArrowheads="1" noChangeShapeType="1" noTextEdit="1"/>
+          </p:cNvSpPr>
+          <p:nvPr>
+            <p:extLst>
+              <p:ext uri="{386F3935-93C4-4BCD-93E2-E3B085C9AB24}">
+                <p16:designElem xmlns:p16="http://schemas.microsoft.com/office/powerpoint/2015/main" val="1"/>
+              </p:ext>
+            </p:extLst>
+          </p:nvPr>
+        </p:nvSpPr>
+        <p:spPr>
+          <a:xfrm rot="10800000" flipH="1">
+            <a:off x="0" y="6400799"/>
+            <a:ext cx="12192000" cy="456773"/>
+          </a:xfrm>
+          <a:prstGeom prst="rect">
+            <a:avLst/>
+          </a:prstGeom>
+          <a:gradFill>
+            <a:gsLst>
+              <a:gs pos="14000">
+                <a:schemeClr val="accent4">
+                  <a:alpha val="28000"/>
+                </a:schemeClr>
+              </a:gs>
+              <a:gs pos="100000">
+                <a:schemeClr val="accent5">
+                  <a:alpha val="85000"/>
+                </a:schemeClr>
+              </a:gs>
+            </a:gsLst>
+            <a:lin ang="6000000" scaled="0"/>
+          </a:gradFill>
+          <a:ln>
+            <a:noFill/>
+          </a:ln>
+        </p:spPr>
+        <p:style>
+          <a:lnRef idx="2">
+            <a:schemeClr val="accent1">
+              <a:shade val="50000"/>
+            </a:schemeClr>
+          </a:lnRef>
+          <a:fillRef idx="1">
+            <a:schemeClr val="accent1"/>
+          </a:fillRef>
+          <a:effectRef idx="0">
+            <a:schemeClr val="accent1"/>
+          </a:effectRef>
+          <a:fontRef idx="minor">
+            <a:schemeClr val="lt1"/>
+          </a:fontRef>
+        </p:style>
+        <p:txBody>
+          <a:bodyPr rtlCol="0" anchor="ctr"/>
+          <a:lstStyle/>
+          <a:p>
+            <a:pPr algn="ctr"/>
+            <a:endParaRPr lang="en-US"/>
+          </a:p>
+        </p:txBody>
+      </p:sp>
+      <p:sp>
+        <p:nvSpPr>
+          <p:cNvPr id="12" name="Rectangle 11">
+            <a:extLst>
+              <a:ext uri="{FF2B5EF4-FFF2-40B4-BE49-F238E27FC236}">
+                <a16:creationId xmlns:a16="http://schemas.microsoft.com/office/drawing/2014/main" id="{0D2EE92D-F60D-DB2A-5E87-B600789963D5}"/>
+              </a:ext>
+              <a:ext uri="{C183D7F6-B498-43B3-948B-1728B52AA6E4}">
+                <adec:decorative xmlns:adec="http://schemas.microsoft.com/office/drawing/2017/decorative" val="1"/>
+              </a:ext>
+            </a:extLst>
+          </p:cNvPr>
+          <p:cNvSpPr>
+            <a:spLocks noGrp="1" noRot="1" noChangeAspect="1" noMove="1" noResize="1" noEditPoints="1" noAdjustHandles="1" noChangeArrowheads="1" noChangeShapeType="1" noTextEdit="1"/>
+          </p:cNvSpPr>
+          <p:nvPr>
+            <p:extLst>
+              <p:ext uri="{386F3935-93C4-4BCD-93E2-E3B085C9AB24}">
+                <p16:designElem xmlns:p16="http://schemas.microsoft.com/office/powerpoint/2015/main" val="1"/>
+              </p:ext>
+            </p:extLst>
+          </p:nvPr>
+        </p:nvSpPr>
+        <p:spPr>
+          <a:xfrm flipH="1">
+            <a:off x="4038600" y="6400799"/>
+            <a:ext cx="8153398" cy="456772"/>
+          </a:xfrm>
+          <a:prstGeom prst="rect">
+            <a:avLst/>
+          </a:prstGeom>
+          <a:gradFill>
+            <a:gsLst>
+              <a:gs pos="9000">
+                <a:schemeClr val="accent2">
+                  <a:lumMod val="60000"/>
+                  <a:lumOff val="40000"/>
+                  <a:alpha val="55000"/>
+                </a:schemeClr>
+              </a:gs>
+              <a:gs pos="99000">
+                <a:schemeClr val="accent2"/>
+              </a:gs>
+            </a:gsLst>
+            <a:lin ang="14400000" scaled="0"/>
+          </a:gradFill>
+          <a:ln>
+            <a:noFill/>
+          </a:ln>
+        </p:spPr>
+        <p:style>
+          <a:lnRef idx="2">
+            <a:schemeClr val="accent1">
+              <a:shade val="50000"/>
+            </a:schemeClr>
+          </a:lnRef>
+          <a:fillRef idx="1">
+            <a:schemeClr val="accent1"/>
+          </a:fillRef>
+          <a:effectRef idx="0">
+            <a:schemeClr val="accent1"/>
+          </a:effectRef>
+          <a:fontRef idx="minor">
+            <a:schemeClr val="lt1"/>
+          </a:fontRef>
+        </p:style>
+        <p:txBody>
+          <a:bodyPr rtlCol="0" anchor="ctr"/>
+          <a:lstStyle/>
+          <a:p>
+            <a:pPr algn="ctr"/>
+            <a:endParaRPr lang="en-US"/>
+          </a:p>
+        </p:txBody>
+      </p:sp>
+      <p:sp useBgFill="1">
+        <p:nvSpPr>
+          <p:cNvPr id="14" name="Rectangle 13">
+            <a:extLst>
+              <a:ext uri="{FF2B5EF4-FFF2-40B4-BE49-F238E27FC236}">
+                <a16:creationId xmlns:a16="http://schemas.microsoft.com/office/drawing/2014/main" id="{00F27F1A-43B6-BB89-AEAC-65061CC861D9}"/>
+              </a:ext>
+              <a:ext uri="{C183D7F6-B498-43B3-948B-1728B52AA6E4}">
+                <adec:decorative xmlns:adec="http://schemas.microsoft.com/office/drawing/2017/decorative" val="1"/>
+              </a:ext>
+            </a:extLst>
+          </p:cNvPr>
+          <p:cNvSpPr>
+            <a:spLocks noGrp="1" noRot="1" noChangeAspect="1" noMove="1" noResize="1" noEditPoints="1" noAdjustHandles="1" noChangeArrowheads="1" noChangeShapeType="1" noTextEdit="1"/>
+          </p:cNvSpPr>
+          <p:nvPr>
+            <p:extLst>
+              <p:ext uri="{386F3935-93C4-4BCD-93E2-E3B085C9AB24}">
+                <p16:designElem xmlns:p16="http://schemas.microsoft.com/office/powerpoint/2015/main" val="1"/>
+              </p:ext>
+            </p:extLst>
+          </p:nvPr>
+        </p:nvSpPr>
+        <p:spPr>
+          <a:xfrm>
+            <a:off x="0" y="0"/>
+            <a:ext cx="12192000" cy="6858000"/>
+          </a:xfrm>
+          <a:prstGeom prst="rect">
+            <a:avLst/>
+          </a:prstGeom>
+          <a:ln w="12700" cap="flat" cmpd="sng" algn="ctr">
+            <a:noFill/>
+            <a:prstDash val="solid"/>
+            <a:miter lim="800000"/>
+          </a:ln>
+          <a:effectLst/>
+          <a:extLst>
+            <a:ext uri="{91240B29-F687-4F45-9708-019B960494DF}">
+              <a14:hiddenLine xmlns:a14="http://schemas.microsoft.com/office/drawing/2010/main" w="12700" cap="flat" cmpd="sng" algn="ctr">
+                <a:solidFill>
+                  <a:schemeClr val="accent1">
+                    <a:shade val="50000"/>
+                  </a:schemeClr>
+                </a:solidFill>
+                <a:prstDash val="solid"/>
+                <a:miter lim="800000"/>
+              </a14:hiddenLine>
+            </a:ext>
+          </a:extLst>
+        </p:spPr>
+        <p:style>
+          <a:lnRef idx="2">
+            <a:schemeClr val="accent1">
+              <a:shade val="50000"/>
+            </a:schemeClr>
+          </a:lnRef>
+          <a:fillRef idx="1">
+            <a:schemeClr val="accent1"/>
+          </a:fillRef>
+          <a:effectRef idx="0">
+            <a:schemeClr val="accent1"/>
+          </a:effectRef>
+          <a:fontRef idx="minor">
+            <a:schemeClr val="lt1"/>
+          </a:fontRef>
+        </p:style>
+        <p:txBody>
+          <a:bodyPr rtlCol="0" anchor="ctr"/>
+          <a:lstStyle/>
+          <a:p>
+            <a:pPr algn="ctr"/>
+            <a:endParaRPr lang="en-US"/>
+          </a:p>
+        </p:txBody>
+      </p:sp>
+      <p:sp>
+        <p:nvSpPr>
+          <p:cNvPr id="2" name="Title 1">
+            <a:extLst>
+              <a:ext uri="{FF2B5EF4-FFF2-40B4-BE49-F238E27FC236}">
+                <a16:creationId xmlns:a16="http://schemas.microsoft.com/office/drawing/2014/main" id="{B9835F17-5583-FE78-A95F-7DE8744DA968}"/>
+              </a:ext>
+            </a:extLst>
+          </p:cNvPr>
+          <p:cNvSpPr>
+            <a:spLocks noGrp="1"/>
+          </p:cNvSpPr>
+          <p:nvPr>
+            <p:ph type="title"/>
+          </p:nvPr>
+        </p:nvSpPr>
+        <p:spPr>
+          <a:xfrm>
+            <a:off x="1371601" y="457199"/>
+            <a:ext cx="9448800" cy="1061357"/>
+          </a:xfrm>
+        </p:spPr>
+        <p:txBody>
+          <a:bodyPr vert="horz" lIns="0" tIns="0" rIns="0" bIns="0" rtlCol="0" anchor="b">
+            <a:normAutofit/>
+          </a:bodyPr>
+          <a:lstStyle/>
+          <a:p>
+            <a:r>
+              <a:rPr lang="en-US" sz="3700"/>
+              <a:t>INDIVIDUAL CONTRIBUTIONS</a:t>
+            </a:r>
+          </a:p>
+        </p:txBody>
+      </p:sp>
+      <p:sp>
+        <p:nvSpPr>
+          <p:cNvPr id="5" name="Content Placeholder 4">
+            <a:extLst>
+              <a:ext uri="{FF2B5EF4-FFF2-40B4-BE49-F238E27FC236}">
+                <a16:creationId xmlns:a16="http://schemas.microsoft.com/office/drawing/2014/main" id="{5A71146E-D84E-34FA-B89B-C893CF80BE0C}"/>
+              </a:ext>
+            </a:extLst>
+          </p:cNvPr>
+          <p:cNvSpPr>
+            <a:spLocks noGrp="1"/>
+          </p:cNvSpPr>
+          <p:nvPr>
+            <p:ph sz="quarter" idx="17"/>
+          </p:nvPr>
+        </p:nvSpPr>
+        <p:spPr>
+          <a:xfrm>
+            <a:off x="3593690" y="2595570"/>
+            <a:ext cx="9448800" cy="3812746"/>
+          </a:xfrm>
+        </p:spPr>
+        <p:txBody>
+          <a:bodyPr vert="horz" lIns="0" tIns="0" rIns="0" bIns="0" numCol="2" rtlCol="0">
+            <a:normAutofit/>
+          </a:bodyPr>
+          <a:lstStyle/>
+          <a:p>
+            <a:pPr marL="1085850" lvl="1" indent="-228600"/>
+            <a:r>
+              <a:rPr lang="en-US" sz="2900" dirty="0">
+                <a:latin typeface="+mn-lt"/>
+              </a:rPr>
+              <a:t>Fonts</a:t>
+            </a:r>
+          </a:p>
+          <a:p>
+            <a:pPr marL="1085850" lvl="1" indent="-228600"/>
+            <a:r>
+              <a:rPr lang="en-US" sz="2900" dirty="0">
+                <a:latin typeface="+mn-lt"/>
+              </a:rPr>
+              <a:t>Color scheme</a:t>
+            </a:r>
+          </a:p>
+          <a:p>
+            <a:pPr marL="1085850" lvl="1" indent="-228600"/>
+            <a:r>
+              <a:rPr lang="en-US" sz="2900" dirty="0">
+                <a:latin typeface="+mn-lt"/>
+              </a:rPr>
+              <a:t>Formatting</a:t>
+            </a:r>
+          </a:p>
+          <a:p>
+            <a:pPr marL="1085850" lvl="1" indent="-228600"/>
+            <a:r>
+              <a:rPr lang="en-US" sz="2900">
+                <a:latin typeface="+mn-lt"/>
+              </a:rPr>
+              <a:t>Instruction </a:t>
+            </a:r>
+            <a:r>
+              <a:rPr lang="en-US" sz="2900" dirty="0">
+                <a:latin typeface="+mn-lt"/>
+              </a:rPr>
+              <a:t>text</a:t>
+            </a:r>
+          </a:p>
+          <a:p>
+            <a:pPr marL="1085850" lvl="1" indent="-228600"/>
+            <a:endParaRPr lang="en-US" sz="1800" dirty="0">
+              <a:latin typeface="+mn-lt"/>
+            </a:endParaRPr>
+          </a:p>
+          <a:p>
+            <a:pPr marL="1085850" lvl="1" indent="-228600"/>
+            <a:endParaRPr lang="en-US" sz="1800" dirty="0">
+              <a:latin typeface="+mn-lt"/>
+            </a:endParaRPr>
+          </a:p>
+          <a:p>
+            <a:pPr marL="1085850" lvl="1" indent="-228600"/>
+            <a:endParaRPr lang="en-US" sz="1800" dirty="0">
+              <a:latin typeface="+mn-lt"/>
+            </a:endParaRPr>
+          </a:p>
+          <a:p>
+            <a:pPr marL="1085850" lvl="1" indent="-228600"/>
+            <a:endParaRPr lang="en-US" sz="1800" dirty="0">
+              <a:latin typeface="+mn-lt"/>
+            </a:endParaRPr>
+          </a:p>
+          <a:p>
+            <a:pPr marL="1085850" lvl="1" indent="-228600"/>
+            <a:endParaRPr lang="en-US" sz="1800" dirty="0">
+              <a:latin typeface="+mn-lt"/>
+            </a:endParaRPr>
+          </a:p>
+          <a:p>
+            <a:pPr marL="1085850" lvl="1" indent="-228600"/>
+            <a:endParaRPr lang="en-US" sz="1800" dirty="0">
+              <a:latin typeface="+mn-lt"/>
+            </a:endParaRPr>
+          </a:p>
+          <a:p>
+            <a:pPr marL="1085850" lvl="1" indent="-228600"/>
+            <a:endParaRPr lang="en-US" sz="1800" dirty="0">
+              <a:latin typeface="+mn-lt"/>
+            </a:endParaRPr>
+          </a:p>
+          <a:p>
+            <a:pPr marL="1085850" lvl="1" indent="-228600"/>
+            <a:endParaRPr lang="en-US" sz="1800" dirty="0">
+              <a:latin typeface="+mn-lt"/>
+            </a:endParaRPr>
+          </a:p>
+          <a:p>
+            <a:pPr marL="1085850" lvl="1" indent="-228600"/>
+            <a:endParaRPr lang="en-US" sz="1800" dirty="0">
+              <a:latin typeface="+mn-lt"/>
+            </a:endParaRPr>
+          </a:p>
+        </p:txBody>
+      </p:sp>
+      <p:sp>
+        <p:nvSpPr>
+          <p:cNvPr id="16" name="Rectangle 15">
+            <a:extLst>
+              <a:ext uri="{FF2B5EF4-FFF2-40B4-BE49-F238E27FC236}">
+                <a16:creationId xmlns:a16="http://schemas.microsoft.com/office/drawing/2014/main" id="{9EAFE98A-EAC1-40DB-1350-3BDF1CB247E7}"/>
+              </a:ext>
+              <a:ext uri="{C183D7F6-B498-43B3-948B-1728B52AA6E4}">
+                <adec:decorative xmlns:adec="http://schemas.microsoft.com/office/drawing/2017/decorative" val="1"/>
+              </a:ext>
+            </a:extLst>
+          </p:cNvPr>
+          <p:cNvSpPr>
+            <a:spLocks noGrp="1" noRot="1" noChangeAspect="1" noMove="1" noResize="1" noEditPoints="1" noAdjustHandles="1" noChangeArrowheads="1" noChangeShapeType="1" noTextEdit="1"/>
+          </p:cNvSpPr>
+          <p:nvPr>
+            <p:extLst>
+              <p:ext uri="{386F3935-93C4-4BCD-93E2-E3B085C9AB24}">
+                <p16:designElem xmlns:p16="http://schemas.microsoft.com/office/powerpoint/2015/main" val="1"/>
+              </p:ext>
+            </p:extLst>
+          </p:nvPr>
+        </p:nvSpPr>
+        <p:spPr>
+          <a:xfrm rot="10800000" flipH="1">
+            <a:off x="0" y="6408741"/>
+            <a:ext cx="12192000" cy="449256"/>
+          </a:xfrm>
+          <a:prstGeom prst="rect">
+            <a:avLst/>
+          </a:prstGeom>
+          <a:gradFill>
+            <a:gsLst>
+              <a:gs pos="14000">
+                <a:schemeClr val="accent4">
+                  <a:alpha val="28000"/>
+                </a:schemeClr>
+              </a:gs>
+              <a:gs pos="100000">
+                <a:schemeClr val="accent5">
+                  <a:alpha val="85000"/>
+                </a:schemeClr>
+              </a:gs>
+            </a:gsLst>
+            <a:lin ang="9000000" scaled="0"/>
+          </a:gradFill>
+          <a:ln>
+            <a:noFill/>
+          </a:ln>
+        </p:spPr>
+        <p:style>
+          <a:lnRef idx="2">
+            <a:schemeClr val="accent1">
+              <a:shade val="50000"/>
+            </a:schemeClr>
+          </a:lnRef>
+          <a:fillRef idx="1">
+            <a:schemeClr val="accent1"/>
+          </a:fillRef>
+          <a:effectRef idx="0">
+            <a:schemeClr val="accent1"/>
+          </a:effectRef>
+          <a:fontRef idx="minor">
+            <a:schemeClr val="lt1"/>
+          </a:fontRef>
+        </p:style>
+        <p:txBody>
+          <a:bodyPr rtlCol="0" anchor="ctr"/>
+          <a:lstStyle/>
+          <a:p>
+            <a:pPr algn="ctr"/>
+            <a:endParaRPr lang="en-US"/>
+          </a:p>
+        </p:txBody>
+      </p:sp>
+      <p:sp>
+        <p:nvSpPr>
+          <p:cNvPr id="18" name="Rectangle 17">
+            <a:extLst>
+              <a:ext uri="{FF2B5EF4-FFF2-40B4-BE49-F238E27FC236}">
+                <a16:creationId xmlns:a16="http://schemas.microsoft.com/office/drawing/2014/main" id="{EF67F2A7-10B5-B450-F80C-5B247746803A}"/>
+              </a:ext>
+              <a:ext uri="{C183D7F6-B498-43B3-948B-1728B52AA6E4}">
+                <adec:decorative xmlns:adec="http://schemas.microsoft.com/office/drawing/2017/decorative" val="1"/>
+              </a:ext>
+            </a:extLst>
+          </p:cNvPr>
+          <p:cNvSpPr>
+            <a:spLocks noGrp="1" noRot="1" noChangeAspect="1" noMove="1" noResize="1" noEditPoints="1" noAdjustHandles="1" noChangeArrowheads="1" noChangeShapeType="1" noTextEdit="1"/>
+          </p:cNvSpPr>
+          <p:nvPr>
+            <p:extLst>
+              <p:ext uri="{386F3935-93C4-4BCD-93E2-E3B085C9AB24}">
+                <p16:designElem xmlns:p16="http://schemas.microsoft.com/office/powerpoint/2015/main" val="1"/>
+              </p:ext>
+            </p:extLst>
+          </p:nvPr>
+        </p:nvSpPr>
+        <p:spPr>
+          <a:xfrm flipH="1">
+            <a:off x="4038600" y="6408316"/>
+            <a:ext cx="8153398" cy="449684"/>
+          </a:xfrm>
+          <a:prstGeom prst="rect">
+            <a:avLst/>
+          </a:prstGeom>
+          <a:gradFill>
+            <a:gsLst>
+              <a:gs pos="9000">
+                <a:schemeClr val="accent2">
+                  <a:lumMod val="60000"/>
+                  <a:lumOff val="40000"/>
+                  <a:alpha val="68000"/>
+                </a:schemeClr>
+              </a:gs>
+              <a:gs pos="99000">
+                <a:schemeClr val="accent2"/>
+              </a:gs>
+            </a:gsLst>
+            <a:lin ang="13800000" scaled="0"/>
+          </a:gradFill>
+          <a:ln>
+            <a:noFill/>
+          </a:ln>
+        </p:spPr>
+        <p:style>
+          <a:lnRef idx="2">
+            <a:schemeClr val="accent1">
+              <a:shade val="50000"/>
+            </a:schemeClr>
+          </a:lnRef>
+          <a:fillRef idx="1">
+            <a:schemeClr val="accent1"/>
+          </a:fillRef>
+          <a:effectRef idx="0">
+            <a:schemeClr val="accent1"/>
+          </a:effectRef>
+          <a:fontRef idx="minor">
+            <a:schemeClr val="lt1"/>
+          </a:fontRef>
+        </p:style>
+        <p:txBody>
+          <a:bodyPr rtlCol="0" anchor="ctr"/>
+          <a:lstStyle/>
+          <a:p>
+            <a:pPr algn="ctr"/>
+            <a:endParaRPr lang="en-US"/>
+          </a:p>
+        </p:txBody>
+      </p:sp>
+      <p:sp>
+        <p:nvSpPr>
+          <p:cNvPr id="4" name="Slide Number Placeholder 3">
+            <a:extLst>
+              <a:ext uri="{FF2B5EF4-FFF2-40B4-BE49-F238E27FC236}">
+                <a16:creationId xmlns:a16="http://schemas.microsoft.com/office/drawing/2014/main" id="{F50CA677-4B98-39C7-08C6-5AE24109B738}"/>
+              </a:ext>
+            </a:extLst>
+          </p:cNvPr>
+          <p:cNvSpPr>
+            <a:spLocks noGrp="1"/>
+          </p:cNvSpPr>
+          <p:nvPr>
+            <p:ph type="sldNum" sz="quarter" idx="12"/>
+          </p:nvPr>
+        </p:nvSpPr>
+        <p:spPr>
+          <a:xfrm>
+            <a:off x="11669678" y="6408742"/>
+            <a:ext cx="438652" cy="448830"/>
+          </a:xfrm>
+        </p:spPr>
+        <p:txBody>
+          <a:bodyPr vert="horz" lIns="91440" tIns="45720" rIns="91440" bIns="45720" rtlCol="0" anchor="ctr">
+            <a:normAutofit/>
+          </a:bodyPr>
+          <a:lstStyle/>
+          <a:p>
+            <a:pPr>
+              <a:spcAft>
+                <a:spcPts val="600"/>
+              </a:spcAft>
+            </a:pPr>
+            <a:fld id="{C01389E6-C847-4AD0-B56D-D205B2EAB1EE}" type="slidenum">
+              <a:rPr lang="en-US" smtClean="0">
+                <a:solidFill>
+                  <a:schemeClr val="bg1"/>
+                </a:solidFill>
+              </a:rPr>
+              <a:pPr>
+                <a:spcAft>
+                  <a:spcPts val="600"/>
+                </a:spcAft>
+              </a:pPr>
+              <a:t>9</a:t>
+            </a:fld>
+            <a:endParaRPr lang="en-US">
+              <a:solidFill>
+                <a:schemeClr val="bg1"/>
+              </a:solidFill>
+            </a:endParaRPr>
+          </a:p>
+        </p:txBody>
+      </p:sp>
+      <p:sp>
+        <p:nvSpPr>
+          <p:cNvPr id="6" name="TextBox 5">
+            <a:extLst>
+              <a:ext uri="{FF2B5EF4-FFF2-40B4-BE49-F238E27FC236}">
+                <a16:creationId xmlns:a16="http://schemas.microsoft.com/office/drawing/2014/main" id="{7AEC86C8-BD4B-CD58-ED92-7E23A92AC334}"/>
+              </a:ext>
+            </a:extLst>
+          </p:cNvPr>
+          <p:cNvSpPr txBox="1"/>
+          <p:nvPr/>
+        </p:nvSpPr>
+        <p:spPr>
+          <a:xfrm>
+            <a:off x="3824748" y="2122398"/>
+            <a:ext cx="8367252" cy="461665"/>
+          </a:xfrm>
+          <a:prstGeom prst="rect">
+            <a:avLst/>
+          </a:prstGeom>
+          <a:noFill/>
+        </p:spPr>
+        <p:txBody>
+          <a:bodyPr wrap="square" rtlCol="0">
+            <a:spAutoFit/>
+          </a:bodyPr>
+          <a:lstStyle/>
+          <a:p>
+            <a:r>
+              <a:rPr lang="en-US" sz="2400" b="1" dirty="0">
+                <a:highlight>
+                  <a:srgbClr val="00FFFF"/>
+                </a:highlight>
+              </a:rPr>
+              <a:t>Anna Milligan – Frontend</a:t>
+            </a:r>
+          </a:p>
+        </p:txBody>
+      </p:sp>
+    </p:spTree>
+    <p:extLst>
+      <p:ext uri="{BB962C8B-B14F-4D97-AF65-F5344CB8AC3E}">
+        <p14:creationId xmlns:p14="http://schemas.microsoft.com/office/powerpoint/2010/main" val="3285879034"/>
       </p:ext>
     </p:extLst>
   </p:cSld>

--- a/CaravanSeraiCS360/Presentations/Caravanserai.pptx
+++ b/CaravanSeraiCS360/Presentations/Caravanserai.pptx
@@ -5,10 +5,10 @@
     <p:sldMasterId id="2147483728" r:id="rId4"/>
   </p:sldMasterIdLst>
   <p:notesMasterIdLst>
-    <p:notesMasterId r:id="rId16"/>
+    <p:notesMasterId r:id="rId15"/>
   </p:notesMasterIdLst>
   <p:handoutMasterIdLst>
-    <p:handoutMasterId r:id="rId17"/>
+    <p:handoutMasterId r:id="rId16"/>
   </p:handoutMasterIdLst>
   <p:sldIdLst>
     <p:sldId id="327" r:id="rId5"/>
@@ -17,11 +17,10 @@
     <p:sldId id="319" r:id="rId8"/>
     <p:sldId id="325" r:id="rId9"/>
     <p:sldId id="326" r:id="rId10"/>
-    <p:sldId id="331" r:id="rId11"/>
-    <p:sldId id="330" r:id="rId12"/>
-    <p:sldId id="332" r:id="rId13"/>
-    <p:sldId id="329" r:id="rId14"/>
-    <p:sldId id="321" r:id="rId15"/>
+    <p:sldId id="330" r:id="rId11"/>
+    <p:sldId id="332" r:id="rId12"/>
+    <p:sldId id="329" r:id="rId13"/>
+    <p:sldId id="321" r:id="rId14"/>
   </p:sldIdLst>
   <p:sldSz cx="12192000" cy="6858000"/>
   <p:notesSz cx="6858000" cy="9144000"/>
@@ -991,7 +990,7 @@
           <a:p>
             <a:fld id="{C30E6F85-6220-421D-9203-84F526C4C605}" type="slidenum">
               <a:rPr lang="en-US" smtClean="0"/>
-              <a:t>10</a:t>
+              <a:t>9</a:t>
             </a:fld>
             <a:endParaRPr lang="en-US" dirty="0"/>
           </a:p>
@@ -5819,121 +5818,6 @@
 <file path=ppt/slides/slide10.xml><?xml version="1.0" encoding="utf-8"?>
 <p:sld xmlns:a="http://schemas.openxmlformats.org/drawingml/2006/main" xmlns:r="http://schemas.openxmlformats.org/officeDocument/2006/relationships" xmlns:p="http://schemas.openxmlformats.org/presentationml/2006/main">
   <p:cSld>
-    <p:bg>
-      <p:bgPr>
-        <a:solidFill>
-          <a:schemeClr val="bg1"/>
-        </a:solidFill>
-        <a:effectLst/>
-      </p:bgPr>
-    </p:bg>
-    <p:spTree>
-      <p:nvGrpSpPr>
-        <p:cNvPr id="1" name="">
-          <a:extLst>
-            <a:ext uri="{FF2B5EF4-FFF2-40B4-BE49-F238E27FC236}">
-              <a16:creationId xmlns:a16="http://schemas.microsoft.com/office/drawing/2014/main" id="{2EDCEF70-8B58-8E5A-FAA3-86A4C5872051}"/>
-            </a:ext>
-          </a:extLst>
-        </p:cNvPr>
-        <p:cNvGrpSpPr/>
-        <p:nvPr/>
-      </p:nvGrpSpPr>
-      <p:grpSpPr>
-        <a:xfrm>
-          <a:off x="0" y="0"/>
-          <a:ext cx="0" cy="0"/>
-          <a:chOff x="0" y="0"/>
-          <a:chExt cx="0" cy="0"/>
-        </a:xfrm>
-      </p:grpSpPr>
-      <p:sp>
-        <p:nvSpPr>
-          <p:cNvPr id="2" name="Title 1">
-            <a:extLst>
-              <a:ext uri="{FF2B5EF4-FFF2-40B4-BE49-F238E27FC236}">
-                <a16:creationId xmlns:a16="http://schemas.microsoft.com/office/drawing/2014/main" id="{DBD4B669-66BA-D302-26F9-B9076E39000F}"/>
-              </a:ext>
-            </a:extLst>
-          </p:cNvPr>
-          <p:cNvSpPr>
-            <a:spLocks noGrp="1"/>
-          </p:cNvSpPr>
-          <p:nvPr>
-            <p:ph type="title"/>
-          </p:nvPr>
-        </p:nvSpPr>
-        <p:spPr>
-          <a:xfrm>
-            <a:off x="975360" y="1731702"/>
-            <a:ext cx="10241280" cy="1837408"/>
-          </a:xfrm>
-        </p:spPr>
-        <p:txBody>
-          <a:bodyPr>
-            <a:normAutofit/>
-          </a:bodyPr>
-          <a:lstStyle/>
-          <a:p>
-            <a:r>
-              <a:rPr lang="en-US" sz="4800" dirty="0"/>
-              <a:t>PRODUCT DEMO</a:t>
-            </a:r>
-          </a:p>
-        </p:txBody>
-      </p:sp>
-      <p:sp>
-        <p:nvSpPr>
-          <p:cNvPr id="3" name="TextBox 2">
-            <a:extLst>
-              <a:ext uri="{FF2B5EF4-FFF2-40B4-BE49-F238E27FC236}">
-                <a16:creationId xmlns:a16="http://schemas.microsoft.com/office/drawing/2014/main" id="{9F4DF60C-3EF3-F61E-7FBF-448A696361DD}"/>
-              </a:ext>
-            </a:extLst>
-          </p:cNvPr>
-          <p:cNvSpPr txBox="1"/>
-          <p:nvPr/>
-        </p:nvSpPr>
-        <p:spPr>
-          <a:xfrm>
-            <a:off x="1902542" y="3136612"/>
-            <a:ext cx="8386916" cy="584775"/>
-          </a:xfrm>
-          <a:prstGeom prst="rect">
-            <a:avLst/>
-          </a:prstGeom>
-          <a:noFill/>
-        </p:spPr>
-        <p:txBody>
-          <a:bodyPr wrap="square" rtlCol="0">
-            <a:spAutoFit/>
-          </a:bodyPr>
-          <a:lstStyle/>
-          <a:p>
-            <a:pPr algn="ctr"/>
-            <a:r>
-              <a:rPr lang="en-US" sz="3200" dirty="0"/>
-              <a:t>Please Wait For Screen Transition</a:t>
-            </a:r>
-          </a:p>
-        </p:txBody>
-      </p:sp>
-    </p:spTree>
-    <p:extLst>
-      <p:ext uri="{BB962C8B-B14F-4D97-AF65-F5344CB8AC3E}">
-        <p14:creationId xmlns:p14="http://schemas.microsoft.com/office/powerpoint/2010/main" val="1465264554"/>
-      </p:ext>
-    </p:extLst>
-  </p:cSld>
-  <p:clrMapOvr>
-    <a:masterClrMapping/>
-  </p:clrMapOvr>
-</p:sld>
-</file>
-
-<file path=ppt/slides/slide11.xml><?xml version="1.0" encoding="utf-8"?>
-<p:sld xmlns:a="http://schemas.openxmlformats.org/drawingml/2006/main" xmlns:r="http://schemas.openxmlformats.org/officeDocument/2006/relationships" xmlns:p="http://schemas.openxmlformats.org/presentationml/2006/main">
-  <p:cSld>
     <p:spTree>
       <p:nvGrpSpPr>
         <p:cNvPr id="1" name="">
@@ -6006,7 +5890,7 @@
             <a:fld id="{C01389E6-C847-4AD0-B56D-D205B2EAB1EE}" type="slidenum">
               <a:rPr lang="en-US" smtClean="0"/>
               <a:pPr/>
-              <a:t>11</a:t>
+              <a:t>10</a:t>
             </a:fld>
             <a:endParaRPr lang="en-US" dirty="0"/>
           </a:p>
@@ -6219,7 +6103,7 @@
           <a:p>
             <a:r>
               <a:rPr lang="en-US" dirty="0"/>
-              <a:t>Anna Milligan – Fonts, color scheme</a:t>
+              <a:t>Anna Milligan – Frontend</a:t>
             </a:r>
           </a:p>
           <a:p>
@@ -6976,8 +6860,13 @@
             </a:pPr>
             <a:r>
               <a:rPr lang="en-US" sz="2400" dirty="0"/>
-              <a:t>Frontend development and polishing</a:t>
-            </a:r>
+              <a:t>Frontend development </a:t>
+            </a:r>
+            <a:r>
+              <a:rPr lang="en-US" sz="2400"/>
+              <a:t>and improvement</a:t>
+            </a:r>
+            <a:endParaRPr lang="en-US" sz="2400" dirty="0"/>
           </a:p>
           <a:p>
             <a:pPr marL="342900" indent="-342900">
@@ -7079,186 +6968,6 @@
 </file>
 
 <file path=ppt/slides/slide7.xml><?xml version="1.0" encoding="utf-8"?>
-<p:sld xmlns:a="http://schemas.openxmlformats.org/drawingml/2006/main" xmlns:r="http://schemas.openxmlformats.org/officeDocument/2006/relationships" xmlns:p="http://schemas.openxmlformats.org/presentationml/2006/main">
-  <p:cSld>
-    <p:spTree>
-      <p:nvGrpSpPr>
-        <p:cNvPr id="1" name="">
-          <a:extLst>
-            <a:ext uri="{FF2B5EF4-FFF2-40B4-BE49-F238E27FC236}">
-              <a16:creationId xmlns:a16="http://schemas.microsoft.com/office/drawing/2014/main" id="{68819B82-2836-69DF-493B-83C4C6991214}"/>
-            </a:ext>
-          </a:extLst>
-        </p:cNvPr>
-        <p:cNvGrpSpPr/>
-        <p:nvPr/>
-      </p:nvGrpSpPr>
-      <p:grpSpPr>
-        <a:xfrm>
-          <a:off x="0" y="0"/>
-          <a:ext cx="0" cy="0"/>
-          <a:chOff x="0" y="0"/>
-          <a:chExt cx="0" cy="0"/>
-        </a:xfrm>
-      </p:grpSpPr>
-      <p:sp>
-        <p:nvSpPr>
-          <p:cNvPr id="2" name="Title 1">
-            <a:extLst>
-              <a:ext uri="{FF2B5EF4-FFF2-40B4-BE49-F238E27FC236}">
-                <a16:creationId xmlns:a16="http://schemas.microsoft.com/office/drawing/2014/main" id="{78F9EB2D-E483-C83A-88DA-F76AEC8CA57D}"/>
-              </a:ext>
-            </a:extLst>
-          </p:cNvPr>
-          <p:cNvSpPr>
-            <a:spLocks noGrp="1"/>
-          </p:cNvSpPr>
-          <p:nvPr>
-            <p:ph type="title"/>
-          </p:nvPr>
-        </p:nvSpPr>
-        <p:spPr/>
-        <p:txBody>
-          <a:bodyPr/>
-          <a:lstStyle/>
-          <a:p>
-            <a:r>
-              <a:rPr lang="en-US" dirty="0"/>
-              <a:t>What IS TO COME</a:t>
-            </a:r>
-          </a:p>
-        </p:txBody>
-      </p:sp>
-      <p:sp>
-        <p:nvSpPr>
-          <p:cNvPr id="5" name="Content Placeholder 4">
-            <a:extLst>
-              <a:ext uri="{FF2B5EF4-FFF2-40B4-BE49-F238E27FC236}">
-                <a16:creationId xmlns:a16="http://schemas.microsoft.com/office/drawing/2014/main" id="{E4A5E59E-B128-B9C5-81EA-9616FB9BD382}"/>
-              </a:ext>
-            </a:extLst>
-          </p:cNvPr>
-          <p:cNvSpPr>
-            <a:spLocks noGrp="1"/>
-          </p:cNvSpPr>
-          <p:nvPr>
-            <p:ph sz="quarter" idx="17"/>
-          </p:nvPr>
-        </p:nvSpPr>
-        <p:spPr/>
-        <p:txBody>
-          <a:bodyPr/>
-          <a:lstStyle/>
-          <a:p>
-            <a:pPr marL="342900" indent="-342900">
-              <a:buFont typeface="Arial" panose="020B0604020202020204" pitchFamily="34" charset="0"/>
-              <a:buChar char="•"/>
-            </a:pPr>
-            <a:r>
-              <a:rPr lang="en-US" sz="2400" dirty="0"/>
-              <a:t>Frontend development and polishing</a:t>
-            </a:r>
-          </a:p>
-          <a:p>
-            <a:pPr marL="342900" indent="-342900">
-              <a:buFont typeface="Arial" panose="020B0604020202020204" pitchFamily="34" charset="0"/>
-              <a:buChar char="•"/>
-            </a:pPr>
-            <a:endParaRPr lang="en-US" sz="2400" dirty="0"/>
-          </a:p>
-          <a:p>
-            <a:pPr marL="342900" indent="-342900">
-              <a:buFont typeface="Arial" panose="020B0604020202020204" pitchFamily="34" charset="0"/>
-              <a:buChar char="•"/>
-            </a:pPr>
-            <a:r>
-              <a:rPr lang="en-US" sz="2400" dirty="0"/>
-              <a:t>Improvements to user and group security; product vetting</a:t>
-            </a:r>
-          </a:p>
-          <a:p>
-            <a:endParaRPr lang="en-US" sz="2400" dirty="0"/>
-          </a:p>
-          <a:p>
-            <a:pPr marL="342900" indent="-342900">
-              <a:buFont typeface="Arial" panose="020B0604020202020204" pitchFamily="34" charset="0"/>
-              <a:buChar char="•"/>
-            </a:pPr>
-            <a:r>
-              <a:rPr lang="en-US" sz="2400" dirty="0"/>
-              <a:t>Finalize bartering process</a:t>
-            </a:r>
-          </a:p>
-          <a:p>
-            <a:pPr marL="342900" indent="-342900">
-              <a:buFont typeface="Arial" panose="020B0604020202020204" pitchFamily="34" charset="0"/>
-              <a:buChar char="•"/>
-            </a:pPr>
-            <a:endParaRPr lang="en-US" sz="2400" dirty="0"/>
-          </a:p>
-          <a:p>
-            <a:pPr marL="342900" indent="-342900">
-              <a:buFont typeface="Arial" panose="020B0604020202020204" pitchFamily="34" charset="0"/>
-              <a:buChar char="•"/>
-            </a:pPr>
-            <a:r>
-              <a:rPr lang="en-US" sz="2400" dirty="0"/>
-              <a:t>Assembling the admin panel from constructed components</a:t>
-            </a:r>
-          </a:p>
-          <a:p>
-            <a:pPr marL="342900" indent="-342900">
-              <a:buFont typeface="Arial" panose="020B0604020202020204" pitchFamily="34" charset="0"/>
-              <a:buChar char="•"/>
-            </a:pPr>
-            <a:endParaRPr lang="en-US" sz="2400" dirty="0"/>
-          </a:p>
-        </p:txBody>
-      </p:sp>
-      <p:sp>
-        <p:nvSpPr>
-          <p:cNvPr id="4" name="Slide Number Placeholder 3">
-            <a:extLst>
-              <a:ext uri="{FF2B5EF4-FFF2-40B4-BE49-F238E27FC236}">
-                <a16:creationId xmlns:a16="http://schemas.microsoft.com/office/drawing/2014/main" id="{2A6E6FD3-8577-473A-CC0A-DBB0A2E7090E}"/>
-              </a:ext>
-            </a:extLst>
-          </p:cNvPr>
-          <p:cNvSpPr>
-            <a:spLocks noGrp="1"/>
-          </p:cNvSpPr>
-          <p:nvPr>
-            <p:ph type="sldNum" sz="quarter" idx="12"/>
-          </p:nvPr>
-        </p:nvSpPr>
-        <p:spPr/>
-        <p:txBody>
-          <a:bodyPr/>
-          <a:lstStyle/>
-          <a:p>
-            <a:fld id="{C01389E6-C847-4AD0-B56D-D205B2EAB1EE}" type="slidenum">
-              <a:rPr lang="en-US" smtClean="0"/>
-              <a:pPr/>
-              <a:t>7</a:t>
-            </a:fld>
-            <a:endParaRPr lang="en-US" dirty="0"/>
-          </a:p>
-        </p:txBody>
-      </p:sp>
-    </p:spTree>
-    <p:extLst>
-      <p:ext uri="{BB962C8B-B14F-4D97-AF65-F5344CB8AC3E}">
-        <p14:creationId xmlns:p14="http://schemas.microsoft.com/office/powerpoint/2010/main" val="2106256548"/>
-      </p:ext>
-    </p:extLst>
-  </p:cSld>
-  <p:clrMapOvr>
-    <a:masterClrMapping/>
-  </p:clrMapOvr>
-</p:sld>
-</file>
-
-<file path=ppt/slides/slide8.xml><?xml version="1.0" encoding="utf-8"?>
 <p:sld xmlns:a="http://schemas.openxmlformats.org/drawingml/2006/main" xmlns:r="http://schemas.openxmlformats.org/officeDocument/2006/relationships" xmlns:p="http://schemas.openxmlformats.org/presentationml/2006/main">
   <p:cSld>
     <p:bg>
@@ -7980,7 +7689,7 @@
                   <a:spcPts val="600"/>
                 </a:spcAft>
               </a:pPr>
-              <a:t>8</a:t>
+              <a:t>7</a:t>
             </a:fld>
             <a:endParaRPr lang="en-US">
               <a:solidFill>
@@ -8042,7 +7751,7 @@
 </p:sld>
 </file>
 
-<file path=ppt/slides/slide9.xml><?xml version="1.0" encoding="utf-8"?>
+<file path=ppt/slides/slide8.xml><?xml version="1.0" encoding="utf-8"?>
 <p:sld xmlns:a="http://schemas.openxmlformats.org/drawingml/2006/main" xmlns:r="http://schemas.openxmlformats.org/officeDocument/2006/relationships" xmlns:p="http://schemas.openxmlformats.org/presentationml/2006/main">
   <p:cSld>
     <p:bg>
@@ -8391,16 +8100,10 @@
           <a:p>
             <a:pPr marL="1085850" lvl="1" indent="-228600"/>
             <a:r>
-              <a:rPr lang="en-US" sz="2900">
-                <a:latin typeface="+mn-lt"/>
-              </a:rPr>
-              <a:t>Instruction </a:t>
-            </a:r>
-            <a:r>
               <a:rPr lang="en-US" sz="2900" dirty="0">
                 <a:latin typeface="+mn-lt"/>
               </a:rPr>
-              <a:t>text</a:t>
+              <a:t>Instruction text</a:t>
             </a:r>
           </a:p>
           <a:p>
@@ -8653,7 +8356,7 @@
                   <a:spcPts val="600"/>
                 </a:spcAft>
               </a:pPr>
-              <a:t>9</a:t>
+              <a:t>8</a:t>
             </a:fld>
             <a:endParaRPr lang="en-US">
               <a:solidFill>
@@ -8706,6 +8409,121 @@
     <p:extLst>
       <p:ext uri="{BB962C8B-B14F-4D97-AF65-F5344CB8AC3E}">
         <p14:creationId xmlns:p14="http://schemas.microsoft.com/office/powerpoint/2010/main" val="3285879034"/>
+      </p:ext>
+    </p:extLst>
+  </p:cSld>
+  <p:clrMapOvr>
+    <a:masterClrMapping/>
+  </p:clrMapOvr>
+</p:sld>
+</file>
+
+<file path=ppt/slides/slide9.xml><?xml version="1.0" encoding="utf-8"?>
+<p:sld xmlns:a="http://schemas.openxmlformats.org/drawingml/2006/main" xmlns:r="http://schemas.openxmlformats.org/officeDocument/2006/relationships" xmlns:p="http://schemas.openxmlformats.org/presentationml/2006/main">
+  <p:cSld>
+    <p:bg>
+      <p:bgPr>
+        <a:solidFill>
+          <a:schemeClr val="bg1"/>
+        </a:solidFill>
+        <a:effectLst/>
+      </p:bgPr>
+    </p:bg>
+    <p:spTree>
+      <p:nvGrpSpPr>
+        <p:cNvPr id="1" name="">
+          <a:extLst>
+            <a:ext uri="{FF2B5EF4-FFF2-40B4-BE49-F238E27FC236}">
+              <a16:creationId xmlns:a16="http://schemas.microsoft.com/office/drawing/2014/main" id="{2EDCEF70-8B58-8E5A-FAA3-86A4C5872051}"/>
+            </a:ext>
+          </a:extLst>
+        </p:cNvPr>
+        <p:cNvGrpSpPr/>
+        <p:nvPr/>
+      </p:nvGrpSpPr>
+      <p:grpSpPr>
+        <a:xfrm>
+          <a:off x="0" y="0"/>
+          <a:ext cx="0" cy="0"/>
+          <a:chOff x="0" y="0"/>
+          <a:chExt cx="0" cy="0"/>
+        </a:xfrm>
+      </p:grpSpPr>
+      <p:sp>
+        <p:nvSpPr>
+          <p:cNvPr id="2" name="Title 1">
+            <a:extLst>
+              <a:ext uri="{FF2B5EF4-FFF2-40B4-BE49-F238E27FC236}">
+                <a16:creationId xmlns:a16="http://schemas.microsoft.com/office/drawing/2014/main" id="{DBD4B669-66BA-D302-26F9-B9076E39000F}"/>
+              </a:ext>
+            </a:extLst>
+          </p:cNvPr>
+          <p:cNvSpPr>
+            <a:spLocks noGrp="1"/>
+          </p:cNvSpPr>
+          <p:nvPr>
+            <p:ph type="title"/>
+          </p:nvPr>
+        </p:nvSpPr>
+        <p:spPr>
+          <a:xfrm>
+            <a:off x="975360" y="1731702"/>
+            <a:ext cx="10241280" cy="1837408"/>
+          </a:xfrm>
+        </p:spPr>
+        <p:txBody>
+          <a:bodyPr>
+            <a:normAutofit/>
+          </a:bodyPr>
+          <a:lstStyle/>
+          <a:p>
+            <a:r>
+              <a:rPr lang="en-US" sz="4800" dirty="0"/>
+              <a:t>PRODUCT DEMO</a:t>
+            </a:r>
+          </a:p>
+        </p:txBody>
+      </p:sp>
+      <p:sp>
+        <p:nvSpPr>
+          <p:cNvPr id="3" name="TextBox 2">
+            <a:extLst>
+              <a:ext uri="{FF2B5EF4-FFF2-40B4-BE49-F238E27FC236}">
+                <a16:creationId xmlns:a16="http://schemas.microsoft.com/office/drawing/2014/main" id="{9F4DF60C-3EF3-F61E-7FBF-448A696361DD}"/>
+              </a:ext>
+            </a:extLst>
+          </p:cNvPr>
+          <p:cNvSpPr txBox="1"/>
+          <p:nvPr/>
+        </p:nvSpPr>
+        <p:spPr>
+          <a:xfrm>
+            <a:off x="1902542" y="3136612"/>
+            <a:ext cx="8386916" cy="584775"/>
+          </a:xfrm>
+          <a:prstGeom prst="rect">
+            <a:avLst/>
+          </a:prstGeom>
+          <a:noFill/>
+        </p:spPr>
+        <p:txBody>
+          <a:bodyPr wrap="square" rtlCol="0">
+            <a:spAutoFit/>
+          </a:bodyPr>
+          <a:lstStyle/>
+          <a:p>
+            <a:pPr algn="ctr"/>
+            <a:r>
+              <a:rPr lang="en-US" sz="3200" dirty="0"/>
+              <a:t>Please Wait For Screen Transition</a:t>
+            </a:r>
+          </a:p>
+        </p:txBody>
+      </p:sp>
+    </p:spTree>
+    <p:extLst>
+      <p:ext uri="{BB962C8B-B14F-4D97-AF65-F5344CB8AC3E}">
+        <p14:creationId xmlns:p14="http://schemas.microsoft.com/office/powerpoint/2010/main" val="1465264554"/>
       </p:ext>
     </p:extLst>
   </p:cSld>

--- a/CaravanSeraiCS360/Presentations/Caravanserai.pptx
+++ b/CaravanSeraiCS360/Presentations/Caravanserai.pptx
@@ -16,9 +16,9 @@
     <p:sldId id="312" r:id="rId7"/>
     <p:sldId id="319" r:id="rId8"/>
     <p:sldId id="325" r:id="rId9"/>
-    <p:sldId id="326" r:id="rId10"/>
-    <p:sldId id="330" r:id="rId11"/>
-    <p:sldId id="332" r:id="rId12"/>
+    <p:sldId id="330" r:id="rId10"/>
+    <p:sldId id="332" r:id="rId11"/>
+    <p:sldId id="326" r:id="rId12"/>
     <p:sldId id="329" r:id="rId13"/>
     <p:sldId id="321" r:id="rId14"/>
   </p:sldIdLst>
@@ -6785,191 +6785,6 @@
 <file path=ppt/slides/slide6.xml><?xml version="1.0" encoding="utf-8"?>
 <p:sld xmlns:a="http://schemas.openxmlformats.org/drawingml/2006/main" xmlns:r="http://schemas.openxmlformats.org/officeDocument/2006/relationships" xmlns:p="http://schemas.openxmlformats.org/presentationml/2006/main">
   <p:cSld>
-    <p:spTree>
-      <p:nvGrpSpPr>
-        <p:cNvPr id="1" name="">
-          <a:extLst>
-            <a:ext uri="{FF2B5EF4-FFF2-40B4-BE49-F238E27FC236}">
-              <a16:creationId xmlns:a16="http://schemas.microsoft.com/office/drawing/2014/main" id="{F97E430D-E367-BCF4-F9B2-0A8F5EAFD4CB}"/>
-            </a:ext>
-          </a:extLst>
-        </p:cNvPr>
-        <p:cNvGrpSpPr/>
-        <p:nvPr/>
-      </p:nvGrpSpPr>
-      <p:grpSpPr>
-        <a:xfrm>
-          <a:off x="0" y="0"/>
-          <a:ext cx="0" cy="0"/>
-          <a:chOff x="0" y="0"/>
-          <a:chExt cx="0" cy="0"/>
-        </a:xfrm>
-      </p:grpSpPr>
-      <p:sp>
-        <p:nvSpPr>
-          <p:cNvPr id="2" name="Title 1">
-            <a:extLst>
-              <a:ext uri="{FF2B5EF4-FFF2-40B4-BE49-F238E27FC236}">
-                <a16:creationId xmlns:a16="http://schemas.microsoft.com/office/drawing/2014/main" id="{5EBE2311-3325-CBF4-5ACF-C5BD2E2F7688}"/>
-              </a:ext>
-            </a:extLst>
-          </p:cNvPr>
-          <p:cNvSpPr>
-            <a:spLocks noGrp="1"/>
-          </p:cNvSpPr>
-          <p:nvPr>
-            <p:ph type="title"/>
-          </p:nvPr>
-        </p:nvSpPr>
-        <p:spPr/>
-        <p:txBody>
-          <a:bodyPr/>
-          <a:lstStyle/>
-          <a:p>
-            <a:r>
-              <a:rPr lang="en-US" dirty="0"/>
-              <a:t>What IS TO COME</a:t>
-            </a:r>
-          </a:p>
-        </p:txBody>
-      </p:sp>
-      <p:sp>
-        <p:nvSpPr>
-          <p:cNvPr id="5" name="Content Placeholder 4">
-            <a:extLst>
-              <a:ext uri="{FF2B5EF4-FFF2-40B4-BE49-F238E27FC236}">
-                <a16:creationId xmlns:a16="http://schemas.microsoft.com/office/drawing/2014/main" id="{AA9FBF88-749E-2130-9071-9FED806754CB}"/>
-              </a:ext>
-            </a:extLst>
-          </p:cNvPr>
-          <p:cNvSpPr>
-            <a:spLocks noGrp="1"/>
-          </p:cNvSpPr>
-          <p:nvPr>
-            <p:ph sz="quarter" idx="17"/>
-          </p:nvPr>
-        </p:nvSpPr>
-        <p:spPr/>
-        <p:txBody>
-          <a:bodyPr/>
-          <a:lstStyle/>
-          <a:p>
-            <a:pPr marL="342900" indent="-342900">
-              <a:buFont typeface="Arial" panose="020B0604020202020204" pitchFamily="34" charset="0"/>
-              <a:buChar char="•"/>
-            </a:pPr>
-            <a:r>
-              <a:rPr lang="en-US" sz="2400" dirty="0"/>
-              <a:t>Frontend development </a:t>
-            </a:r>
-            <a:r>
-              <a:rPr lang="en-US" sz="2400"/>
-              <a:t>and improvement</a:t>
-            </a:r>
-            <a:endParaRPr lang="en-US" sz="2400" dirty="0"/>
-          </a:p>
-          <a:p>
-            <a:pPr marL="342900" indent="-342900">
-              <a:buFont typeface="Arial" panose="020B0604020202020204" pitchFamily="34" charset="0"/>
-              <a:buChar char="•"/>
-            </a:pPr>
-            <a:endParaRPr lang="en-US" sz="2400" dirty="0"/>
-          </a:p>
-          <a:p>
-            <a:pPr marL="342900" indent="-342900">
-              <a:buFont typeface="Arial" panose="020B0604020202020204" pitchFamily="34" charset="0"/>
-              <a:buChar char="•"/>
-            </a:pPr>
-            <a:r>
-              <a:rPr lang="en-US" sz="2400" dirty="0"/>
-              <a:t>Improvements to user and group security; product vetting</a:t>
-            </a:r>
-          </a:p>
-          <a:p>
-            <a:endParaRPr lang="en-US" sz="2400" dirty="0"/>
-          </a:p>
-          <a:p>
-            <a:pPr marL="342900" indent="-342900">
-              <a:buFont typeface="Arial" panose="020B0604020202020204" pitchFamily="34" charset="0"/>
-              <a:buChar char="•"/>
-            </a:pPr>
-            <a:r>
-              <a:rPr lang="en-US" sz="2400" dirty="0"/>
-              <a:t>Finalize bartering process</a:t>
-            </a:r>
-          </a:p>
-          <a:p>
-            <a:pPr marL="342900" indent="-342900">
-              <a:buFont typeface="Arial" panose="020B0604020202020204" pitchFamily="34" charset="0"/>
-              <a:buChar char="•"/>
-            </a:pPr>
-            <a:endParaRPr lang="en-US" sz="2400" dirty="0"/>
-          </a:p>
-          <a:p>
-            <a:pPr marL="342900" indent="-342900">
-              <a:buFont typeface="Arial" panose="020B0604020202020204" pitchFamily="34" charset="0"/>
-              <a:buChar char="•"/>
-            </a:pPr>
-            <a:r>
-              <a:rPr lang="en-US" sz="2400" dirty="0"/>
-              <a:t>Assembling the admin panel from constructed components</a:t>
-            </a:r>
-          </a:p>
-          <a:p>
-            <a:pPr marL="342900" indent="-342900">
-              <a:buFont typeface="Arial" panose="020B0604020202020204" pitchFamily="34" charset="0"/>
-              <a:buChar char="•"/>
-            </a:pPr>
-            <a:endParaRPr lang="en-US" sz="2400" dirty="0"/>
-          </a:p>
-        </p:txBody>
-      </p:sp>
-      <p:sp>
-        <p:nvSpPr>
-          <p:cNvPr id="4" name="Slide Number Placeholder 3">
-            <a:extLst>
-              <a:ext uri="{FF2B5EF4-FFF2-40B4-BE49-F238E27FC236}">
-                <a16:creationId xmlns:a16="http://schemas.microsoft.com/office/drawing/2014/main" id="{8F92018D-07AC-5D0F-2994-E1C874B7ADC1}"/>
-              </a:ext>
-            </a:extLst>
-          </p:cNvPr>
-          <p:cNvSpPr>
-            <a:spLocks noGrp="1"/>
-          </p:cNvSpPr>
-          <p:nvPr>
-            <p:ph type="sldNum" sz="quarter" idx="12"/>
-          </p:nvPr>
-        </p:nvSpPr>
-        <p:spPr/>
-        <p:txBody>
-          <a:bodyPr/>
-          <a:lstStyle/>
-          <a:p>
-            <a:fld id="{C01389E6-C847-4AD0-B56D-D205B2EAB1EE}" type="slidenum">
-              <a:rPr lang="en-US" smtClean="0"/>
-              <a:pPr/>
-              <a:t>6</a:t>
-            </a:fld>
-            <a:endParaRPr lang="en-US" dirty="0"/>
-          </a:p>
-        </p:txBody>
-      </p:sp>
-    </p:spTree>
-    <p:extLst>
-      <p:ext uri="{BB962C8B-B14F-4D97-AF65-F5344CB8AC3E}">
-        <p14:creationId xmlns:p14="http://schemas.microsoft.com/office/powerpoint/2010/main" val="3406341205"/>
-      </p:ext>
-    </p:extLst>
-  </p:cSld>
-  <p:clrMapOvr>
-    <a:masterClrMapping/>
-  </p:clrMapOvr>
-</p:sld>
-</file>
-
-<file path=ppt/slides/slide7.xml><?xml version="1.0" encoding="utf-8"?>
-<p:sld xmlns:a="http://schemas.openxmlformats.org/drawingml/2006/main" xmlns:r="http://schemas.openxmlformats.org/officeDocument/2006/relationships" xmlns:p="http://schemas.openxmlformats.org/presentationml/2006/main">
-  <p:cSld>
     <p:bg>
       <p:bgPr>
         <a:solidFill>
@@ -7277,7 +7092,7 @@
         </p:nvSpPr>
         <p:spPr>
           <a:xfrm>
-            <a:off x="1371600" y="2507400"/>
+            <a:off x="1022556" y="2524881"/>
             <a:ext cx="9448800" cy="3812746"/>
           </a:xfrm>
         </p:spPr>
@@ -7391,7 +7206,19 @@
               <a:rPr lang="en-US" sz="3300" dirty="0">
                 <a:latin typeface="+mn-lt"/>
               </a:rPr>
-              <a:t>Connect other user’s products to making a barter</a:t>
+              <a:t>Connect other user’s products </a:t>
+            </a:r>
+            <a:r>
+              <a:rPr lang="en-US" sz="3300">
+                <a:latin typeface="+mn-lt"/>
+              </a:rPr>
+              <a:t>to make </a:t>
+            </a:r>
+            <a:r>
+              <a:rPr lang="en-US" sz="3300" dirty="0">
+                <a:latin typeface="+mn-lt"/>
+              </a:rPr>
+              <a:t>a barter</a:t>
             </a:r>
           </a:p>
           <a:p>
@@ -7436,7 +7263,16 @@
               <a:rPr lang="en-US" sz="3300" dirty="0">
                 <a:latin typeface="+mn-lt"/>
               </a:rPr>
-              <a:t>Accepting barter/counteroffer results in group products being traded/traded on behalf of group members</a:t>
+              <a:t>Accepting barters results in group products being traded on behalf of group members</a:t>
+            </a:r>
+          </a:p>
+          <a:p>
+            <a:pPr marL="1085850" lvl="1" indent="-228600"/>
+            <a:r>
+              <a:rPr lang="en-US" sz="3300" dirty="0">
+                <a:latin typeface="+mn-lt"/>
+              </a:rPr>
+              <a:t>Accepting barters results in products moving on database</a:t>
             </a:r>
           </a:p>
           <a:p>
@@ -7689,7 +7525,7 @@
                   <a:spcPts val="600"/>
                 </a:spcAft>
               </a:pPr>
-              <a:t>7</a:t>
+              <a:t>6</a:t>
             </a:fld>
             <a:endParaRPr lang="en-US">
               <a:solidFill>
@@ -7751,7 +7587,7 @@
 </p:sld>
 </file>
 
-<file path=ppt/slides/slide8.xml><?xml version="1.0" encoding="utf-8"?>
+<file path=ppt/slides/slide7.xml><?xml version="1.0" encoding="utf-8"?>
 <p:sld xmlns:a="http://schemas.openxmlformats.org/drawingml/2006/main" xmlns:r="http://schemas.openxmlformats.org/officeDocument/2006/relationships" xmlns:p="http://schemas.openxmlformats.org/presentationml/2006/main">
   <p:cSld>
     <p:bg>
@@ -8061,7 +7897,7 @@
         </p:nvSpPr>
         <p:spPr>
           <a:xfrm>
-            <a:off x="3593690" y="2595570"/>
+            <a:off x="3390899" y="2566143"/>
             <a:ext cx="9448800" cy="3812746"/>
           </a:xfrm>
         </p:spPr>
@@ -8094,7 +7930,7 @@
               <a:rPr lang="en-US" sz="2900" dirty="0">
                 <a:latin typeface="+mn-lt"/>
               </a:rPr>
-              <a:t>Formatting</a:t>
+              <a:t>Layout formatting</a:t>
             </a:r>
           </a:p>
           <a:p>
@@ -8356,7 +8192,7 @@
                   <a:spcPts val="600"/>
                 </a:spcAft>
               </a:pPr>
-              <a:t>8</a:t>
+              <a:t>7</a:t>
             </a:fld>
             <a:endParaRPr lang="en-US">
               <a:solidFill>
@@ -8409,6 +8245,169 @@
     <p:extLst>
       <p:ext uri="{BB962C8B-B14F-4D97-AF65-F5344CB8AC3E}">
         <p14:creationId xmlns:p14="http://schemas.microsoft.com/office/powerpoint/2010/main" val="3285879034"/>
+      </p:ext>
+    </p:extLst>
+  </p:cSld>
+  <p:clrMapOvr>
+    <a:masterClrMapping/>
+  </p:clrMapOvr>
+</p:sld>
+</file>
+
+<file path=ppt/slides/slide8.xml><?xml version="1.0" encoding="utf-8"?>
+<p:sld xmlns:a="http://schemas.openxmlformats.org/drawingml/2006/main" xmlns:r="http://schemas.openxmlformats.org/officeDocument/2006/relationships" xmlns:p="http://schemas.openxmlformats.org/presentationml/2006/main">
+  <p:cSld>
+    <p:spTree>
+      <p:nvGrpSpPr>
+        <p:cNvPr id="1" name="">
+          <a:extLst>
+            <a:ext uri="{FF2B5EF4-FFF2-40B4-BE49-F238E27FC236}">
+              <a16:creationId xmlns:a16="http://schemas.microsoft.com/office/drawing/2014/main" id="{F97E430D-E367-BCF4-F9B2-0A8F5EAFD4CB}"/>
+            </a:ext>
+          </a:extLst>
+        </p:cNvPr>
+        <p:cNvGrpSpPr/>
+        <p:nvPr/>
+      </p:nvGrpSpPr>
+      <p:grpSpPr>
+        <a:xfrm>
+          <a:off x="0" y="0"/>
+          <a:ext cx="0" cy="0"/>
+          <a:chOff x="0" y="0"/>
+          <a:chExt cx="0" cy="0"/>
+        </a:xfrm>
+      </p:grpSpPr>
+      <p:sp>
+        <p:nvSpPr>
+          <p:cNvPr id="2" name="Title 1">
+            <a:extLst>
+              <a:ext uri="{FF2B5EF4-FFF2-40B4-BE49-F238E27FC236}">
+                <a16:creationId xmlns:a16="http://schemas.microsoft.com/office/drawing/2014/main" id="{5EBE2311-3325-CBF4-5ACF-C5BD2E2F7688}"/>
+              </a:ext>
+            </a:extLst>
+          </p:cNvPr>
+          <p:cNvSpPr>
+            <a:spLocks noGrp="1"/>
+          </p:cNvSpPr>
+          <p:nvPr>
+            <p:ph type="title"/>
+          </p:nvPr>
+        </p:nvSpPr>
+        <p:spPr/>
+        <p:txBody>
+          <a:bodyPr/>
+          <a:lstStyle/>
+          <a:p>
+            <a:r>
+              <a:rPr lang="en-US" dirty="0"/>
+              <a:t>What IS TO COME</a:t>
+            </a:r>
+          </a:p>
+        </p:txBody>
+      </p:sp>
+      <p:sp>
+        <p:nvSpPr>
+          <p:cNvPr id="5" name="Content Placeholder 4">
+            <a:extLst>
+              <a:ext uri="{FF2B5EF4-FFF2-40B4-BE49-F238E27FC236}">
+                <a16:creationId xmlns:a16="http://schemas.microsoft.com/office/drawing/2014/main" id="{AA9FBF88-749E-2130-9071-9FED806754CB}"/>
+              </a:ext>
+            </a:extLst>
+          </p:cNvPr>
+          <p:cNvSpPr>
+            <a:spLocks noGrp="1"/>
+          </p:cNvSpPr>
+          <p:nvPr>
+            <p:ph sz="quarter" idx="17"/>
+          </p:nvPr>
+        </p:nvSpPr>
+        <p:spPr/>
+        <p:txBody>
+          <a:bodyPr/>
+          <a:lstStyle/>
+          <a:p>
+            <a:pPr marL="342900" indent="-342900">
+              <a:buFont typeface="Arial" panose="020B0604020202020204" pitchFamily="34" charset="0"/>
+              <a:buChar char="•"/>
+            </a:pPr>
+            <a:r>
+              <a:rPr lang="en-US" sz="2400" dirty="0"/>
+              <a:t>Frontend development and improvement</a:t>
+            </a:r>
+          </a:p>
+          <a:p>
+            <a:pPr marL="342900" indent="-342900">
+              <a:buFont typeface="Arial" panose="020B0604020202020204" pitchFamily="34" charset="0"/>
+              <a:buChar char="•"/>
+            </a:pPr>
+            <a:endParaRPr lang="en-US" sz="2400" dirty="0"/>
+          </a:p>
+          <a:p>
+            <a:pPr marL="342900" indent="-342900">
+              <a:buFont typeface="Arial" panose="020B0604020202020204" pitchFamily="34" charset="0"/>
+              <a:buChar char="•"/>
+            </a:pPr>
+            <a:r>
+              <a:rPr lang="en-US" sz="2400" dirty="0"/>
+              <a:t>Improvements to user and group security</a:t>
+            </a:r>
+          </a:p>
+          <a:p>
+            <a:endParaRPr lang="en-US" sz="2400" dirty="0"/>
+          </a:p>
+          <a:p>
+            <a:pPr marL="342900" indent="-342900">
+              <a:buFont typeface="Arial" panose="020B0604020202020204" pitchFamily="34" charset="0"/>
+              <a:buChar char="•"/>
+            </a:pPr>
+            <a:r>
+              <a:rPr lang="en-US" sz="2400" dirty="0"/>
+              <a:t>Assembling the admin panel from constructed components</a:t>
+            </a:r>
+          </a:p>
+          <a:p>
+            <a:pPr marL="342900" indent="-342900">
+              <a:buFont typeface="Arial" panose="020B0604020202020204" pitchFamily="34" charset="0"/>
+              <a:buChar char="•"/>
+            </a:pPr>
+            <a:endParaRPr lang="en-US" sz="2400" dirty="0"/>
+          </a:p>
+        </p:txBody>
+      </p:sp>
+      <p:sp>
+        <p:nvSpPr>
+          <p:cNvPr id="4" name="Slide Number Placeholder 3">
+            <a:extLst>
+              <a:ext uri="{FF2B5EF4-FFF2-40B4-BE49-F238E27FC236}">
+                <a16:creationId xmlns:a16="http://schemas.microsoft.com/office/drawing/2014/main" id="{8F92018D-07AC-5D0F-2994-E1C874B7ADC1}"/>
+              </a:ext>
+            </a:extLst>
+          </p:cNvPr>
+          <p:cNvSpPr>
+            <a:spLocks noGrp="1"/>
+          </p:cNvSpPr>
+          <p:nvPr>
+            <p:ph type="sldNum" sz="quarter" idx="12"/>
+          </p:nvPr>
+        </p:nvSpPr>
+        <p:spPr/>
+        <p:txBody>
+          <a:bodyPr/>
+          <a:lstStyle/>
+          <a:p>
+            <a:fld id="{C01389E6-C847-4AD0-B56D-D205B2EAB1EE}" type="slidenum">
+              <a:rPr lang="en-US" smtClean="0"/>
+              <a:pPr/>
+              <a:t>8</a:t>
+            </a:fld>
+            <a:endParaRPr lang="en-US" dirty="0"/>
+          </a:p>
+        </p:txBody>
+      </p:sp>
+    </p:spTree>
+    <p:extLst>
+      <p:ext uri="{BB962C8B-B14F-4D97-AF65-F5344CB8AC3E}">
+        <p14:creationId xmlns:p14="http://schemas.microsoft.com/office/powerpoint/2010/main" val="3406341205"/>
       </p:ext>
     </p:extLst>
   </p:cSld>
